--- a/Final_project/presentation.pptx
+++ b/Final_project/presentation.pptx
@@ -5,7 +5,7 @@
     <p:sldMasterId id="2147483648" r:id="rId1"/>
   </p:sldMasterIdLst>
   <p:notesMasterIdLst>
-    <p:notesMasterId r:id="rId16"/>
+    <p:notesMasterId r:id="rId13"/>
   </p:notesMasterIdLst>
   <p:sldIdLst>
     <p:sldId id="256" r:id="rId2"/>
@@ -15,27 +15,29 @@
     <p:sldId id="262" r:id="rId6"/>
     <p:sldId id="272" r:id="rId7"/>
     <p:sldId id="273" r:id="rId8"/>
-    <p:sldId id="267" r:id="rId9"/>
-    <p:sldId id="264" r:id="rId10"/>
-    <p:sldId id="269" r:id="rId11"/>
-    <p:sldId id="265" r:id="rId12"/>
-    <p:sldId id="266" r:id="rId13"/>
-    <p:sldId id="268" r:id="rId14"/>
-    <p:sldId id="270" r:id="rId15"/>
+    <p:sldId id="274" r:id="rId9"/>
+    <p:sldId id="275" r:id="rId10"/>
+    <p:sldId id="276" r:id="rId11"/>
+    <p:sldId id="277" r:id="rId12"/>
   </p:sldIdLst>
   <p:sldSz cx="12192000" cy="6858000"/>
   <p:notesSz cx="6858000" cy="9144000"/>
   <p:embeddedFontLst>
     <p:embeddedFont>
       <p:font typeface="Cambria Math" panose="02040503050406030204" pitchFamily="18" charset="0"/>
-      <p:regular r:id="rId17"/>
+      <p:regular r:id="rId14"/>
+    </p:embeddedFont>
+    <p:embeddedFont>
+      <p:font typeface="Cascadia Code SemiBold" panose="020B0609020000020004" pitchFamily="49" charset="0"/>
+      <p:bold r:id="rId15"/>
+      <p:boldItalic r:id="rId16"/>
     </p:embeddedFont>
     <p:embeddedFont>
       <p:font typeface="Figtree" panose="020B0604020202020204" charset="0"/>
-      <p:regular r:id="rId18"/>
-      <p:bold r:id="rId19"/>
-      <p:italic r:id="rId20"/>
-      <p:boldItalic r:id="rId21"/>
+      <p:regular r:id="rId17"/>
+      <p:bold r:id="rId18"/>
+      <p:italic r:id="rId19"/>
+      <p:boldItalic r:id="rId20"/>
     </p:embeddedFont>
   </p:embeddedFontLst>
   <p:defaultTextStyle>
@@ -24084,7 +24086,7 @@
           <p:cNvPr id="2" name="Title 1">
             <a:extLst>
               <a:ext uri="{FF2B5EF4-FFF2-40B4-BE49-F238E27FC236}">
-                <a16:creationId xmlns:a16="http://schemas.microsoft.com/office/drawing/2014/main" id="{B6D1B278-A8DA-5B50-E833-BC953714FAF8}"/>
+                <a16:creationId xmlns:a16="http://schemas.microsoft.com/office/drawing/2014/main" id="{7A5C6AA7-1E88-6FB7-10B0-937590133758}"/>
               </a:ext>
             </a:extLst>
           </p:cNvPr>
@@ -24095,1567 +24097,132 @@
             <p:ph type="title"/>
           </p:nvPr>
         </p:nvSpPr>
-        <p:spPr/>
-        <p:txBody>
-          <a:bodyPr/>
+        <p:spPr>
+          <a:xfrm>
+            <a:off x="600075" y="1095632"/>
+            <a:ext cx="10990263" cy="568412"/>
+          </a:xfrm>
+        </p:spPr>
+        <p:txBody>
+          <a:bodyPr anchor="t">
+            <a:normAutofit/>
+          </a:bodyPr>
           <a:lstStyle/>
           <a:p>
             <a:r>
-              <a:rPr lang="de-DE" dirty="0" err="1"/>
-              <a:t>Assignment</a:t>
-            </a:r>
-            <a:r>
-              <a:rPr lang="de-DE" dirty="0"/>
-              <a:t> 5 - 1</a:t>
-            </a:r>
-          </a:p>
-        </p:txBody>
-      </p:sp>
-      <p:grpSp>
-        <p:nvGrpSpPr>
-          <p:cNvPr id="84" name="Groupe 83">
-            <a:extLst>
-              <a:ext uri="{FF2B5EF4-FFF2-40B4-BE49-F238E27FC236}">
-                <a16:creationId xmlns:a16="http://schemas.microsoft.com/office/drawing/2014/main" id="{7D2FC977-327E-EAFF-1544-1A33E81C0423}"/>
-              </a:ext>
-            </a:extLst>
-          </p:cNvPr>
-          <p:cNvGrpSpPr/>
+              <a:rPr lang="en-US" sz="2800" dirty="0"/>
+              <a:t>Verification</a:t>
+            </a:r>
+            <a:endParaRPr lang="de-DE" sz="2800" dirty="0"/>
+          </a:p>
+        </p:txBody>
+      </p:sp>
+      <p:sp>
+        <p:nvSpPr>
+          <p:cNvPr id="3" name="Content Placeholder 2">
+            <a:extLst>
+              <a:ext uri="{FF2B5EF4-FFF2-40B4-BE49-F238E27FC236}">
+                <a16:creationId xmlns:a16="http://schemas.microsoft.com/office/drawing/2014/main" id="{9BBBB529-1259-4A67-AE31-74D212C93A22}"/>
+              </a:ext>
+            </a:extLst>
+          </p:cNvPr>
+          <p:cNvSpPr>
+            <a:spLocks noGrp="1"/>
+          </p:cNvSpPr>
+          <p:nvPr>
+            <p:ph sz="half" idx="1"/>
+          </p:nvPr>
+        </p:nvSpPr>
+        <p:spPr>
+          <a:xfrm>
+            <a:off x="600075" y="1795850"/>
+            <a:ext cx="5314950" cy="4531923"/>
+          </a:xfrm>
+        </p:spPr>
+        <p:txBody>
+          <a:bodyPr>
+            <a:normAutofit/>
+          </a:bodyPr>
+          <a:lstStyle/>
+          <a:p>
+            <a:pPr marL="0" indent="0">
+              <a:buNone/>
+            </a:pPr>
+            <a:r>
+              <a:rPr lang="en-GB" dirty="0">
+                <a:solidFill>
+                  <a:srgbClr val="00356D"/>
+                </a:solidFill>
+                <a:latin typeface="Arial" panose="020B0604020202020204" pitchFamily="34" charset="0"/>
+              </a:rPr>
+              <a:t>For one sequence with alternating activities</a:t>
+            </a:r>
+            <a:r>
+              <a:rPr lang="en-GB" dirty="0"/>
+              <a:t>:</a:t>
+            </a:r>
+          </a:p>
+          <a:p>
+            <a:pPr marL="0" indent="0">
+              <a:buNone/>
+            </a:pPr>
+            <a:r>
+              <a:rPr lang="en-GB" dirty="0"/>
+              <a:t>Every five seconds, the activity was randomly changed. The output was then filtered with a majority filter. Still, the HMM alternates very often between walking and running. Furthermore, </a:t>
+            </a:r>
+            <a:r>
+              <a:rPr lang="en-US" dirty="0"/>
+              <a:t>it is almost impossible for humans to switch from running to standing and vice versa without a short walking sequence.</a:t>
+            </a:r>
+            <a:endParaRPr lang="de-DE" dirty="0"/>
+          </a:p>
+          <a:p>
+            <a:pPr marL="0" indent="0">
+              <a:buNone/>
+            </a:pPr>
+            <a:endParaRPr lang="de-DE" dirty="0"/>
+          </a:p>
+          <a:p>
+            <a:pPr marL="0" indent="0">
+              <a:buNone/>
+            </a:pPr>
+            <a:endParaRPr lang="de-DE" dirty="0"/>
+          </a:p>
+        </p:txBody>
+      </p:sp>
+      <p:pic>
+        <p:nvPicPr>
+          <p:cNvPr id="6" name="Picture 5">
+            <a:extLst>
+              <a:ext uri="{FF2B5EF4-FFF2-40B4-BE49-F238E27FC236}">
+                <a16:creationId xmlns:a16="http://schemas.microsoft.com/office/drawing/2014/main" id="{F28ED4CF-8DE4-67BD-B2C5-06FBEFBED33E}"/>
+              </a:ext>
+            </a:extLst>
+          </p:cNvPr>
+          <p:cNvPicPr>
+            <a:picLocks noChangeAspect="1"/>
+          </p:cNvPicPr>
           <p:nvPr/>
-        </p:nvGrpSpPr>
-        <p:grpSpPr>
+        </p:nvPicPr>
+        <p:blipFill>
+          <a:blip r:embed="rId2"/>
+          <a:stretch/>
+        </p:blipFill>
+        <p:spPr>
           <a:xfrm>
-            <a:off x="681966" y="2014469"/>
-            <a:ext cx="10424160" cy="4389631"/>
-            <a:chOff x="1389889" y="1807991"/>
-            <a:chExt cx="10424160" cy="4389631"/>
+            <a:off x="6275388" y="1969051"/>
+            <a:ext cx="5314950" cy="4185523"/>
           </a:xfrm>
-        </p:grpSpPr>
-        <p:sp>
-          <p:nvSpPr>
-            <p:cNvPr id="4" name="Rectangle 3">
-              <a:extLst>
-                <a:ext uri="{FF2B5EF4-FFF2-40B4-BE49-F238E27FC236}">
-                  <a16:creationId xmlns:a16="http://schemas.microsoft.com/office/drawing/2014/main" id="{326AD2A7-03FF-0C43-EA83-A11E11868BA4}"/>
-                </a:ext>
-              </a:extLst>
-            </p:cNvPr>
-            <p:cNvSpPr/>
-            <p:nvPr/>
-          </p:nvSpPr>
-          <p:spPr>
-            <a:xfrm>
-              <a:off x="4374490" y="1807991"/>
-              <a:ext cx="1975104" cy="863193"/>
-            </a:xfrm>
-            <a:prstGeom prst="rect">
-              <a:avLst/>
-            </a:prstGeom>
-            <a:ln/>
-          </p:spPr>
-          <p:style>
-            <a:lnRef idx="2">
-              <a:schemeClr val="accent1"/>
-            </a:lnRef>
-            <a:fillRef idx="1">
-              <a:schemeClr val="lt1"/>
-            </a:fillRef>
-            <a:effectRef idx="0">
-              <a:schemeClr val="accent1"/>
-            </a:effectRef>
-            <a:fontRef idx="minor">
-              <a:schemeClr val="dk1"/>
-            </a:fontRef>
-          </p:style>
-          <p:txBody>
-            <a:bodyPr rtlCol="0" anchor="ctr"/>
-            <a:lstStyle/>
-            <a:p>
-              <a:pPr algn="ctr"/>
-              <a:r>
-                <a:rPr lang="fr-BE" dirty="0"/>
-                <a:t>A5</a:t>
-              </a:r>
-            </a:p>
-          </p:txBody>
-        </p:sp>
-        <p:sp>
-          <p:nvSpPr>
-            <p:cNvPr id="5" name="Rectangle 4">
-              <a:extLst>
-                <a:ext uri="{FF2B5EF4-FFF2-40B4-BE49-F238E27FC236}">
-                  <a16:creationId xmlns:a16="http://schemas.microsoft.com/office/drawing/2014/main" id="{097A5F43-5D98-1F95-DEF5-D7838D05EF1A}"/>
-                </a:ext>
-              </a:extLst>
-            </p:cNvPr>
-            <p:cNvSpPr/>
-            <p:nvPr/>
-          </p:nvSpPr>
-          <p:spPr>
-            <a:xfrm>
-              <a:off x="1389889" y="3685641"/>
-              <a:ext cx="1000962" cy="841248"/>
-            </a:xfrm>
-            <a:prstGeom prst="rect">
-              <a:avLst/>
-            </a:prstGeom>
-            <a:ln/>
-          </p:spPr>
-          <p:style>
-            <a:lnRef idx="1">
-              <a:schemeClr val="accent2"/>
-            </a:lnRef>
-            <a:fillRef idx="2">
-              <a:schemeClr val="accent2"/>
-            </a:fillRef>
-            <a:effectRef idx="1">
-              <a:schemeClr val="accent2"/>
-            </a:effectRef>
-            <a:fontRef idx="minor">
-              <a:schemeClr val="dk1"/>
-            </a:fontRef>
-          </p:style>
-          <p:txBody>
-            <a:bodyPr rtlCol="0" anchor="ctr"/>
-            <a:lstStyle/>
-            <a:p>
-              <a:pPr algn="ctr"/>
-              <a:r>
-                <a:rPr lang="fr-BE" dirty="0"/>
-                <a:t>TRUE</a:t>
-              </a:r>
-            </a:p>
-          </p:txBody>
-        </p:sp>
-        <p:sp>
-          <p:nvSpPr>
-            <p:cNvPr id="6" name="Rectangle 5">
-              <a:extLst>
-                <a:ext uri="{FF2B5EF4-FFF2-40B4-BE49-F238E27FC236}">
-                  <a16:creationId xmlns:a16="http://schemas.microsoft.com/office/drawing/2014/main" id="{4BF91C8C-B043-5972-5E1B-1EA8C356305D}"/>
-                </a:ext>
-              </a:extLst>
-            </p:cNvPr>
-            <p:cNvSpPr/>
-            <p:nvPr/>
-          </p:nvSpPr>
-          <p:spPr>
-            <a:xfrm>
-              <a:off x="3105911" y="3686861"/>
-              <a:ext cx="1975104" cy="863193"/>
-            </a:xfrm>
-            <a:prstGeom prst="rect">
-              <a:avLst/>
-            </a:prstGeom>
-            <a:ln/>
-          </p:spPr>
-          <p:style>
-            <a:lnRef idx="2">
-              <a:schemeClr val="accent1"/>
-            </a:lnRef>
-            <a:fillRef idx="1">
-              <a:schemeClr val="lt1"/>
-            </a:fillRef>
-            <a:effectRef idx="0">
-              <a:schemeClr val="accent1"/>
-            </a:effectRef>
-            <a:fontRef idx="minor">
-              <a:schemeClr val="dk1"/>
-            </a:fontRef>
-          </p:style>
-          <p:txBody>
-            <a:bodyPr rtlCol="0" anchor="ctr"/>
-            <a:lstStyle/>
-            <a:p>
-              <a:pPr algn="ctr"/>
-              <a:r>
-                <a:rPr lang="fr-BE" dirty="0"/>
-                <a:t>A4</a:t>
-              </a:r>
-            </a:p>
-          </p:txBody>
-        </p:sp>
-        <p:sp>
-          <p:nvSpPr>
-            <p:cNvPr id="7" name="Rectangle 6">
-              <a:extLst>
-                <a:ext uri="{FF2B5EF4-FFF2-40B4-BE49-F238E27FC236}">
-                  <a16:creationId xmlns:a16="http://schemas.microsoft.com/office/drawing/2014/main" id="{686E71E9-802F-406C-155C-258DE3ED05FF}"/>
-                </a:ext>
-              </a:extLst>
-            </p:cNvPr>
-            <p:cNvSpPr/>
-            <p:nvPr/>
-          </p:nvSpPr>
-          <p:spPr>
-            <a:xfrm>
-              <a:off x="5796076" y="3673450"/>
-              <a:ext cx="1975104" cy="863193"/>
-            </a:xfrm>
-            <a:prstGeom prst="rect">
-              <a:avLst/>
-            </a:prstGeom>
-            <a:ln/>
-          </p:spPr>
-          <p:style>
-            <a:lnRef idx="2">
-              <a:schemeClr val="accent1"/>
-            </a:lnRef>
-            <a:fillRef idx="1">
-              <a:schemeClr val="lt1"/>
-            </a:fillRef>
-            <a:effectRef idx="0">
-              <a:schemeClr val="accent1"/>
-            </a:effectRef>
-            <a:fontRef idx="minor">
-              <a:schemeClr val="dk1"/>
-            </a:fontRef>
-          </p:style>
-          <p:txBody>
-            <a:bodyPr rtlCol="0" anchor="ctr"/>
-            <a:lstStyle/>
-            <a:p>
-              <a:pPr algn="ctr"/>
-              <a:r>
-                <a:rPr lang="fr-BE" dirty="0"/>
-                <a:t>A6</a:t>
-              </a:r>
-            </a:p>
-          </p:txBody>
-        </p:sp>
-        <p:sp>
-          <p:nvSpPr>
-            <p:cNvPr id="8" name="Rectangle 7">
-              <a:extLst>
-                <a:ext uri="{FF2B5EF4-FFF2-40B4-BE49-F238E27FC236}">
-                  <a16:creationId xmlns:a16="http://schemas.microsoft.com/office/drawing/2014/main" id="{E5A46E73-9926-5028-9FB0-E550D3E0006F}"/>
-                </a:ext>
-              </a:extLst>
-            </p:cNvPr>
-            <p:cNvSpPr/>
-            <p:nvPr/>
-          </p:nvSpPr>
-          <p:spPr>
-            <a:xfrm>
-              <a:off x="8419794" y="3685641"/>
-              <a:ext cx="1975104" cy="863193"/>
-            </a:xfrm>
-            <a:prstGeom prst="rect">
-              <a:avLst/>
-            </a:prstGeom>
-            <a:ln/>
-          </p:spPr>
-          <p:style>
-            <a:lnRef idx="2">
-              <a:schemeClr val="accent1"/>
-            </a:lnRef>
-            <a:fillRef idx="1">
-              <a:schemeClr val="lt1"/>
-            </a:fillRef>
-            <a:effectRef idx="0">
-              <a:schemeClr val="accent1"/>
-            </a:effectRef>
-            <a:fontRef idx="minor">
-              <a:schemeClr val="dk1"/>
-            </a:fontRef>
-          </p:style>
-          <p:txBody>
-            <a:bodyPr rtlCol="0" anchor="ctr"/>
-            <a:lstStyle/>
-            <a:p>
-              <a:pPr algn="ctr"/>
-              <a:r>
-                <a:rPr lang="fr-BE" dirty="0"/>
-                <a:t>A1</a:t>
-              </a:r>
-            </a:p>
-          </p:txBody>
-        </p:sp>
-        <p:cxnSp>
-          <p:nvCxnSpPr>
-            <p:cNvPr id="10" name="Connecteur droit 9">
-              <a:extLst>
-                <a:ext uri="{FF2B5EF4-FFF2-40B4-BE49-F238E27FC236}">
-                  <a16:creationId xmlns:a16="http://schemas.microsoft.com/office/drawing/2014/main" id="{6C484943-DFF8-AEEE-7ECA-FF407864750F}"/>
-                </a:ext>
-              </a:extLst>
-            </p:cNvPr>
-            <p:cNvCxnSpPr>
-              <a:cxnSpLocks/>
-            </p:cNvCxnSpPr>
-            <p:nvPr/>
-          </p:nvCxnSpPr>
-          <p:spPr>
-            <a:xfrm flipV="1">
-              <a:off x="2390850" y="2670048"/>
-              <a:ext cx="1998270" cy="993646"/>
-            </a:xfrm>
-            <a:prstGeom prst="line">
-              <a:avLst/>
-            </a:prstGeom>
-          </p:spPr>
-          <p:style>
-            <a:lnRef idx="1">
-              <a:schemeClr val="accent1"/>
-            </a:lnRef>
-            <a:fillRef idx="0">
-              <a:schemeClr val="accent1"/>
-            </a:fillRef>
-            <a:effectRef idx="0">
-              <a:schemeClr val="accent1"/>
-            </a:effectRef>
-            <a:fontRef idx="minor">
-              <a:schemeClr val="tx1"/>
-            </a:fontRef>
-          </p:style>
-        </p:cxnSp>
-        <p:cxnSp>
-          <p:nvCxnSpPr>
-            <p:cNvPr id="11" name="Connecteur droit 10">
-              <a:extLst>
-                <a:ext uri="{FF2B5EF4-FFF2-40B4-BE49-F238E27FC236}">
-                  <a16:creationId xmlns:a16="http://schemas.microsoft.com/office/drawing/2014/main" id="{6468DA2E-7FC6-98E7-7956-758C197112BF}"/>
-                </a:ext>
-              </a:extLst>
-            </p:cNvPr>
-            <p:cNvCxnSpPr>
-              <a:cxnSpLocks/>
-            </p:cNvCxnSpPr>
-            <p:nvPr/>
-          </p:nvCxnSpPr>
-          <p:spPr>
-            <a:xfrm>
-              <a:off x="6349594" y="2680940"/>
-              <a:ext cx="2070200" cy="1004701"/>
-            </a:xfrm>
-            <a:prstGeom prst="line">
-              <a:avLst/>
-            </a:prstGeom>
-          </p:spPr>
-          <p:style>
-            <a:lnRef idx="1">
-              <a:schemeClr val="accent1"/>
-            </a:lnRef>
-            <a:fillRef idx="0">
-              <a:schemeClr val="accent1"/>
-            </a:fillRef>
-            <a:effectRef idx="0">
-              <a:schemeClr val="accent1"/>
-            </a:effectRef>
-            <a:fontRef idx="minor">
-              <a:schemeClr val="tx1"/>
-            </a:fontRef>
-          </p:style>
-        </p:cxnSp>
-        <p:cxnSp>
-          <p:nvCxnSpPr>
-            <p:cNvPr id="12" name="Connecteur droit 11">
-              <a:extLst>
-                <a:ext uri="{FF2B5EF4-FFF2-40B4-BE49-F238E27FC236}">
-                  <a16:creationId xmlns:a16="http://schemas.microsoft.com/office/drawing/2014/main" id="{D9BFB9E7-4853-BEC5-7057-8FBB946012CE}"/>
-                </a:ext>
-              </a:extLst>
-            </p:cNvPr>
-            <p:cNvCxnSpPr>
-              <a:cxnSpLocks/>
-              <a:stCxn id="6" idx="0"/>
-              <a:endCxn id="4" idx="2"/>
-            </p:cNvCxnSpPr>
-            <p:nvPr/>
-          </p:nvCxnSpPr>
-          <p:spPr>
-            <a:xfrm flipV="1">
-              <a:off x="4093463" y="2671184"/>
-              <a:ext cx="1268579" cy="1015677"/>
-            </a:xfrm>
-            <a:prstGeom prst="line">
-              <a:avLst/>
-            </a:prstGeom>
-          </p:spPr>
-          <p:style>
-            <a:lnRef idx="1">
-              <a:schemeClr val="accent1"/>
-            </a:lnRef>
-            <a:fillRef idx="0">
-              <a:schemeClr val="accent1"/>
-            </a:fillRef>
-            <a:effectRef idx="0">
-              <a:schemeClr val="accent1"/>
-            </a:effectRef>
-            <a:fontRef idx="minor">
-              <a:schemeClr val="tx1"/>
-            </a:fontRef>
-          </p:style>
-        </p:cxnSp>
-        <p:cxnSp>
-          <p:nvCxnSpPr>
-            <p:cNvPr id="13" name="Connecteur droit 12">
-              <a:extLst>
-                <a:ext uri="{FF2B5EF4-FFF2-40B4-BE49-F238E27FC236}">
-                  <a16:creationId xmlns:a16="http://schemas.microsoft.com/office/drawing/2014/main" id="{2F810326-2660-FD7A-E376-D565AB7E1BA0}"/>
-                </a:ext>
-              </a:extLst>
-            </p:cNvPr>
-            <p:cNvCxnSpPr>
-              <a:cxnSpLocks/>
-              <a:stCxn id="7" idx="0"/>
-              <a:endCxn id="4" idx="2"/>
-            </p:cNvCxnSpPr>
-            <p:nvPr/>
-          </p:nvCxnSpPr>
-          <p:spPr>
-            <a:xfrm flipH="1" flipV="1">
-              <a:off x="5362042" y="2671184"/>
-              <a:ext cx="1421586" cy="1002266"/>
-            </a:xfrm>
-            <a:prstGeom prst="line">
-              <a:avLst/>
-            </a:prstGeom>
-          </p:spPr>
-          <p:style>
-            <a:lnRef idx="1">
-              <a:schemeClr val="accent1"/>
-            </a:lnRef>
-            <a:fillRef idx="0">
-              <a:schemeClr val="accent1"/>
-            </a:fillRef>
-            <a:effectRef idx="0">
-              <a:schemeClr val="accent1"/>
-            </a:effectRef>
-            <a:fontRef idx="minor">
-              <a:schemeClr val="tx1"/>
-            </a:fontRef>
-          </p:style>
-        </p:cxnSp>
-        <p:sp>
-          <p:nvSpPr>
-            <p:cNvPr id="22" name="ZoneTexte 21">
-              <a:extLst>
-                <a:ext uri="{FF2B5EF4-FFF2-40B4-BE49-F238E27FC236}">
-                  <a16:creationId xmlns:a16="http://schemas.microsoft.com/office/drawing/2014/main" id="{16BECDFD-EA24-3063-D362-DBF6D88BFDC6}"/>
-                </a:ext>
-              </a:extLst>
-            </p:cNvPr>
-            <p:cNvSpPr txBox="1"/>
-            <p:nvPr/>
-          </p:nvSpPr>
-          <p:spPr>
-            <a:xfrm>
-              <a:off x="3076345" y="2896819"/>
-              <a:ext cx="302667" cy="369332"/>
-            </a:xfrm>
-            <a:prstGeom prst="rect">
-              <a:avLst/>
-            </a:prstGeom>
-            <a:noFill/>
-          </p:spPr>
-          <p:txBody>
-            <a:bodyPr wrap="square" rtlCol="0">
-              <a:spAutoFit/>
-            </a:bodyPr>
-            <a:lstStyle/>
-            <a:p>
-              <a:r>
-                <a:rPr lang="fr-BE" dirty="0"/>
-                <a:t>1</a:t>
-              </a:r>
-            </a:p>
-          </p:txBody>
-        </p:sp>
-        <p:sp>
-          <p:nvSpPr>
-            <p:cNvPr id="23" name="ZoneTexte 22">
-              <a:extLst>
-                <a:ext uri="{FF2B5EF4-FFF2-40B4-BE49-F238E27FC236}">
-                  <a16:creationId xmlns:a16="http://schemas.microsoft.com/office/drawing/2014/main" id="{763DFBFA-B7FB-4FE4-1099-2FB00DC2B7B9}"/>
-                </a:ext>
-              </a:extLst>
-            </p:cNvPr>
-            <p:cNvSpPr txBox="1"/>
-            <p:nvPr/>
-          </p:nvSpPr>
-          <p:spPr>
-            <a:xfrm>
-              <a:off x="4369458" y="2896819"/>
-              <a:ext cx="302667" cy="369332"/>
-            </a:xfrm>
-            <a:prstGeom prst="rect">
-              <a:avLst/>
-            </a:prstGeom>
-            <a:noFill/>
-          </p:spPr>
-          <p:txBody>
-            <a:bodyPr wrap="square" rtlCol="0">
-              <a:spAutoFit/>
-            </a:bodyPr>
-            <a:lstStyle/>
-            <a:p>
-              <a:r>
-                <a:rPr lang="fr-BE" dirty="0"/>
-                <a:t>2</a:t>
-              </a:r>
-            </a:p>
-          </p:txBody>
-        </p:sp>
-        <p:sp>
-          <p:nvSpPr>
-            <p:cNvPr id="25" name="ZoneTexte 24">
-              <a:extLst>
-                <a:ext uri="{FF2B5EF4-FFF2-40B4-BE49-F238E27FC236}">
-                  <a16:creationId xmlns:a16="http://schemas.microsoft.com/office/drawing/2014/main" id="{92A60021-F791-D687-6ADA-781A5B6F6338}"/>
-                </a:ext>
-              </a:extLst>
-            </p:cNvPr>
-            <p:cNvSpPr txBox="1"/>
-            <p:nvPr/>
-          </p:nvSpPr>
-          <p:spPr>
-            <a:xfrm>
-              <a:off x="6198260" y="2910926"/>
-              <a:ext cx="302667" cy="369332"/>
-            </a:xfrm>
-            <a:prstGeom prst="rect">
-              <a:avLst/>
-            </a:prstGeom>
-            <a:noFill/>
-          </p:spPr>
-          <p:txBody>
-            <a:bodyPr wrap="square" rtlCol="0">
-              <a:spAutoFit/>
-            </a:bodyPr>
-            <a:lstStyle/>
-            <a:p>
-              <a:r>
-                <a:rPr lang="fr-BE" dirty="0"/>
-                <a:t>3</a:t>
-              </a:r>
-            </a:p>
-          </p:txBody>
-        </p:sp>
-        <p:sp>
-          <p:nvSpPr>
-            <p:cNvPr id="26" name="ZoneTexte 25">
-              <a:extLst>
-                <a:ext uri="{FF2B5EF4-FFF2-40B4-BE49-F238E27FC236}">
-                  <a16:creationId xmlns:a16="http://schemas.microsoft.com/office/drawing/2014/main" id="{3D2866DA-D5ED-8EF1-A658-84C7F8BAF6F6}"/>
-                </a:ext>
-              </a:extLst>
-            </p:cNvPr>
-            <p:cNvSpPr txBox="1"/>
-            <p:nvPr/>
-          </p:nvSpPr>
-          <p:spPr>
-            <a:xfrm>
-              <a:off x="7468512" y="2910926"/>
-              <a:ext cx="302667" cy="369332"/>
-            </a:xfrm>
-            <a:prstGeom prst="rect">
-              <a:avLst/>
-            </a:prstGeom>
-            <a:noFill/>
-          </p:spPr>
-          <p:txBody>
-            <a:bodyPr wrap="square" rtlCol="0">
-              <a:spAutoFit/>
-            </a:bodyPr>
-            <a:lstStyle/>
-            <a:p>
-              <a:r>
-                <a:rPr lang="fr-BE" dirty="0"/>
-                <a:t>4</a:t>
-              </a:r>
-            </a:p>
-          </p:txBody>
-        </p:sp>
-        <p:sp>
-          <p:nvSpPr>
-            <p:cNvPr id="37" name="Rectangle 36">
-              <a:extLst>
-                <a:ext uri="{FF2B5EF4-FFF2-40B4-BE49-F238E27FC236}">
-                  <a16:creationId xmlns:a16="http://schemas.microsoft.com/office/drawing/2014/main" id="{16F00618-EF8D-CF8F-C3F2-A60095CD864D}"/>
-                </a:ext>
-              </a:extLst>
-            </p:cNvPr>
-            <p:cNvSpPr/>
-            <p:nvPr/>
-          </p:nvSpPr>
-          <p:spPr>
-            <a:xfrm>
-              <a:off x="1842823" y="5324245"/>
-              <a:ext cx="1000962" cy="841248"/>
-            </a:xfrm>
-            <a:prstGeom prst="rect">
-              <a:avLst/>
-            </a:prstGeom>
-            <a:ln/>
-          </p:spPr>
-          <p:style>
-            <a:lnRef idx="1">
-              <a:schemeClr val="accent2"/>
-            </a:lnRef>
-            <a:fillRef idx="2">
-              <a:schemeClr val="accent2"/>
-            </a:fillRef>
-            <a:effectRef idx="1">
-              <a:schemeClr val="accent2"/>
-            </a:effectRef>
-            <a:fontRef idx="minor">
-              <a:schemeClr val="dk1"/>
-            </a:fontRef>
-          </p:style>
-          <p:txBody>
-            <a:bodyPr rtlCol="0" anchor="ctr"/>
-            <a:lstStyle/>
-            <a:p>
-              <a:pPr algn="ctr"/>
-              <a:r>
-                <a:rPr lang="fr-BE" dirty="0"/>
-                <a:t>FALSE</a:t>
-              </a:r>
-            </a:p>
-          </p:txBody>
-        </p:sp>
-        <p:sp>
-          <p:nvSpPr>
-            <p:cNvPr id="38" name="Rectangle 37">
-              <a:extLst>
-                <a:ext uri="{FF2B5EF4-FFF2-40B4-BE49-F238E27FC236}">
-                  <a16:creationId xmlns:a16="http://schemas.microsoft.com/office/drawing/2014/main" id="{0F6C6B99-B806-81F8-0F02-7D98D421E723}"/>
-                </a:ext>
-              </a:extLst>
-            </p:cNvPr>
-            <p:cNvSpPr/>
-            <p:nvPr/>
-          </p:nvSpPr>
-          <p:spPr>
-            <a:xfrm>
-              <a:off x="3033370" y="5334001"/>
-              <a:ext cx="1000962" cy="841248"/>
-            </a:xfrm>
-            <a:prstGeom prst="rect">
-              <a:avLst/>
-            </a:prstGeom>
-            <a:ln/>
-          </p:spPr>
-          <p:style>
-            <a:lnRef idx="1">
-              <a:schemeClr val="accent2"/>
-            </a:lnRef>
-            <a:fillRef idx="2">
-              <a:schemeClr val="accent2"/>
-            </a:fillRef>
-            <a:effectRef idx="1">
-              <a:schemeClr val="accent2"/>
-            </a:effectRef>
-            <a:fontRef idx="minor">
-              <a:schemeClr val="dk1"/>
-            </a:fontRef>
-          </p:style>
-          <p:txBody>
-            <a:bodyPr rtlCol="0" anchor="ctr"/>
-            <a:lstStyle/>
-            <a:p>
-              <a:pPr algn="ctr"/>
-              <a:r>
-                <a:rPr lang="fr-BE" dirty="0"/>
-                <a:t>FALSE</a:t>
-              </a:r>
-            </a:p>
-          </p:txBody>
-        </p:sp>
-        <p:sp>
-          <p:nvSpPr>
-            <p:cNvPr id="39" name="Rectangle 38">
-              <a:extLst>
-                <a:ext uri="{FF2B5EF4-FFF2-40B4-BE49-F238E27FC236}">
-                  <a16:creationId xmlns:a16="http://schemas.microsoft.com/office/drawing/2014/main" id="{A3561898-50E6-D8B2-1823-7442CCA87C1E}"/>
-                </a:ext>
-              </a:extLst>
-            </p:cNvPr>
-            <p:cNvSpPr/>
-            <p:nvPr/>
-          </p:nvSpPr>
-          <p:spPr>
-            <a:xfrm>
-              <a:off x="4245681" y="5334001"/>
-              <a:ext cx="1000962" cy="841248"/>
-            </a:xfrm>
-            <a:prstGeom prst="rect">
-              <a:avLst/>
-            </a:prstGeom>
-            <a:ln/>
-          </p:spPr>
-          <p:style>
-            <a:lnRef idx="1">
-              <a:schemeClr val="accent2"/>
-            </a:lnRef>
-            <a:fillRef idx="2">
-              <a:schemeClr val="accent2"/>
-            </a:fillRef>
-            <a:effectRef idx="1">
-              <a:schemeClr val="accent2"/>
-            </a:effectRef>
-            <a:fontRef idx="minor">
-              <a:schemeClr val="dk1"/>
-            </a:fontRef>
-          </p:style>
-          <p:txBody>
-            <a:bodyPr rtlCol="0" anchor="ctr"/>
-            <a:lstStyle/>
-            <a:p>
-              <a:pPr algn="ctr"/>
-              <a:r>
-                <a:rPr lang="fr-BE" dirty="0"/>
-                <a:t>FALSE</a:t>
-              </a:r>
-            </a:p>
-          </p:txBody>
-        </p:sp>
-        <p:sp>
-          <p:nvSpPr>
-            <p:cNvPr id="40" name="Rectangle 39">
-              <a:extLst>
-                <a:ext uri="{FF2B5EF4-FFF2-40B4-BE49-F238E27FC236}">
-                  <a16:creationId xmlns:a16="http://schemas.microsoft.com/office/drawing/2014/main" id="{E00AC621-4F56-D606-E3B4-3EE95407FD5D}"/>
-                </a:ext>
-              </a:extLst>
-            </p:cNvPr>
-            <p:cNvSpPr/>
-            <p:nvPr/>
-          </p:nvSpPr>
-          <p:spPr>
-            <a:xfrm>
-              <a:off x="5782666" y="5356374"/>
-              <a:ext cx="1000962" cy="841248"/>
-            </a:xfrm>
-            <a:prstGeom prst="rect">
-              <a:avLst/>
-            </a:prstGeom>
-            <a:ln/>
-          </p:spPr>
-          <p:style>
-            <a:lnRef idx="1">
-              <a:schemeClr val="accent2"/>
-            </a:lnRef>
-            <a:fillRef idx="2">
-              <a:schemeClr val="accent2"/>
-            </a:fillRef>
-            <a:effectRef idx="1">
-              <a:schemeClr val="accent2"/>
-            </a:effectRef>
-            <a:fontRef idx="minor">
-              <a:schemeClr val="dk1"/>
-            </a:fontRef>
-          </p:style>
-          <p:txBody>
-            <a:bodyPr rtlCol="0" anchor="ctr"/>
-            <a:lstStyle/>
-            <a:p>
-              <a:pPr algn="ctr"/>
-              <a:r>
-                <a:rPr lang="fr-BE" dirty="0"/>
-                <a:t>FALSE</a:t>
-              </a:r>
-            </a:p>
-          </p:txBody>
-        </p:sp>
-        <p:sp>
-          <p:nvSpPr>
-            <p:cNvPr id="41" name="Rectangle 40">
-              <a:extLst>
-                <a:ext uri="{FF2B5EF4-FFF2-40B4-BE49-F238E27FC236}">
-                  <a16:creationId xmlns:a16="http://schemas.microsoft.com/office/drawing/2014/main" id="{C48DD46D-7546-985E-7F72-A1BE759AE63F}"/>
-                </a:ext>
-              </a:extLst>
-            </p:cNvPr>
-            <p:cNvSpPr/>
-            <p:nvPr/>
-          </p:nvSpPr>
-          <p:spPr>
-            <a:xfrm>
-              <a:off x="6968031" y="5356374"/>
-              <a:ext cx="1000962" cy="841248"/>
-            </a:xfrm>
-            <a:prstGeom prst="rect">
-              <a:avLst/>
-            </a:prstGeom>
-            <a:ln/>
-          </p:spPr>
-          <p:style>
-            <a:lnRef idx="1">
-              <a:schemeClr val="accent2"/>
-            </a:lnRef>
-            <a:fillRef idx="2">
-              <a:schemeClr val="accent2"/>
-            </a:fillRef>
-            <a:effectRef idx="1">
-              <a:schemeClr val="accent2"/>
-            </a:effectRef>
-            <a:fontRef idx="minor">
-              <a:schemeClr val="dk1"/>
-            </a:fontRef>
-          </p:style>
-          <p:txBody>
-            <a:bodyPr rtlCol="0" anchor="ctr"/>
-            <a:lstStyle/>
-            <a:p>
-              <a:pPr algn="ctr"/>
-              <a:r>
-                <a:rPr lang="fr-BE" dirty="0"/>
-                <a:t>FALSE</a:t>
-              </a:r>
-            </a:p>
-          </p:txBody>
-        </p:sp>
-        <p:sp>
-          <p:nvSpPr>
-            <p:cNvPr id="42" name="Rectangle 41">
-              <a:extLst>
-                <a:ext uri="{FF2B5EF4-FFF2-40B4-BE49-F238E27FC236}">
-                  <a16:creationId xmlns:a16="http://schemas.microsoft.com/office/drawing/2014/main" id="{3A6D76C8-BC5B-13D3-54A5-4A6CF711CF8A}"/>
-                </a:ext>
-              </a:extLst>
-            </p:cNvPr>
-            <p:cNvSpPr/>
-            <p:nvPr/>
-          </p:nvSpPr>
-          <p:spPr>
-            <a:xfrm>
-              <a:off x="8406384" y="5356374"/>
-              <a:ext cx="1000962" cy="841248"/>
-            </a:xfrm>
-            <a:prstGeom prst="rect">
-              <a:avLst/>
-            </a:prstGeom>
-            <a:ln/>
-          </p:spPr>
-          <p:style>
-            <a:lnRef idx="1">
-              <a:schemeClr val="accent2"/>
-            </a:lnRef>
-            <a:fillRef idx="2">
-              <a:schemeClr val="accent2"/>
-            </a:fillRef>
-            <a:effectRef idx="1">
-              <a:schemeClr val="accent2"/>
-            </a:effectRef>
-            <a:fontRef idx="minor">
-              <a:schemeClr val="dk1"/>
-            </a:fontRef>
-          </p:style>
-          <p:txBody>
-            <a:bodyPr rtlCol="0" anchor="ctr"/>
-            <a:lstStyle/>
-            <a:p>
-              <a:pPr algn="ctr"/>
-              <a:r>
-                <a:rPr lang="fr-BE" dirty="0"/>
-                <a:t>FALSE</a:t>
-              </a:r>
-            </a:p>
-          </p:txBody>
-        </p:sp>
-        <p:sp>
-          <p:nvSpPr>
-            <p:cNvPr id="43" name="Rectangle 42">
-              <a:extLst>
-                <a:ext uri="{FF2B5EF4-FFF2-40B4-BE49-F238E27FC236}">
-                  <a16:creationId xmlns:a16="http://schemas.microsoft.com/office/drawing/2014/main" id="{1ED2E102-C387-8985-3528-99C75FE0A031}"/>
-                </a:ext>
-              </a:extLst>
-            </p:cNvPr>
-            <p:cNvSpPr/>
-            <p:nvPr/>
-          </p:nvSpPr>
-          <p:spPr>
-            <a:xfrm>
-              <a:off x="9596324" y="5356374"/>
-              <a:ext cx="1000962" cy="841248"/>
-            </a:xfrm>
-            <a:prstGeom prst="rect">
-              <a:avLst/>
-            </a:prstGeom>
-            <a:ln/>
-          </p:spPr>
-          <p:style>
-            <a:lnRef idx="1">
-              <a:schemeClr val="accent2"/>
-            </a:lnRef>
-            <a:fillRef idx="2">
-              <a:schemeClr val="accent2"/>
-            </a:fillRef>
-            <a:effectRef idx="1">
-              <a:schemeClr val="accent2"/>
-            </a:effectRef>
-            <a:fontRef idx="minor">
-              <a:schemeClr val="dk1"/>
-            </a:fontRef>
-          </p:style>
-          <p:txBody>
-            <a:bodyPr rtlCol="0" anchor="ctr"/>
-            <a:lstStyle/>
-            <a:p>
-              <a:pPr algn="ctr"/>
-              <a:r>
-                <a:rPr lang="fr-BE" dirty="0"/>
-                <a:t>FALSE</a:t>
-              </a:r>
-            </a:p>
-          </p:txBody>
-        </p:sp>
-        <p:sp>
-          <p:nvSpPr>
-            <p:cNvPr id="44" name="Rectangle 43">
-              <a:extLst>
-                <a:ext uri="{FF2B5EF4-FFF2-40B4-BE49-F238E27FC236}">
-                  <a16:creationId xmlns:a16="http://schemas.microsoft.com/office/drawing/2014/main" id="{B6496749-5361-BDF6-D17C-06B1468C2526}"/>
-                </a:ext>
-              </a:extLst>
-            </p:cNvPr>
-            <p:cNvSpPr/>
-            <p:nvPr/>
-          </p:nvSpPr>
-          <p:spPr>
-            <a:xfrm>
-              <a:off x="10813087" y="5356374"/>
-              <a:ext cx="1000962" cy="841248"/>
-            </a:xfrm>
-            <a:prstGeom prst="rect">
-              <a:avLst/>
-            </a:prstGeom>
-            <a:ln/>
-          </p:spPr>
-          <p:style>
-            <a:lnRef idx="1">
-              <a:schemeClr val="accent2"/>
-            </a:lnRef>
-            <a:fillRef idx="2">
-              <a:schemeClr val="accent2"/>
-            </a:fillRef>
-            <a:effectRef idx="1">
-              <a:schemeClr val="accent2"/>
-            </a:effectRef>
-            <a:fontRef idx="minor">
-              <a:schemeClr val="dk1"/>
-            </a:fontRef>
-          </p:style>
-          <p:txBody>
-            <a:bodyPr rtlCol="0" anchor="ctr"/>
-            <a:lstStyle/>
-            <a:p>
-              <a:pPr algn="ctr"/>
-              <a:r>
-                <a:rPr lang="fr-BE" dirty="0"/>
-                <a:t>TRUE</a:t>
-              </a:r>
-            </a:p>
-          </p:txBody>
-        </p:sp>
-        <p:cxnSp>
-          <p:nvCxnSpPr>
-            <p:cNvPr id="45" name="Connecteur droit 44">
-              <a:extLst>
-                <a:ext uri="{FF2B5EF4-FFF2-40B4-BE49-F238E27FC236}">
-                  <a16:creationId xmlns:a16="http://schemas.microsoft.com/office/drawing/2014/main" id="{AF020AC3-3172-0647-61C4-2E9B4453B9FF}"/>
-                </a:ext>
-              </a:extLst>
-            </p:cNvPr>
-            <p:cNvCxnSpPr>
-              <a:cxnSpLocks/>
-              <a:stCxn id="37" idx="0"/>
-              <a:endCxn id="6" idx="2"/>
-            </p:cNvCxnSpPr>
-            <p:nvPr/>
-          </p:nvCxnSpPr>
-          <p:spPr>
-            <a:xfrm flipV="1">
-              <a:off x="2343304" y="4550054"/>
-              <a:ext cx="1750159" cy="774191"/>
-            </a:xfrm>
-            <a:prstGeom prst="line">
-              <a:avLst/>
-            </a:prstGeom>
-          </p:spPr>
-          <p:style>
-            <a:lnRef idx="1">
-              <a:schemeClr val="accent1"/>
-            </a:lnRef>
-            <a:fillRef idx="0">
-              <a:schemeClr val="accent1"/>
-            </a:fillRef>
-            <a:effectRef idx="0">
-              <a:schemeClr val="accent1"/>
-            </a:effectRef>
-            <a:fontRef idx="minor">
-              <a:schemeClr val="tx1"/>
-            </a:fontRef>
-          </p:style>
-        </p:cxnSp>
-        <p:cxnSp>
-          <p:nvCxnSpPr>
-            <p:cNvPr id="46" name="Connecteur droit 45">
-              <a:extLst>
-                <a:ext uri="{FF2B5EF4-FFF2-40B4-BE49-F238E27FC236}">
-                  <a16:creationId xmlns:a16="http://schemas.microsoft.com/office/drawing/2014/main" id="{27078084-EC3D-2D33-1FF3-ED9F1AAF2F27}"/>
-                </a:ext>
-              </a:extLst>
-            </p:cNvPr>
-            <p:cNvCxnSpPr>
-              <a:cxnSpLocks/>
-              <a:stCxn id="44" idx="0"/>
-              <a:endCxn id="8" idx="2"/>
-            </p:cNvCxnSpPr>
-            <p:nvPr/>
-          </p:nvCxnSpPr>
-          <p:spPr>
-            <a:xfrm flipH="1" flipV="1">
-              <a:off x="9407346" y="4548834"/>
-              <a:ext cx="1906222" cy="807540"/>
-            </a:xfrm>
-            <a:prstGeom prst="line">
-              <a:avLst/>
-            </a:prstGeom>
-          </p:spPr>
-          <p:style>
-            <a:lnRef idx="1">
-              <a:schemeClr val="accent1"/>
-            </a:lnRef>
-            <a:fillRef idx="0">
-              <a:schemeClr val="accent1"/>
-            </a:fillRef>
-            <a:effectRef idx="0">
-              <a:schemeClr val="accent1"/>
-            </a:effectRef>
-            <a:fontRef idx="minor">
-              <a:schemeClr val="tx1"/>
-            </a:fontRef>
-          </p:style>
-        </p:cxnSp>
-        <p:cxnSp>
-          <p:nvCxnSpPr>
-            <p:cNvPr id="47" name="Connecteur droit 46">
-              <a:extLst>
-                <a:ext uri="{FF2B5EF4-FFF2-40B4-BE49-F238E27FC236}">
-                  <a16:creationId xmlns:a16="http://schemas.microsoft.com/office/drawing/2014/main" id="{1D646BF6-3166-2138-8C73-DD7B63F06498}"/>
-                </a:ext>
-              </a:extLst>
-            </p:cNvPr>
-            <p:cNvCxnSpPr>
-              <a:cxnSpLocks/>
-              <a:stCxn id="43" idx="0"/>
-              <a:endCxn id="8" idx="2"/>
-            </p:cNvCxnSpPr>
-            <p:nvPr/>
-          </p:nvCxnSpPr>
-          <p:spPr>
-            <a:xfrm flipH="1" flipV="1">
-              <a:off x="9407346" y="4548834"/>
-              <a:ext cx="689459" cy="807540"/>
-            </a:xfrm>
-            <a:prstGeom prst="line">
-              <a:avLst/>
-            </a:prstGeom>
-          </p:spPr>
-          <p:style>
-            <a:lnRef idx="1">
-              <a:schemeClr val="accent1"/>
-            </a:lnRef>
-            <a:fillRef idx="0">
-              <a:schemeClr val="accent1"/>
-            </a:fillRef>
-            <a:effectRef idx="0">
-              <a:schemeClr val="accent1"/>
-            </a:effectRef>
-            <a:fontRef idx="minor">
-              <a:schemeClr val="tx1"/>
-            </a:fontRef>
-          </p:style>
-        </p:cxnSp>
-        <p:cxnSp>
-          <p:nvCxnSpPr>
-            <p:cNvPr id="48" name="Connecteur droit 47">
-              <a:extLst>
-                <a:ext uri="{FF2B5EF4-FFF2-40B4-BE49-F238E27FC236}">
-                  <a16:creationId xmlns:a16="http://schemas.microsoft.com/office/drawing/2014/main" id="{681B19EC-A40D-6CE9-FD5A-E50FE2CC2C22}"/>
-                </a:ext>
-              </a:extLst>
-            </p:cNvPr>
-            <p:cNvCxnSpPr>
-              <a:cxnSpLocks/>
-              <a:stCxn id="42" idx="0"/>
-              <a:endCxn id="8" idx="2"/>
-            </p:cNvCxnSpPr>
-            <p:nvPr/>
-          </p:nvCxnSpPr>
-          <p:spPr>
-            <a:xfrm flipV="1">
-              <a:off x="8906865" y="4548834"/>
-              <a:ext cx="500481" cy="807540"/>
-            </a:xfrm>
-            <a:prstGeom prst="line">
-              <a:avLst/>
-            </a:prstGeom>
-          </p:spPr>
-          <p:style>
-            <a:lnRef idx="1">
-              <a:schemeClr val="accent1"/>
-            </a:lnRef>
-            <a:fillRef idx="0">
-              <a:schemeClr val="accent1"/>
-            </a:fillRef>
-            <a:effectRef idx="0">
-              <a:schemeClr val="accent1"/>
-            </a:effectRef>
-            <a:fontRef idx="minor">
-              <a:schemeClr val="tx1"/>
-            </a:fontRef>
-          </p:style>
-        </p:cxnSp>
-        <p:cxnSp>
-          <p:nvCxnSpPr>
-            <p:cNvPr id="49" name="Connecteur droit 48">
-              <a:extLst>
-                <a:ext uri="{FF2B5EF4-FFF2-40B4-BE49-F238E27FC236}">
-                  <a16:creationId xmlns:a16="http://schemas.microsoft.com/office/drawing/2014/main" id="{50D50866-5C22-3ACE-AA20-DE1EBEDA7515}"/>
-                </a:ext>
-              </a:extLst>
-            </p:cNvPr>
-            <p:cNvCxnSpPr>
-              <a:cxnSpLocks/>
-              <a:stCxn id="40" idx="0"/>
-              <a:endCxn id="7" idx="2"/>
-            </p:cNvCxnSpPr>
-            <p:nvPr/>
-          </p:nvCxnSpPr>
-          <p:spPr>
-            <a:xfrm flipV="1">
-              <a:off x="6283147" y="4536643"/>
-              <a:ext cx="500481" cy="819731"/>
-            </a:xfrm>
-            <a:prstGeom prst="line">
-              <a:avLst/>
-            </a:prstGeom>
-          </p:spPr>
-          <p:style>
-            <a:lnRef idx="1">
-              <a:schemeClr val="accent1"/>
-            </a:lnRef>
-            <a:fillRef idx="0">
-              <a:schemeClr val="accent1"/>
-            </a:fillRef>
-            <a:effectRef idx="0">
-              <a:schemeClr val="accent1"/>
-            </a:effectRef>
-            <a:fontRef idx="minor">
-              <a:schemeClr val="tx1"/>
-            </a:fontRef>
-          </p:style>
-        </p:cxnSp>
-        <p:cxnSp>
-          <p:nvCxnSpPr>
-            <p:cNvPr id="50" name="Connecteur droit 49">
-              <a:extLst>
-                <a:ext uri="{FF2B5EF4-FFF2-40B4-BE49-F238E27FC236}">
-                  <a16:creationId xmlns:a16="http://schemas.microsoft.com/office/drawing/2014/main" id="{093B8FF3-5BCE-B663-A19E-CA24428E2482}"/>
-                </a:ext>
-              </a:extLst>
-            </p:cNvPr>
-            <p:cNvCxnSpPr>
-              <a:cxnSpLocks/>
-              <a:stCxn id="7" idx="2"/>
-              <a:endCxn id="41" idx="0"/>
-            </p:cNvCxnSpPr>
-            <p:nvPr/>
-          </p:nvCxnSpPr>
-          <p:spPr>
-            <a:xfrm>
-              <a:off x="6783628" y="4536643"/>
-              <a:ext cx="684884" cy="819731"/>
-            </a:xfrm>
-            <a:prstGeom prst="line">
-              <a:avLst/>
-            </a:prstGeom>
-          </p:spPr>
-          <p:style>
-            <a:lnRef idx="1">
-              <a:schemeClr val="accent1"/>
-            </a:lnRef>
-            <a:fillRef idx="0">
-              <a:schemeClr val="accent1"/>
-            </a:fillRef>
-            <a:effectRef idx="0">
-              <a:schemeClr val="accent1"/>
-            </a:effectRef>
-            <a:fontRef idx="minor">
-              <a:schemeClr val="tx1"/>
-            </a:fontRef>
-          </p:style>
-        </p:cxnSp>
-        <p:cxnSp>
-          <p:nvCxnSpPr>
-            <p:cNvPr id="51" name="Connecteur droit 50">
-              <a:extLst>
-                <a:ext uri="{FF2B5EF4-FFF2-40B4-BE49-F238E27FC236}">
-                  <a16:creationId xmlns:a16="http://schemas.microsoft.com/office/drawing/2014/main" id="{6938A8A8-3561-239D-2D98-2AEF2C18958D}"/>
-                </a:ext>
-              </a:extLst>
-            </p:cNvPr>
-            <p:cNvCxnSpPr>
-              <a:cxnSpLocks/>
-              <a:stCxn id="38" idx="0"/>
-              <a:endCxn id="6" idx="2"/>
-            </p:cNvCxnSpPr>
-            <p:nvPr/>
-          </p:nvCxnSpPr>
-          <p:spPr>
-            <a:xfrm flipV="1">
-              <a:off x="3533851" y="4550054"/>
-              <a:ext cx="559612" cy="783947"/>
-            </a:xfrm>
-            <a:prstGeom prst="line">
-              <a:avLst/>
-            </a:prstGeom>
-          </p:spPr>
-          <p:style>
-            <a:lnRef idx="1">
-              <a:schemeClr val="accent1"/>
-            </a:lnRef>
-            <a:fillRef idx="0">
-              <a:schemeClr val="accent1"/>
-            </a:fillRef>
-            <a:effectRef idx="0">
-              <a:schemeClr val="accent1"/>
-            </a:effectRef>
-            <a:fontRef idx="minor">
-              <a:schemeClr val="tx1"/>
-            </a:fontRef>
-          </p:style>
-        </p:cxnSp>
-        <p:cxnSp>
-          <p:nvCxnSpPr>
-            <p:cNvPr id="52" name="Connecteur droit 51">
-              <a:extLst>
-                <a:ext uri="{FF2B5EF4-FFF2-40B4-BE49-F238E27FC236}">
-                  <a16:creationId xmlns:a16="http://schemas.microsoft.com/office/drawing/2014/main" id="{7D85AACC-10A6-B414-7A97-696F08B7B452}"/>
-                </a:ext>
-              </a:extLst>
-            </p:cNvPr>
-            <p:cNvCxnSpPr>
-              <a:cxnSpLocks/>
-              <a:stCxn id="6" idx="2"/>
-              <a:endCxn id="39" idx="0"/>
-            </p:cNvCxnSpPr>
-            <p:nvPr/>
-          </p:nvCxnSpPr>
-          <p:spPr>
-            <a:xfrm>
-              <a:off x="4093463" y="4550054"/>
-              <a:ext cx="652699" cy="783947"/>
-            </a:xfrm>
-            <a:prstGeom prst="line">
-              <a:avLst/>
-            </a:prstGeom>
-          </p:spPr>
-          <p:style>
-            <a:lnRef idx="1">
-              <a:schemeClr val="accent1"/>
-            </a:lnRef>
-            <a:fillRef idx="0">
-              <a:schemeClr val="accent1"/>
-            </a:fillRef>
-            <a:effectRef idx="0">
-              <a:schemeClr val="accent1"/>
-            </a:effectRef>
-            <a:fontRef idx="minor">
-              <a:schemeClr val="tx1"/>
-            </a:fontRef>
-          </p:style>
-        </p:cxnSp>
-        <p:sp>
-          <p:nvSpPr>
-            <p:cNvPr id="76" name="ZoneTexte 75">
-              <a:extLst>
-                <a:ext uri="{FF2B5EF4-FFF2-40B4-BE49-F238E27FC236}">
-                  <a16:creationId xmlns:a16="http://schemas.microsoft.com/office/drawing/2014/main" id="{A4E94E51-3631-F5A9-7D4E-133E00AB43BE}"/>
-                </a:ext>
-              </a:extLst>
-            </p:cNvPr>
-            <p:cNvSpPr txBox="1"/>
-            <p:nvPr/>
-          </p:nvSpPr>
-          <p:spPr>
-            <a:xfrm>
-              <a:off x="2583062" y="4797756"/>
-              <a:ext cx="302667" cy="369332"/>
-            </a:xfrm>
-            <a:prstGeom prst="rect">
-              <a:avLst/>
-            </a:prstGeom>
-            <a:noFill/>
-          </p:spPr>
-          <p:txBody>
-            <a:bodyPr wrap="square" rtlCol="0">
-              <a:spAutoFit/>
-            </a:bodyPr>
-            <a:lstStyle/>
-            <a:p>
-              <a:r>
-                <a:rPr lang="fr-BE" dirty="0"/>
-                <a:t>1</a:t>
-              </a:r>
-            </a:p>
-          </p:txBody>
-        </p:sp>
-        <p:sp>
-          <p:nvSpPr>
-            <p:cNvPr id="77" name="ZoneTexte 76">
-              <a:extLst>
-                <a:ext uri="{FF2B5EF4-FFF2-40B4-BE49-F238E27FC236}">
-                  <a16:creationId xmlns:a16="http://schemas.microsoft.com/office/drawing/2014/main" id="{DA04A6B5-6341-1727-47F6-3A3A97A8A2AF}"/>
-                </a:ext>
-              </a:extLst>
-            </p:cNvPr>
-            <p:cNvSpPr txBox="1"/>
-            <p:nvPr/>
-          </p:nvSpPr>
-          <p:spPr>
-            <a:xfrm>
-              <a:off x="6212096" y="4797756"/>
-              <a:ext cx="302667" cy="369332"/>
-            </a:xfrm>
-            <a:prstGeom prst="rect">
-              <a:avLst/>
-            </a:prstGeom>
-            <a:noFill/>
-          </p:spPr>
-          <p:txBody>
-            <a:bodyPr wrap="square" rtlCol="0">
-              <a:spAutoFit/>
-            </a:bodyPr>
-            <a:lstStyle/>
-            <a:p>
-              <a:r>
-                <a:rPr lang="fr-BE" dirty="0"/>
-                <a:t>1</a:t>
-              </a:r>
-            </a:p>
-          </p:txBody>
-        </p:sp>
-        <p:sp>
-          <p:nvSpPr>
-            <p:cNvPr id="78" name="ZoneTexte 77">
-              <a:extLst>
-                <a:ext uri="{FF2B5EF4-FFF2-40B4-BE49-F238E27FC236}">
-                  <a16:creationId xmlns:a16="http://schemas.microsoft.com/office/drawing/2014/main" id="{9CCCB5E8-2D0C-32CB-4D95-81A484F5AEA3}"/>
-                </a:ext>
-              </a:extLst>
-            </p:cNvPr>
-            <p:cNvSpPr txBox="1"/>
-            <p:nvPr/>
-          </p:nvSpPr>
-          <p:spPr>
-            <a:xfrm>
-              <a:off x="8861143" y="4797756"/>
-              <a:ext cx="302667" cy="369332"/>
-            </a:xfrm>
-            <a:prstGeom prst="rect">
-              <a:avLst/>
-            </a:prstGeom>
-            <a:noFill/>
-          </p:spPr>
-          <p:txBody>
-            <a:bodyPr wrap="square" rtlCol="0">
-              <a:spAutoFit/>
-            </a:bodyPr>
-            <a:lstStyle/>
-            <a:p>
-              <a:r>
-                <a:rPr lang="fr-BE" dirty="0"/>
-                <a:t>1</a:t>
-              </a:r>
-            </a:p>
-          </p:txBody>
-        </p:sp>
-        <p:sp>
-          <p:nvSpPr>
-            <p:cNvPr id="79" name="ZoneTexte 78">
-              <a:extLst>
-                <a:ext uri="{FF2B5EF4-FFF2-40B4-BE49-F238E27FC236}">
-                  <a16:creationId xmlns:a16="http://schemas.microsoft.com/office/drawing/2014/main" id="{91E5C899-FD71-F81B-F00D-A7175CC6F418}"/>
-                </a:ext>
-              </a:extLst>
-            </p:cNvPr>
-            <p:cNvSpPr txBox="1"/>
-            <p:nvPr/>
-          </p:nvSpPr>
-          <p:spPr>
-            <a:xfrm>
-              <a:off x="9837139" y="4792484"/>
-              <a:ext cx="302667" cy="369332"/>
-            </a:xfrm>
-            <a:prstGeom prst="rect">
-              <a:avLst/>
-            </a:prstGeom>
-            <a:noFill/>
-          </p:spPr>
-          <p:txBody>
-            <a:bodyPr wrap="square" rtlCol="0">
-              <a:spAutoFit/>
-            </a:bodyPr>
-            <a:lstStyle/>
-            <a:p>
-              <a:r>
-                <a:rPr lang="fr-BE" dirty="0"/>
-                <a:t>2</a:t>
-              </a:r>
-            </a:p>
-          </p:txBody>
-        </p:sp>
-        <p:sp>
-          <p:nvSpPr>
-            <p:cNvPr id="80" name="ZoneTexte 79">
-              <a:extLst>
-                <a:ext uri="{FF2B5EF4-FFF2-40B4-BE49-F238E27FC236}">
-                  <a16:creationId xmlns:a16="http://schemas.microsoft.com/office/drawing/2014/main" id="{D8E0F2E7-CD75-F587-6E36-38EFDD82EA5A}"/>
-                </a:ext>
-              </a:extLst>
-            </p:cNvPr>
-            <p:cNvSpPr txBox="1"/>
-            <p:nvPr/>
-          </p:nvSpPr>
-          <p:spPr>
-            <a:xfrm>
-              <a:off x="7214085" y="4792484"/>
-              <a:ext cx="302667" cy="369332"/>
-            </a:xfrm>
-            <a:prstGeom prst="rect">
-              <a:avLst/>
-            </a:prstGeom>
-            <a:noFill/>
-          </p:spPr>
-          <p:txBody>
-            <a:bodyPr wrap="square" rtlCol="0">
-              <a:spAutoFit/>
-            </a:bodyPr>
-            <a:lstStyle/>
-            <a:p>
-              <a:r>
-                <a:rPr lang="fr-BE" dirty="0"/>
-                <a:t>2</a:t>
-              </a:r>
-            </a:p>
-          </p:txBody>
-        </p:sp>
-        <p:sp>
-          <p:nvSpPr>
-            <p:cNvPr id="81" name="ZoneTexte 80">
-              <a:extLst>
-                <a:ext uri="{FF2B5EF4-FFF2-40B4-BE49-F238E27FC236}">
-                  <a16:creationId xmlns:a16="http://schemas.microsoft.com/office/drawing/2014/main" id="{3E6E88B8-80DA-EF3C-2DA1-9D90BCCFABF1}"/>
-                </a:ext>
-              </a:extLst>
-            </p:cNvPr>
-            <p:cNvSpPr txBox="1"/>
-            <p:nvPr/>
-          </p:nvSpPr>
-          <p:spPr>
-            <a:xfrm>
-              <a:off x="3423878" y="4797756"/>
-              <a:ext cx="302667" cy="369332"/>
-            </a:xfrm>
-            <a:prstGeom prst="rect">
-              <a:avLst/>
-            </a:prstGeom>
-            <a:noFill/>
-          </p:spPr>
-          <p:txBody>
-            <a:bodyPr wrap="square" rtlCol="0">
-              <a:spAutoFit/>
-            </a:bodyPr>
-            <a:lstStyle/>
-            <a:p>
-              <a:r>
-                <a:rPr lang="fr-BE" dirty="0"/>
-                <a:t>2</a:t>
-              </a:r>
-            </a:p>
-          </p:txBody>
-        </p:sp>
-        <p:sp>
-          <p:nvSpPr>
-            <p:cNvPr id="82" name="ZoneTexte 81">
-              <a:extLst>
-                <a:ext uri="{FF2B5EF4-FFF2-40B4-BE49-F238E27FC236}">
-                  <a16:creationId xmlns:a16="http://schemas.microsoft.com/office/drawing/2014/main" id="{4569F4F1-8E5D-0E6C-4B50-C52772CEB729}"/>
-                </a:ext>
-              </a:extLst>
-            </p:cNvPr>
-            <p:cNvSpPr txBox="1"/>
-            <p:nvPr/>
-          </p:nvSpPr>
-          <p:spPr>
-            <a:xfrm>
-              <a:off x="10598370" y="4792484"/>
-              <a:ext cx="302667" cy="369332"/>
-            </a:xfrm>
-            <a:prstGeom prst="rect">
-              <a:avLst/>
-            </a:prstGeom>
-            <a:noFill/>
-          </p:spPr>
-          <p:txBody>
-            <a:bodyPr wrap="square" rtlCol="0">
-              <a:spAutoFit/>
-            </a:bodyPr>
-            <a:lstStyle/>
-            <a:p>
-              <a:r>
-                <a:rPr lang="fr-BE" dirty="0"/>
-                <a:t>3</a:t>
-              </a:r>
-            </a:p>
-          </p:txBody>
-        </p:sp>
-        <p:sp>
-          <p:nvSpPr>
-            <p:cNvPr id="83" name="ZoneTexte 82">
-              <a:extLst>
-                <a:ext uri="{FF2B5EF4-FFF2-40B4-BE49-F238E27FC236}">
-                  <a16:creationId xmlns:a16="http://schemas.microsoft.com/office/drawing/2014/main" id="{C5514916-0031-3B7A-D382-A90DC58C615E}"/>
-                </a:ext>
-              </a:extLst>
-            </p:cNvPr>
-            <p:cNvSpPr txBox="1"/>
-            <p:nvPr/>
-          </p:nvSpPr>
-          <p:spPr>
-            <a:xfrm>
-              <a:off x="4501154" y="4792484"/>
-              <a:ext cx="302667" cy="369332"/>
-            </a:xfrm>
-            <a:prstGeom prst="rect">
-              <a:avLst/>
-            </a:prstGeom>
-            <a:noFill/>
-          </p:spPr>
-          <p:txBody>
-            <a:bodyPr wrap="square" rtlCol="0">
-              <a:spAutoFit/>
-            </a:bodyPr>
-            <a:lstStyle/>
-            <a:p>
-              <a:r>
-                <a:rPr lang="fr-BE" dirty="0"/>
-                <a:t>3</a:t>
-              </a:r>
-            </a:p>
-          </p:txBody>
-        </p:sp>
-      </p:grpSp>
+          <a:prstGeom prst="rect">
+            <a:avLst/>
+          </a:prstGeom>
+          <a:noFill/>
+        </p:spPr>
+      </p:pic>
     </p:spTree>
     <p:extLst>
       <p:ext uri="{BB962C8B-B14F-4D97-AF65-F5344CB8AC3E}">
-        <p14:creationId xmlns:p14="http://schemas.microsoft.com/office/powerpoint/2010/main" val="2096615217"/>
+        <p14:creationId xmlns:p14="http://schemas.microsoft.com/office/powerpoint/2010/main" val="3737574912"/>
       </p:ext>
     </p:extLst>
   </p:cSld>
@@ -25687,7 +24254,7 @@
           <p:cNvPr id="2" name="Title 1">
             <a:extLst>
               <a:ext uri="{FF2B5EF4-FFF2-40B4-BE49-F238E27FC236}">
-                <a16:creationId xmlns:a16="http://schemas.microsoft.com/office/drawing/2014/main" id="{B6D1B278-A8DA-5B50-E833-BC953714FAF8}"/>
+                <a16:creationId xmlns:a16="http://schemas.microsoft.com/office/drawing/2014/main" id="{7A5C6AA7-1E88-6FB7-10B0-937590133758}"/>
               </a:ext>
             </a:extLst>
           </p:cNvPr>
@@ -25704,13 +24271,10 @@
           <a:lstStyle/>
           <a:p>
             <a:r>
-              <a:rPr lang="de-DE" dirty="0" err="1"/>
-              <a:t>Assignment</a:t>
-            </a:r>
-            <a:r>
-              <a:rPr lang="de-DE" dirty="0"/>
-              <a:t> 5 - 2</a:t>
-            </a:r>
+              <a:rPr lang="en-US" dirty="0"/>
+              <a:t>Conclusion</a:t>
+            </a:r>
+            <a:endParaRPr lang="de-DE" dirty="0"/>
           </a:p>
         </p:txBody>
       </p:sp>
@@ -25719,7 +24283,7 @@
           <p:cNvPr id="3" name="Content Placeholder 2">
             <a:extLst>
               <a:ext uri="{FF2B5EF4-FFF2-40B4-BE49-F238E27FC236}">
-                <a16:creationId xmlns:a16="http://schemas.microsoft.com/office/drawing/2014/main" id="{B028635A-6617-33C3-5283-F991CA595B16}"/>
+                <a16:creationId xmlns:a16="http://schemas.microsoft.com/office/drawing/2014/main" id="{9BBBB529-1259-4A67-AE31-74D212C93A22}"/>
               </a:ext>
             </a:extLst>
           </p:cNvPr>
@@ -25735,45 +24299,33 @@
           <a:bodyPr/>
           <a:lstStyle/>
           <a:p>
-            <a:pPr marL="0" indent="0" algn="l" rtl="0" eaLnBrk="1" latinLnBrk="0" hangingPunct="1">
-              <a:lnSpc>
-                <a:spcPct val="90000"/>
-              </a:lnSpc>
-              <a:spcBef>
-                <a:spcPts val="1000"/>
-              </a:spcBef>
-              <a:spcAft>
-                <a:spcPts val="0"/>
-              </a:spcAft>
-              <a:buNone/>
-            </a:pPr>
-            <a:r>
-              <a:rPr lang="en-GB" sz="2000" kern="1200" dirty="0">
-                <a:solidFill>
-                  <a:srgbClr val="00356D"/>
-                </a:solidFill>
-                <a:effectLst/>
-                <a:latin typeface="Arial" panose="020B0604020202020204" pitchFamily="34" charset="0"/>
-                <a:ea typeface="+mn-ea"/>
-                <a:cs typeface="+mn-cs"/>
-              </a:rPr>
-              <a:t>Problem: </a:t>
-            </a:r>
-            <a:endParaRPr lang="de-DE" dirty="0">
-              <a:effectLst/>
-            </a:endParaRPr>
-          </a:p>
-          <a:p>
-            <a:pPr marL="0" indent="0" algn="l">
-              <a:buNone/>
-            </a:pPr>
-            <a:r>
-              <a:rPr lang="en-US" dirty="0"/>
-              <a:t>Compute the train and test set errors for the three Monk datasets </a:t>
+            <a:r>
+              <a:rPr lang="en-GB" dirty="0"/>
+              <a:t>The HMM can classify the activity “standing” very well. However, “walking” and “running” get confused more easily. This can be improved by filtering the state sequence to detect single outliers. </a:t>
+            </a:r>
+          </a:p>
+          <a:p>
+            <a:r>
+              <a:rPr lang="en-GB" dirty="0"/>
+              <a:t>Other possible improvements:</a:t>
+            </a:r>
+          </a:p>
+          <a:p>
+            <a:pPr lvl="1"/>
+            <a:r>
+              <a:rPr lang="en-GB" dirty="0"/>
+              <a:t>With more and more complex training data (captured form different people, turning the phone instead of holding it parallel to the ground) the model can be made more robust.</a:t>
+            </a:r>
+          </a:p>
+          <a:p>
+            <a:pPr lvl="1"/>
+            <a:r>
+              <a:rPr lang="de-DE" dirty="0"/>
+              <a:t>k </a:t>
             </a:r>
             <a:r>
               <a:rPr lang="de-DE" dirty="0" err="1"/>
-              <a:t>for</a:t>
+              <a:t>fold</a:t>
             </a:r>
             <a:r>
               <a:rPr lang="de-DE" dirty="0"/>
@@ -25781,7 +24333,22 @@
             </a:r>
             <a:r>
               <a:rPr lang="de-DE" dirty="0" err="1"/>
-              <a:t>the</a:t>
+              <a:t>cross</a:t>
+            </a:r>
+            <a:r>
+              <a:rPr lang="de-DE" dirty="0"/>
+              <a:t>-validation</a:t>
+            </a:r>
+          </a:p>
+          <a:p>
+            <a:pPr lvl="1"/>
+            <a:r>
+              <a:rPr lang="de-DE" dirty="0"/>
+              <a:t>More </a:t>
+            </a:r>
+            <a:r>
+              <a:rPr lang="de-DE" dirty="0" err="1"/>
+              <a:t>pre-processing</a:t>
             </a:r>
             <a:r>
               <a:rPr lang="de-DE" dirty="0"/>
@@ -25789,7 +24356,7 @@
             </a:r>
             <a:r>
               <a:rPr lang="de-DE" dirty="0" err="1"/>
-              <a:t>full</a:t>
+              <a:t>of</a:t>
             </a:r>
             <a:r>
               <a:rPr lang="de-DE" dirty="0"/>
@@ -25797,47 +24364,36 @@
             </a:r>
             <a:r>
               <a:rPr lang="de-DE" dirty="0" err="1"/>
-              <a:t>trees</a:t>
-            </a:r>
-            <a:r>
-              <a:rPr lang="de-DE" sz="1800" dirty="0">
-                <a:latin typeface="CMR10"/>
-              </a:rPr>
-              <a:t>.</a:t>
-            </a:r>
-          </a:p>
-          <a:p>
-            <a:pPr marL="0" indent="0" algn="l">
-              <a:buNone/>
-            </a:pPr>
+              <a:t>data</a:t>
+            </a:r>
             <a:endParaRPr lang="de-DE" dirty="0"/>
           </a:p>
           <a:p>
-            <a:pPr marL="0" indent="0" algn="l" rtl="0" eaLnBrk="1" latinLnBrk="0" hangingPunct="1">
-              <a:lnSpc>
-                <a:spcPct val="90000"/>
-              </a:lnSpc>
-              <a:spcBef>
-                <a:spcPts val="1000"/>
-              </a:spcBef>
-              <a:spcAft>
-                <a:spcPts val="0"/>
-              </a:spcAft>
-              <a:buNone/>
-            </a:pPr>
-            <a:r>
-              <a:rPr lang="en-GB" sz="2000" kern="1200" dirty="0">
-                <a:solidFill>
-                  <a:srgbClr val="00356D"/>
-                </a:solidFill>
-                <a:effectLst/>
-                <a:latin typeface="Arial" panose="020B0604020202020204" pitchFamily="34" charset="0"/>
-                <a:ea typeface="+mn-ea"/>
-                <a:cs typeface="+mn-cs"/>
-              </a:rPr>
-              <a:t>Result:</a:t>
-            </a:r>
-            <a:endParaRPr lang="de-DE" dirty="0"/>
+            <a:pPr lvl="1"/>
+            <a:r>
+              <a:rPr lang="de-DE" dirty="0" err="1"/>
+              <a:t>Better</a:t>
+            </a:r>
+            <a:r>
+              <a:rPr lang="de-DE" dirty="0"/>
+              <a:t> initial </a:t>
+            </a:r>
+            <a:r>
+              <a:rPr lang="de-DE" dirty="0" err="1"/>
+              <a:t>estimation</a:t>
+            </a:r>
+            <a:r>
+              <a:rPr lang="de-DE" dirty="0"/>
+              <a:t> </a:t>
+            </a:r>
+            <a:r>
+              <a:rPr lang="de-DE" dirty="0" err="1"/>
+              <a:t>to</a:t>
+            </a:r>
+            <a:r>
+              <a:rPr lang="de-DE" dirty="0"/>
+              <a:t> find global maximum</a:t>
+            </a:r>
           </a:p>
           <a:p>
             <a:pPr marL="0" indent="0">
@@ -25851,1843 +24407,12 @@
             </a:pPr>
             <a:endParaRPr lang="de-DE" dirty="0"/>
           </a:p>
-          <a:p>
-            <a:pPr marL="0" indent="0">
-              <a:buNone/>
-            </a:pPr>
-            <a:endParaRPr lang="de-DE" dirty="0"/>
-          </a:p>
-          <a:p>
-            <a:pPr marL="0" indent="0">
-              <a:buNone/>
-            </a:pPr>
-            <a:endParaRPr lang="de-DE" dirty="0"/>
-          </a:p>
-          <a:p>
-            <a:pPr marL="0" indent="0">
-              <a:buNone/>
-            </a:pPr>
-            <a:endParaRPr lang="de-DE" dirty="0"/>
-          </a:p>
-          <a:p>
-            <a:pPr marL="0" indent="0">
-              <a:buNone/>
-            </a:pPr>
-            <a:r>
-              <a:rPr lang="de-DE" dirty="0"/>
-              <a:t>Error </a:t>
-            </a:r>
-            <a:r>
-              <a:rPr lang="de-DE" dirty="0" err="1"/>
-              <a:t>for</a:t>
-            </a:r>
-            <a:r>
-              <a:rPr lang="de-DE" dirty="0"/>
-              <a:t> </a:t>
-            </a:r>
-            <a:r>
-              <a:rPr lang="de-DE" dirty="0" err="1"/>
-              <a:t>training</a:t>
-            </a:r>
-            <a:r>
-              <a:rPr lang="de-DE" dirty="0"/>
-              <a:t> </a:t>
-            </a:r>
-            <a:r>
-              <a:rPr lang="de-DE" dirty="0" err="1"/>
-              <a:t>sets</a:t>
-            </a:r>
-            <a:r>
-              <a:rPr lang="de-DE" dirty="0"/>
-              <a:t> </a:t>
-            </a:r>
-            <a:r>
-              <a:rPr lang="de-DE" dirty="0" err="1"/>
-              <a:t>is</a:t>
-            </a:r>
-            <a:r>
-              <a:rPr lang="de-DE" dirty="0"/>
-              <a:t> 0, </a:t>
-            </a:r>
-            <a:r>
-              <a:rPr lang="de-DE" dirty="0" err="1"/>
-              <a:t>because</a:t>
-            </a:r>
-            <a:r>
-              <a:rPr lang="de-DE" dirty="0"/>
-              <a:t> </a:t>
-            </a:r>
-            <a:r>
-              <a:rPr lang="de-DE" dirty="0" err="1"/>
-              <a:t>they</a:t>
-            </a:r>
-            <a:r>
-              <a:rPr lang="de-DE" dirty="0"/>
-              <a:t> </a:t>
-            </a:r>
-            <a:r>
-              <a:rPr lang="de-DE" dirty="0" err="1"/>
-              <a:t>were</a:t>
-            </a:r>
-            <a:r>
-              <a:rPr lang="de-DE" dirty="0"/>
-              <a:t> </a:t>
-            </a:r>
-            <a:r>
-              <a:rPr lang="de-DE" dirty="0" err="1"/>
-              <a:t>used</a:t>
-            </a:r>
-            <a:r>
-              <a:rPr lang="de-DE" dirty="0"/>
-              <a:t> </a:t>
-            </a:r>
-            <a:r>
-              <a:rPr lang="de-DE" dirty="0" err="1"/>
-              <a:t>to</a:t>
-            </a:r>
-            <a:r>
-              <a:rPr lang="de-DE" dirty="0"/>
-              <a:t> </a:t>
-            </a:r>
-            <a:r>
-              <a:rPr lang="de-DE" dirty="0" err="1"/>
-              <a:t>build</a:t>
-            </a:r>
-            <a:r>
-              <a:rPr lang="de-DE" dirty="0"/>
-              <a:t> </a:t>
-            </a:r>
-            <a:r>
-              <a:rPr lang="de-DE" dirty="0" err="1"/>
-              <a:t>the</a:t>
-            </a:r>
-            <a:r>
-              <a:rPr lang="de-DE" dirty="0"/>
-              <a:t> </a:t>
-            </a:r>
-            <a:r>
-              <a:rPr lang="de-DE" dirty="0" err="1"/>
-              <a:t>tree</a:t>
-            </a:r>
-            <a:endParaRPr lang="de-DE" dirty="0"/>
-          </a:p>
-        </p:txBody>
-      </p:sp>
-      <p:graphicFrame>
-        <p:nvGraphicFramePr>
-          <p:cNvPr id="4" name="Table 3">
-            <a:extLst>
-              <a:ext uri="{FF2B5EF4-FFF2-40B4-BE49-F238E27FC236}">
-                <a16:creationId xmlns:a16="http://schemas.microsoft.com/office/drawing/2014/main" id="{13F26E10-F65F-8392-9550-BB9FA570FD1C}"/>
-              </a:ext>
-            </a:extLst>
-          </p:cNvPr>
-          <p:cNvGraphicFramePr>
-            <a:graphicFrameLocks noGrp="1"/>
-          </p:cNvGraphicFramePr>
-          <p:nvPr>
-            <p:extLst>
-              <p:ext uri="{D42A27DB-BD31-4B8C-83A1-F6EECF244321}">
-                <p14:modId xmlns:p14="http://schemas.microsoft.com/office/powerpoint/2010/main" val="86749668"/>
-              </p:ext>
-            </p:extLst>
-          </p:nvPr>
-        </p:nvGraphicFramePr>
-        <p:xfrm>
-          <a:off x="2031206" y="3429000"/>
-          <a:ext cx="8127999" cy="1483360"/>
-        </p:xfrm>
-        <a:graphic>
-          <a:graphicData uri="http://schemas.openxmlformats.org/drawingml/2006/table">
-            <a:tbl>
-              <a:tblPr firstRow="1" bandRow="1">
-                <a:tableStyleId>{5C22544A-7EE6-4342-B048-85BDC9FD1C3A}</a:tableStyleId>
-              </a:tblPr>
-              <a:tblGrid>
-                <a:gridCol w="2709333">
-                  <a:extLst>
-                    <a:ext uri="{9D8B030D-6E8A-4147-A177-3AD203B41FA5}">
-                      <a16:colId xmlns:a16="http://schemas.microsoft.com/office/drawing/2014/main" val="3257833059"/>
-                    </a:ext>
-                  </a:extLst>
-                </a:gridCol>
-                <a:gridCol w="2709333">
-                  <a:extLst>
-                    <a:ext uri="{9D8B030D-6E8A-4147-A177-3AD203B41FA5}">
-                      <a16:colId xmlns:a16="http://schemas.microsoft.com/office/drawing/2014/main" val="1891287924"/>
-                    </a:ext>
-                  </a:extLst>
-                </a:gridCol>
-                <a:gridCol w="2709333">
-                  <a:extLst>
-                    <a:ext uri="{9D8B030D-6E8A-4147-A177-3AD203B41FA5}">
-                      <a16:colId xmlns:a16="http://schemas.microsoft.com/office/drawing/2014/main" val="1775435753"/>
-                    </a:ext>
-                  </a:extLst>
-                </a:gridCol>
-              </a:tblGrid>
-              <a:tr h="370840">
-                <a:tc>
-                  <a:txBody>
-                    <a:bodyPr/>
-                    <a:lstStyle/>
-                    <a:p>
-                      <a:endParaRPr lang="de-DE"/>
-                    </a:p>
-                  </a:txBody>
-                  <a:tcPr/>
-                </a:tc>
-                <a:tc>
-                  <a:txBody>
-                    <a:bodyPr/>
-                    <a:lstStyle/>
-                    <a:p>
-                      <a:r>
-                        <a:rPr lang="de-DE" dirty="0" err="1"/>
-                        <a:t>E_train</a:t>
-                      </a:r>
-                      <a:endParaRPr lang="de-DE" dirty="0"/>
-                    </a:p>
-                  </a:txBody>
-                  <a:tcPr/>
-                </a:tc>
-                <a:tc>
-                  <a:txBody>
-                    <a:bodyPr/>
-                    <a:lstStyle/>
-                    <a:p>
-                      <a:r>
-                        <a:rPr lang="de-DE" dirty="0" err="1"/>
-                        <a:t>E_test</a:t>
-                      </a:r>
-                      <a:endParaRPr lang="de-DE" dirty="0"/>
-                    </a:p>
-                  </a:txBody>
-                  <a:tcPr/>
-                </a:tc>
-                <a:extLst>
-                  <a:ext uri="{0D108BD9-81ED-4DB2-BD59-A6C34878D82A}">
-                    <a16:rowId xmlns:a16="http://schemas.microsoft.com/office/drawing/2014/main" val="2450480948"/>
-                  </a:ext>
-                </a:extLst>
-              </a:tr>
-              <a:tr h="370840">
-                <a:tc>
-                  <a:txBody>
-                    <a:bodyPr/>
-                    <a:lstStyle/>
-                    <a:p>
-                      <a:r>
-                        <a:rPr lang="de-DE" dirty="0"/>
-                        <a:t>MONK-1</a:t>
-                      </a:r>
-                    </a:p>
-                  </a:txBody>
-                  <a:tcPr/>
-                </a:tc>
-                <a:tc>
-                  <a:txBody>
-                    <a:bodyPr/>
-                    <a:lstStyle/>
-                    <a:p>
-                      <a:r>
-                        <a:rPr lang="de-DE" dirty="0"/>
-                        <a:t>0</a:t>
-                      </a:r>
-                    </a:p>
-                  </a:txBody>
-                  <a:tcPr/>
-                </a:tc>
-                <a:tc>
-                  <a:txBody>
-                    <a:bodyPr/>
-                    <a:lstStyle/>
-                    <a:p>
-                      <a:r>
-                        <a:rPr lang="de-DE" sz="1800" b="0" i="0" kern="1200" dirty="0">
-                          <a:solidFill>
-                            <a:schemeClr val="dk1"/>
-                          </a:solidFill>
-                          <a:effectLst/>
-                          <a:latin typeface="+mn-lt"/>
-                          <a:ea typeface="+mn-ea"/>
-                          <a:cs typeface="+mn-cs"/>
-                        </a:rPr>
-                        <a:t>0.171</a:t>
-                      </a:r>
-                      <a:endParaRPr lang="de-DE" dirty="0"/>
-                    </a:p>
-                  </a:txBody>
-                  <a:tcPr/>
-                </a:tc>
-                <a:extLst>
-                  <a:ext uri="{0D108BD9-81ED-4DB2-BD59-A6C34878D82A}">
-                    <a16:rowId xmlns:a16="http://schemas.microsoft.com/office/drawing/2014/main" val="718248411"/>
-                  </a:ext>
-                </a:extLst>
-              </a:tr>
-              <a:tr h="370840">
-                <a:tc>
-                  <a:txBody>
-                    <a:bodyPr/>
-                    <a:lstStyle/>
-                    <a:p>
-                      <a:r>
-                        <a:rPr lang="de-DE" dirty="0"/>
-                        <a:t>MONK-2</a:t>
-                      </a:r>
-                    </a:p>
-                  </a:txBody>
-                  <a:tcPr/>
-                </a:tc>
-                <a:tc>
-                  <a:txBody>
-                    <a:bodyPr/>
-                    <a:lstStyle/>
-                    <a:p>
-                      <a:r>
-                        <a:rPr lang="de-DE" dirty="0"/>
-                        <a:t>0</a:t>
-                      </a:r>
-                    </a:p>
-                  </a:txBody>
-                  <a:tcPr/>
-                </a:tc>
-                <a:tc>
-                  <a:txBody>
-                    <a:bodyPr/>
-                    <a:lstStyle/>
-                    <a:p>
-                      <a:r>
-                        <a:rPr lang="de-DE" sz="1800" b="0" i="0" kern="1200" dirty="0">
-                          <a:solidFill>
-                            <a:schemeClr val="dk1"/>
-                          </a:solidFill>
-                          <a:effectLst/>
-                          <a:latin typeface="+mn-lt"/>
-                          <a:ea typeface="+mn-ea"/>
-                          <a:cs typeface="+mn-cs"/>
-                        </a:rPr>
-                        <a:t>0.307</a:t>
-                      </a:r>
-                      <a:endParaRPr lang="de-DE" dirty="0"/>
-                    </a:p>
-                  </a:txBody>
-                  <a:tcPr/>
-                </a:tc>
-                <a:extLst>
-                  <a:ext uri="{0D108BD9-81ED-4DB2-BD59-A6C34878D82A}">
-                    <a16:rowId xmlns:a16="http://schemas.microsoft.com/office/drawing/2014/main" val="2375970768"/>
-                  </a:ext>
-                </a:extLst>
-              </a:tr>
-              <a:tr h="370840">
-                <a:tc>
-                  <a:txBody>
-                    <a:bodyPr/>
-                    <a:lstStyle/>
-                    <a:p>
-                      <a:r>
-                        <a:rPr lang="de-DE" dirty="0"/>
-                        <a:t>MONK-3</a:t>
-                      </a:r>
-                    </a:p>
-                  </a:txBody>
-                  <a:tcPr/>
-                </a:tc>
-                <a:tc>
-                  <a:txBody>
-                    <a:bodyPr/>
-                    <a:lstStyle/>
-                    <a:p>
-                      <a:r>
-                        <a:rPr lang="de-DE" dirty="0"/>
-                        <a:t>0</a:t>
-                      </a:r>
-                    </a:p>
-                  </a:txBody>
-                  <a:tcPr/>
-                </a:tc>
-                <a:tc>
-                  <a:txBody>
-                    <a:bodyPr/>
-                    <a:lstStyle/>
-                    <a:p>
-                      <a:r>
-                        <a:rPr lang="de-DE" sz="1800" b="0" i="0" kern="1200" dirty="0">
-                          <a:solidFill>
-                            <a:schemeClr val="dk1"/>
-                          </a:solidFill>
-                          <a:effectLst/>
-                          <a:latin typeface="+mn-lt"/>
-                          <a:ea typeface="+mn-ea"/>
-                          <a:cs typeface="+mn-cs"/>
-                        </a:rPr>
-                        <a:t>0.056</a:t>
-                      </a:r>
-                      <a:endParaRPr lang="de-DE" dirty="0"/>
-                    </a:p>
-                  </a:txBody>
-                  <a:tcPr/>
-                </a:tc>
-                <a:extLst>
-                  <a:ext uri="{0D108BD9-81ED-4DB2-BD59-A6C34878D82A}">
-                    <a16:rowId xmlns:a16="http://schemas.microsoft.com/office/drawing/2014/main" val="2952629288"/>
-                  </a:ext>
-                </a:extLst>
-              </a:tr>
-            </a:tbl>
-          </a:graphicData>
-        </a:graphic>
-      </p:graphicFrame>
+        </p:txBody>
+      </p:sp>
     </p:spTree>
     <p:extLst>
       <p:ext uri="{BB962C8B-B14F-4D97-AF65-F5344CB8AC3E}">
-        <p14:creationId xmlns:p14="http://schemas.microsoft.com/office/powerpoint/2010/main" val="130185134"/>
-      </p:ext>
-    </p:extLst>
-  </p:cSld>
-  <p:clrMapOvr>
-    <a:masterClrMapping/>
-  </p:clrMapOvr>
-</p:sld>
-</file>
-
-<file path=ppt/slides/slide12.xml><?xml version="1.0" encoding="utf-8"?>
-<p:sld xmlns:a="http://schemas.openxmlformats.org/drawingml/2006/main" xmlns:r="http://schemas.openxmlformats.org/officeDocument/2006/relationships" xmlns:p="http://schemas.openxmlformats.org/presentationml/2006/main">
-  <p:cSld>
-    <p:spTree>
-      <p:nvGrpSpPr>
-        <p:cNvPr id="1" name=""/>
-        <p:cNvGrpSpPr/>
-        <p:nvPr/>
-      </p:nvGrpSpPr>
-      <p:grpSpPr>
-        <a:xfrm>
-          <a:off x="0" y="0"/>
-          <a:ext cx="0" cy="0"/>
-          <a:chOff x="0" y="0"/>
-          <a:chExt cx="0" cy="0"/>
-        </a:xfrm>
-      </p:grpSpPr>
-      <p:sp>
-        <p:nvSpPr>
-          <p:cNvPr id="2" name="Title 1">
-            <a:extLst>
-              <a:ext uri="{FF2B5EF4-FFF2-40B4-BE49-F238E27FC236}">
-                <a16:creationId xmlns:a16="http://schemas.microsoft.com/office/drawing/2014/main" id="{B6D1B278-A8DA-5B50-E833-BC953714FAF8}"/>
-              </a:ext>
-            </a:extLst>
-          </p:cNvPr>
-          <p:cNvSpPr>
-            <a:spLocks noGrp="1"/>
-          </p:cNvSpPr>
-          <p:nvPr>
-            <p:ph type="title"/>
-          </p:nvPr>
-        </p:nvSpPr>
-        <p:spPr/>
-        <p:txBody>
-          <a:bodyPr/>
-          <a:lstStyle/>
-          <a:p>
-            <a:r>
-              <a:rPr lang="de-DE" dirty="0" err="1"/>
-              <a:t>Assignment</a:t>
-            </a:r>
-            <a:r>
-              <a:rPr lang="de-DE" dirty="0"/>
-              <a:t> 6</a:t>
-            </a:r>
-          </a:p>
-        </p:txBody>
-      </p:sp>
-      <p:sp>
-        <p:nvSpPr>
-          <p:cNvPr id="3" name="Content Placeholder 2">
-            <a:extLst>
-              <a:ext uri="{FF2B5EF4-FFF2-40B4-BE49-F238E27FC236}">
-                <a16:creationId xmlns:a16="http://schemas.microsoft.com/office/drawing/2014/main" id="{B028635A-6617-33C3-5283-F991CA595B16}"/>
-              </a:ext>
-            </a:extLst>
-          </p:cNvPr>
-          <p:cNvSpPr>
-            <a:spLocks noGrp="1"/>
-          </p:cNvSpPr>
-          <p:nvPr>
-            <p:ph idx="1"/>
-          </p:nvPr>
-        </p:nvSpPr>
-        <p:spPr/>
-        <p:txBody>
-          <a:bodyPr/>
-          <a:lstStyle/>
-          <a:p>
-            <a:pPr marL="0" indent="0" algn="l" rtl="0" eaLnBrk="1" latinLnBrk="0" hangingPunct="1">
-              <a:lnSpc>
-                <a:spcPct val="90000"/>
-              </a:lnSpc>
-              <a:spcBef>
-                <a:spcPts val="1000"/>
-              </a:spcBef>
-              <a:spcAft>
-                <a:spcPts val="0"/>
-              </a:spcAft>
-              <a:buNone/>
-            </a:pPr>
-            <a:r>
-              <a:rPr lang="en-GB" sz="2000" kern="1200" dirty="0">
-                <a:solidFill>
-                  <a:srgbClr val="00356D"/>
-                </a:solidFill>
-                <a:effectLst/>
-                <a:latin typeface="Arial" panose="020B0604020202020204" pitchFamily="34" charset="0"/>
-                <a:ea typeface="+mn-ea"/>
-                <a:cs typeface="+mn-cs"/>
-              </a:rPr>
-              <a:t>Problem: </a:t>
-            </a:r>
-            <a:endParaRPr lang="de-DE" dirty="0">
-              <a:effectLst/>
-            </a:endParaRPr>
-          </a:p>
-          <a:p>
-            <a:pPr marL="0" indent="0" algn="l">
-              <a:buNone/>
-            </a:pPr>
-            <a:r>
-              <a:rPr lang="en-US" dirty="0"/>
-              <a:t>Explain pruning from a bias variance trade-off perspective</a:t>
-            </a:r>
-            <a:r>
-              <a:rPr lang="en-US" sz="1800" b="0" i="0" u="none" strike="noStrike" baseline="0" dirty="0">
-                <a:latin typeface="CMR10"/>
-              </a:rPr>
-              <a:t>.</a:t>
-            </a:r>
-          </a:p>
-          <a:p>
-            <a:pPr marL="0" indent="0" algn="l">
-              <a:buNone/>
-            </a:pPr>
-            <a:endParaRPr lang="de-DE" dirty="0"/>
-          </a:p>
-          <a:p>
-            <a:pPr marL="0" indent="0" algn="l" rtl="0" eaLnBrk="1" latinLnBrk="0" hangingPunct="1">
-              <a:lnSpc>
-                <a:spcPct val="90000"/>
-              </a:lnSpc>
-              <a:spcBef>
-                <a:spcPts val="1000"/>
-              </a:spcBef>
-              <a:spcAft>
-                <a:spcPts val="0"/>
-              </a:spcAft>
-              <a:buNone/>
-            </a:pPr>
-            <a:r>
-              <a:rPr lang="en-GB" sz="2000" kern="1200" dirty="0">
-                <a:solidFill>
-                  <a:srgbClr val="00356D"/>
-                </a:solidFill>
-                <a:effectLst/>
-                <a:latin typeface="Arial" panose="020B0604020202020204" pitchFamily="34" charset="0"/>
-                <a:ea typeface="+mn-ea"/>
-                <a:cs typeface="+mn-cs"/>
-              </a:rPr>
-              <a:t>Result:</a:t>
-            </a:r>
-            <a:endParaRPr lang="de-DE" dirty="0"/>
-          </a:p>
-          <a:p>
-            <a:r>
-              <a:rPr lang="de-DE" dirty="0"/>
-              <a:t>A </a:t>
-            </a:r>
-            <a:r>
-              <a:rPr lang="de-DE" dirty="0" err="1"/>
-              <a:t>too</a:t>
-            </a:r>
-            <a:r>
-              <a:rPr lang="de-DE" dirty="0"/>
-              <a:t> </a:t>
-            </a:r>
-            <a:r>
-              <a:rPr lang="de-DE" dirty="0" err="1"/>
-              <a:t>complex</a:t>
-            </a:r>
-            <a:r>
-              <a:rPr lang="de-DE" dirty="0"/>
-              <a:t> </a:t>
-            </a:r>
-            <a:r>
-              <a:rPr lang="de-DE" dirty="0" err="1"/>
-              <a:t>model</a:t>
-            </a:r>
-            <a:r>
-              <a:rPr lang="de-DE" dirty="0"/>
-              <a:t> </a:t>
-            </a:r>
-            <a:r>
-              <a:rPr lang="de-DE" dirty="0" err="1"/>
-              <a:t>results</a:t>
-            </a:r>
-            <a:r>
-              <a:rPr lang="de-DE" dirty="0"/>
-              <a:t> in a </a:t>
-            </a:r>
-            <a:r>
-              <a:rPr lang="de-DE" dirty="0" err="1"/>
-              <a:t>low</a:t>
-            </a:r>
-            <a:r>
-              <a:rPr lang="de-DE" dirty="0"/>
-              <a:t> </a:t>
-            </a:r>
-            <a:r>
-              <a:rPr lang="de-DE" dirty="0" err="1"/>
-              <a:t>bias</a:t>
-            </a:r>
-            <a:r>
-              <a:rPr lang="de-DE" dirty="0"/>
-              <a:t> but high </a:t>
-            </a:r>
-            <a:r>
-              <a:rPr lang="de-DE" dirty="0" err="1"/>
-              <a:t>variance</a:t>
-            </a:r>
-            <a:r>
-              <a:rPr lang="de-DE" dirty="0"/>
-              <a:t> (</a:t>
-            </a:r>
-            <a:r>
-              <a:rPr lang="de-DE" dirty="0" err="1"/>
-              <a:t>overfitting</a:t>
-            </a:r>
-            <a:r>
-              <a:rPr lang="de-DE" dirty="0"/>
-              <a:t>)</a:t>
-            </a:r>
-          </a:p>
-          <a:p>
-            <a:r>
-              <a:rPr lang="de-DE" dirty="0" err="1"/>
-              <a:t>Pruning</a:t>
-            </a:r>
-            <a:r>
-              <a:rPr lang="de-DE" dirty="0"/>
-              <a:t> </a:t>
-            </a:r>
-            <a:r>
-              <a:rPr lang="de-DE" dirty="0" err="1"/>
-              <a:t>simplifies</a:t>
-            </a:r>
-            <a:r>
-              <a:rPr lang="de-DE" dirty="0"/>
-              <a:t> </a:t>
-            </a:r>
-            <a:r>
-              <a:rPr lang="de-DE" dirty="0" err="1"/>
-              <a:t>the</a:t>
-            </a:r>
-            <a:r>
-              <a:rPr lang="de-DE" dirty="0"/>
-              <a:t> </a:t>
-            </a:r>
-            <a:r>
-              <a:rPr lang="de-DE" dirty="0" err="1"/>
-              <a:t>model</a:t>
-            </a:r>
-            <a:r>
-              <a:rPr lang="de-DE" dirty="0"/>
-              <a:t>, </a:t>
-            </a:r>
-            <a:r>
-              <a:rPr lang="de-DE" dirty="0" err="1"/>
-              <a:t>increasing</a:t>
-            </a:r>
-            <a:r>
-              <a:rPr lang="de-DE" dirty="0"/>
-              <a:t> </a:t>
-            </a:r>
-            <a:r>
-              <a:rPr lang="de-DE" dirty="0" err="1"/>
-              <a:t>the</a:t>
-            </a:r>
-            <a:r>
-              <a:rPr lang="de-DE" dirty="0"/>
-              <a:t> </a:t>
-            </a:r>
-            <a:r>
-              <a:rPr lang="de-DE" dirty="0" err="1"/>
-              <a:t>bias</a:t>
-            </a:r>
-            <a:r>
-              <a:rPr lang="de-DE" dirty="0"/>
-              <a:t> but </a:t>
-            </a:r>
-            <a:r>
-              <a:rPr lang="de-DE" dirty="0" err="1"/>
-              <a:t>reducing</a:t>
-            </a:r>
-            <a:r>
-              <a:rPr lang="de-DE" dirty="0"/>
-              <a:t> </a:t>
-            </a:r>
-            <a:r>
-              <a:rPr lang="de-DE" dirty="0" err="1"/>
-              <a:t>the</a:t>
-            </a:r>
-            <a:r>
-              <a:rPr lang="de-DE" dirty="0"/>
-              <a:t> </a:t>
-            </a:r>
-            <a:r>
-              <a:rPr lang="de-DE" dirty="0" err="1"/>
-              <a:t>variance</a:t>
-            </a:r>
-            <a:r>
-              <a:rPr lang="de-DE" dirty="0"/>
-              <a:t>. </a:t>
-            </a:r>
-            <a:r>
-              <a:rPr lang="de-DE" dirty="0" err="1"/>
-              <a:t>We</a:t>
-            </a:r>
-            <a:r>
-              <a:rPr lang="de-DE" dirty="0"/>
-              <a:t> </a:t>
-            </a:r>
-            <a:r>
-              <a:rPr lang="de-DE" dirty="0" err="1"/>
-              <a:t>might</a:t>
-            </a:r>
-            <a:r>
-              <a:rPr lang="de-DE" dirty="0"/>
-              <a:t> </a:t>
-            </a:r>
-            <a:r>
-              <a:rPr lang="de-DE" dirty="0" err="1"/>
-              <a:t>increase</a:t>
-            </a:r>
-            <a:r>
-              <a:rPr lang="de-DE" dirty="0"/>
-              <a:t> </a:t>
-            </a:r>
-            <a:r>
-              <a:rPr lang="de-DE" dirty="0" err="1"/>
-              <a:t>performance</a:t>
-            </a:r>
-            <a:r>
-              <a:rPr lang="de-DE" dirty="0"/>
-              <a:t> </a:t>
-            </a:r>
-            <a:r>
-              <a:rPr lang="de-DE" dirty="0" err="1"/>
-              <a:t>to</a:t>
-            </a:r>
-            <a:r>
-              <a:rPr lang="de-DE" dirty="0"/>
-              <a:t> a </a:t>
-            </a:r>
-            <a:r>
-              <a:rPr lang="de-DE" dirty="0" err="1"/>
-              <a:t>certain</a:t>
-            </a:r>
-            <a:r>
-              <a:rPr lang="de-DE" dirty="0"/>
-              <a:t> </a:t>
-            </a:r>
-            <a:r>
-              <a:rPr lang="de-DE" dirty="0" err="1"/>
-              <a:t>degree</a:t>
-            </a:r>
-            <a:r>
-              <a:rPr lang="de-DE" dirty="0"/>
-              <a:t> </a:t>
-            </a:r>
-            <a:r>
-              <a:rPr lang="de-DE" dirty="0" err="1"/>
-              <a:t>until</a:t>
-            </a:r>
-            <a:r>
-              <a:rPr lang="de-DE" dirty="0"/>
-              <a:t> </a:t>
-            </a:r>
-            <a:r>
-              <a:rPr lang="de-DE" dirty="0" err="1"/>
-              <a:t>the</a:t>
-            </a:r>
-            <a:r>
-              <a:rPr lang="de-DE" dirty="0"/>
-              <a:t> </a:t>
-            </a:r>
-            <a:r>
-              <a:rPr lang="de-DE" dirty="0" err="1"/>
-              <a:t>model</a:t>
-            </a:r>
-            <a:r>
-              <a:rPr lang="de-DE" dirty="0"/>
-              <a:t> </a:t>
-            </a:r>
-            <a:r>
-              <a:rPr lang="de-DE" dirty="0" err="1"/>
-              <a:t>is</a:t>
-            </a:r>
-            <a:r>
-              <a:rPr lang="de-DE" dirty="0"/>
-              <a:t> </a:t>
-            </a:r>
-            <a:r>
-              <a:rPr lang="de-DE" dirty="0" err="1"/>
-              <a:t>too</a:t>
-            </a:r>
-            <a:r>
-              <a:rPr lang="de-DE" dirty="0"/>
-              <a:t> simple </a:t>
-            </a:r>
-            <a:r>
-              <a:rPr lang="de-DE" dirty="0" err="1"/>
-              <a:t>for</a:t>
-            </a:r>
-            <a:r>
-              <a:rPr lang="de-DE" dirty="0"/>
-              <a:t> </a:t>
-            </a:r>
-            <a:r>
-              <a:rPr lang="de-DE" dirty="0" err="1"/>
-              <a:t>the</a:t>
-            </a:r>
-            <a:r>
-              <a:rPr lang="de-DE" dirty="0"/>
-              <a:t> </a:t>
-            </a:r>
-            <a:r>
-              <a:rPr lang="de-DE" dirty="0" err="1"/>
-              <a:t>dataset</a:t>
-            </a:r>
-            <a:r>
-              <a:rPr lang="de-DE" dirty="0"/>
-              <a:t> and </a:t>
-            </a:r>
-            <a:r>
-              <a:rPr lang="de-DE" dirty="0" err="1"/>
-              <a:t>the</a:t>
-            </a:r>
-            <a:r>
-              <a:rPr lang="de-DE" dirty="0"/>
-              <a:t> </a:t>
-            </a:r>
-            <a:r>
-              <a:rPr lang="de-DE" dirty="0" err="1"/>
-              <a:t>bias</a:t>
-            </a:r>
-            <a:r>
-              <a:rPr lang="de-DE" dirty="0"/>
-              <a:t> </a:t>
-            </a:r>
-            <a:r>
-              <a:rPr lang="de-DE" dirty="0" err="1"/>
-              <a:t>becomes</a:t>
-            </a:r>
-            <a:r>
-              <a:rPr lang="de-DE" dirty="0"/>
-              <a:t> </a:t>
-            </a:r>
-            <a:r>
-              <a:rPr lang="de-DE" dirty="0" err="1"/>
-              <a:t>too</a:t>
-            </a:r>
-            <a:r>
-              <a:rPr lang="de-DE" dirty="0"/>
-              <a:t> high, </a:t>
-            </a:r>
-            <a:r>
-              <a:rPr lang="de-DE" dirty="0" err="1"/>
-              <a:t>we</a:t>
-            </a:r>
-            <a:r>
-              <a:rPr lang="de-DE" dirty="0"/>
-              <a:t> </a:t>
-            </a:r>
-            <a:r>
-              <a:rPr lang="de-DE" dirty="0" err="1"/>
-              <a:t>underfit</a:t>
-            </a:r>
-            <a:r>
-              <a:rPr lang="de-DE" dirty="0"/>
-              <a:t>.</a:t>
-            </a:r>
-          </a:p>
-          <a:p>
-            <a:pPr marL="0" indent="0">
-              <a:buNone/>
-            </a:pPr>
-            <a:endParaRPr lang="de-DE" dirty="0"/>
-          </a:p>
-        </p:txBody>
-      </p:sp>
-    </p:spTree>
-    <p:extLst>
-      <p:ext uri="{BB962C8B-B14F-4D97-AF65-F5344CB8AC3E}">
-        <p14:creationId xmlns:p14="http://schemas.microsoft.com/office/powerpoint/2010/main" val="1872165555"/>
-      </p:ext>
-    </p:extLst>
-  </p:cSld>
-  <p:clrMapOvr>
-    <a:masterClrMapping/>
-  </p:clrMapOvr>
-</p:sld>
-</file>
-
-<file path=ppt/slides/slide13.xml><?xml version="1.0" encoding="utf-8"?>
-<p:sld xmlns:a="http://schemas.openxmlformats.org/drawingml/2006/main" xmlns:r="http://schemas.openxmlformats.org/officeDocument/2006/relationships" xmlns:p="http://schemas.openxmlformats.org/presentationml/2006/main">
-  <p:cSld>
-    <p:spTree>
-      <p:nvGrpSpPr>
-        <p:cNvPr id="1" name=""/>
-        <p:cNvGrpSpPr/>
-        <p:nvPr/>
-      </p:nvGrpSpPr>
-      <p:grpSpPr>
-        <a:xfrm>
-          <a:off x="0" y="0"/>
-          <a:ext cx="0" cy="0"/>
-          <a:chOff x="0" y="0"/>
-          <a:chExt cx="0" cy="0"/>
-        </a:xfrm>
-      </p:grpSpPr>
-      <p:sp>
-        <p:nvSpPr>
-          <p:cNvPr id="2" name="Title 1">
-            <a:extLst>
-              <a:ext uri="{FF2B5EF4-FFF2-40B4-BE49-F238E27FC236}">
-                <a16:creationId xmlns:a16="http://schemas.microsoft.com/office/drawing/2014/main" id="{D494EC89-5E80-6B3A-0F30-D856182A9358}"/>
-              </a:ext>
-            </a:extLst>
-          </p:cNvPr>
-          <p:cNvSpPr>
-            <a:spLocks noGrp="1"/>
-          </p:cNvSpPr>
-          <p:nvPr>
-            <p:ph type="title"/>
-          </p:nvPr>
-        </p:nvSpPr>
-        <p:spPr/>
-        <p:txBody>
-          <a:bodyPr/>
-          <a:lstStyle/>
-          <a:p>
-            <a:r>
-              <a:rPr lang="de-DE" dirty="0" err="1"/>
-              <a:t>Assignment</a:t>
-            </a:r>
-            <a:r>
-              <a:rPr lang="de-DE" dirty="0"/>
-              <a:t> 7 - 1</a:t>
-            </a:r>
-          </a:p>
-        </p:txBody>
-      </p:sp>
-      <p:sp>
-        <p:nvSpPr>
-          <p:cNvPr id="3" name="Content Placeholder 2">
-            <a:extLst>
-              <a:ext uri="{FF2B5EF4-FFF2-40B4-BE49-F238E27FC236}">
-                <a16:creationId xmlns:a16="http://schemas.microsoft.com/office/drawing/2014/main" id="{BD134332-4346-B6D8-E38A-48AC29E5485A}"/>
-              </a:ext>
-            </a:extLst>
-          </p:cNvPr>
-          <p:cNvSpPr>
-            <a:spLocks noGrp="1"/>
-          </p:cNvSpPr>
-          <p:nvPr>
-            <p:ph idx="1"/>
-          </p:nvPr>
-        </p:nvSpPr>
-        <p:spPr/>
-        <p:txBody>
-          <a:bodyPr/>
-          <a:lstStyle/>
-          <a:p>
-            <a:pPr marL="0" indent="0" algn="l" rtl="0" eaLnBrk="1" latinLnBrk="0" hangingPunct="1">
-              <a:lnSpc>
-                <a:spcPct val="90000"/>
-              </a:lnSpc>
-              <a:spcBef>
-                <a:spcPts val="1000"/>
-              </a:spcBef>
-              <a:spcAft>
-                <a:spcPts val="0"/>
-              </a:spcAft>
-              <a:buNone/>
-            </a:pPr>
-            <a:r>
-              <a:rPr lang="en-GB" sz="2000" kern="1200" dirty="0">
-                <a:solidFill>
-                  <a:srgbClr val="00356D"/>
-                </a:solidFill>
-                <a:effectLst/>
-                <a:latin typeface="Arial" panose="020B0604020202020204" pitchFamily="34" charset="0"/>
-                <a:ea typeface="+mn-ea"/>
-                <a:cs typeface="+mn-cs"/>
-              </a:rPr>
-              <a:t>Problem: </a:t>
-            </a:r>
-            <a:endParaRPr lang="de-DE" dirty="0">
-              <a:effectLst/>
-            </a:endParaRPr>
-          </a:p>
-          <a:p>
-            <a:pPr marL="0" indent="0" algn="l">
-              <a:buNone/>
-            </a:pPr>
-            <a:r>
-              <a:rPr lang="en-US" dirty="0"/>
-              <a:t>Plot the classification error on the test sets as a function </a:t>
-            </a:r>
-            <a:r>
-              <a:rPr lang="de-DE" dirty="0" err="1"/>
-              <a:t>of</a:t>
-            </a:r>
-            <a:r>
-              <a:rPr lang="de-DE" dirty="0"/>
-              <a:t> </a:t>
-            </a:r>
-            <a:r>
-              <a:rPr lang="de-DE" dirty="0" err="1"/>
-              <a:t>the</a:t>
-            </a:r>
-            <a:r>
-              <a:rPr lang="de-DE" dirty="0"/>
-              <a:t> </a:t>
-            </a:r>
-            <a:r>
-              <a:rPr lang="de-DE" dirty="0" err="1"/>
-              <a:t>parameter</a:t>
-            </a:r>
-            <a:r>
-              <a:rPr lang="de-DE" dirty="0"/>
-              <a:t> </a:t>
-            </a:r>
-            <a:r>
-              <a:rPr lang="de-DE" dirty="0" err="1"/>
-              <a:t>fraction</a:t>
-            </a:r>
-            <a:r>
-              <a:rPr lang="en-US" dirty="0"/>
-              <a:t>.</a:t>
-            </a:r>
-          </a:p>
-          <a:p>
-            <a:pPr marL="0" indent="0" algn="l">
-              <a:buNone/>
-            </a:pPr>
-            <a:endParaRPr lang="de-DE" dirty="0"/>
-          </a:p>
-          <a:p>
-            <a:pPr marL="0" indent="0" algn="l" rtl="0" eaLnBrk="1" latinLnBrk="0" hangingPunct="1">
-              <a:lnSpc>
-                <a:spcPct val="90000"/>
-              </a:lnSpc>
-              <a:spcBef>
-                <a:spcPts val="1000"/>
-              </a:spcBef>
-              <a:spcAft>
-                <a:spcPts val="0"/>
-              </a:spcAft>
-              <a:buNone/>
-            </a:pPr>
-            <a:r>
-              <a:rPr lang="en-GB" sz="2000" kern="1200" dirty="0">
-                <a:solidFill>
-                  <a:srgbClr val="00356D"/>
-                </a:solidFill>
-                <a:effectLst/>
-                <a:latin typeface="Arial" panose="020B0604020202020204" pitchFamily="34" charset="0"/>
-                <a:ea typeface="+mn-ea"/>
-                <a:cs typeface="+mn-cs"/>
-              </a:rPr>
-              <a:t>Result for MONK-1: best fraction is 0.7</a:t>
-            </a:r>
-            <a:endParaRPr lang="de-DE" dirty="0"/>
-          </a:p>
-          <a:p>
-            <a:pPr marL="0" indent="0">
-              <a:buNone/>
-            </a:pPr>
-            <a:endParaRPr lang="de-DE" dirty="0"/>
-          </a:p>
-        </p:txBody>
-      </p:sp>
-      <p:pic>
-        <p:nvPicPr>
-          <p:cNvPr id="13" name="Picture 12" descr="A graph with a line&#10;&#10;Description automatically generated">
-            <a:extLst>
-              <a:ext uri="{FF2B5EF4-FFF2-40B4-BE49-F238E27FC236}">
-                <a16:creationId xmlns:a16="http://schemas.microsoft.com/office/drawing/2014/main" id="{10190144-B35D-3290-87D9-811A9F247D62}"/>
-              </a:ext>
-            </a:extLst>
-          </p:cNvPr>
-          <p:cNvPicPr>
-            <a:picLocks noChangeAspect="1"/>
-          </p:cNvPicPr>
-          <p:nvPr/>
-        </p:nvPicPr>
-        <p:blipFill>
-          <a:blip r:embed="rId2"/>
-          <a:stretch>
-            <a:fillRect/>
-          </a:stretch>
-        </p:blipFill>
-        <p:spPr>
-          <a:xfrm>
-            <a:off x="1575534" y="3802236"/>
-            <a:ext cx="4079999" cy="3060000"/>
-          </a:xfrm>
-          <a:prstGeom prst="rect">
-            <a:avLst/>
-          </a:prstGeom>
-        </p:spPr>
-      </p:pic>
-      <p:pic>
-        <p:nvPicPr>
-          <p:cNvPr id="15" name="Picture 14" descr="A graph with a line and dots&#10;&#10;Description automatically generated">
-            <a:extLst>
-              <a:ext uri="{FF2B5EF4-FFF2-40B4-BE49-F238E27FC236}">
-                <a16:creationId xmlns:a16="http://schemas.microsoft.com/office/drawing/2014/main" id="{70E41840-E1B3-A7CA-6D6C-90973CC766D5}"/>
-              </a:ext>
-            </a:extLst>
-          </p:cNvPr>
-          <p:cNvPicPr>
-            <a:picLocks noChangeAspect="1"/>
-          </p:cNvPicPr>
-          <p:nvPr/>
-        </p:nvPicPr>
-        <p:blipFill>
-          <a:blip r:embed="rId3"/>
-          <a:stretch>
-            <a:fillRect/>
-          </a:stretch>
-        </p:blipFill>
-        <p:spPr>
-          <a:xfrm>
-            <a:off x="6325983" y="3802236"/>
-            <a:ext cx="4264167" cy="3060000"/>
-          </a:xfrm>
-          <a:prstGeom prst="rect">
-            <a:avLst/>
-          </a:prstGeom>
-        </p:spPr>
-      </p:pic>
-      <p:sp>
-        <p:nvSpPr>
-          <p:cNvPr id="16" name="TextBox 15">
-            <a:extLst>
-              <a:ext uri="{FF2B5EF4-FFF2-40B4-BE49-F238E27FC236}">
-                <a16:creationId xmlns:a16="http://schemas.microsoft.com/office/drawing/2014/main" id="{A6FB5023-B577-3F52-16A1-53EE0A28921D}"/>
-              </a:ext>
-            </a:extLst>
-          </p:cNvPr>
-          <p:cNvSpPr txBox="1"/>
-          <p:nvPr/>
-        </p:nvSpPr>
-        <p:spPr>
-          <a:xfrm>
-            <a:off x="1575534" y="3494459"/>
-            <a:ext cx="4364182" cy="307777"/>
-          </a:xfrm>
-          <a:prstGeom prst="rect">
-            <a:avLst/>
-          </a:prstGeom>
-          <a:noFill/>
-        </p:spPr>
-        <p:txBody>
-          <a:bodyPr wrap="square" rtlCol="0">
-            <a:spAutoFit/>
-          </a:bodyPr>
-          <a:lstStyle/>
-          <a:p>
-            <a:pPr algn="ctr"/>
-            <a:r>
-              <a:rPr lang="de-DE" sz="1400" dirty="0">
-                <a:solidFill>
-                  <a:schemeClr val="accent1"/>
-                </a:solidFill>
-              </a:rPr>
-              <a:t>Mean </a:t>
-            </a:r>
-            <a:r>
-              <a:rPr lang="de-DE" sz="1400" dirty="0" err="1">
-                <a:solidFill>
-                  <a:schemeClr val="accent1"/>
-                </a:solidFill>
-              </a:rPr>
-              <a:t>performance</a:t>
-            </a:r>
-            <a:r>
-              <a:rPr lang="de-DE" sz="1400" dirty="0">
-                <a:solidFill>
-                  <a:schemeClr val="accent1"/>
-                </a:solidFill>
-              </a:rPr>
-              <a:t> </a:t>
-            </a:r>
-            <a:r>
-              <a:rPr lang="de-DE" sz="1400" dirty="0" err="1">
-                <a:solidFill>
-                  <a:schemeClr val="accent1"/>
-                </a:solidFill>
-              </a:rPr>
-              <a:t>over</a:t>
-            </a:r>
-            <a:r>
-              <a:rPr lang="de-DE" sz="1400" dirty="0">
-                <a:solidFill>
-                  <a:schemeClr val="accent1"/>
-                </a:solidFill>
-              </a:rPr>
-              <a:t> 10 </a:t>
-            </a:r>
-            <a:r>
-              <a:rPr lang="de-DE" sz="1400" dirty="0" err="1">
-                <a:solidFill>
-                  <a:schemeClr val="accent1"/>
-                </a:solidFill>
-              </a:rPr>
-              <a:t>runs</a:t>
-            </a:r>
-            <a:r>
-              <a:rPr lang="de-DE" sz="1400" dirty="0">
-                <a:solidFill>
-                  <a:schemeClr val="accent1"/>
-                </a:solidFill>
-              </a:rPr>
-              <a:t> </a:t>
-            </a:r>
-          </a:p>
-        </p:txBody>
-      </p:sp>
-      <p:sp>
-        <p:nvSpPr>
-          <p:cNvPr id="17" name="TextBox 16">
-            <a:extLst>
-              <a:ext uri="{FF2B5EF4-FFF2-40B4-BE49-F238E27FC236}">
-                <a16:creationId xmlns:a16="http://schemas.microsoft.com/office/drawing/2014/main" id="{3A09D03C-FF8C-C09F-94DE-42FA20365B6F}"/>
-              </a:ext>
-            </a:extLst>
-          </p:cNvPr>
-          <p:cNvSpPr txBox="1"/>
-          <p:nvPr/>
-        </p:nvSpPr>
-        <p:spPr>
-          <a:xfrm>
-            <a:off x="6275976" y="3494458"/>
-            <a:ext cx="4364182" cy="307777"/>
-          </a:xfrm>
-          <a:prstGeom prst="rect">
-            <a:avLst/>
-          </a:prstGeom>
-          <a:noFill/>
-        </p:spPr>
-        <p:txBody>
-          <a:bodyPr wrap="square" rtlCol="0">
-            <a:spAutoFit/>
-          </a:bodyPr>
-          <a:lstStyle/>
-          <a:p>
-            <a:pPr algn="ctr"/>
-            <a:r>
-              <a:rPr lang="de-DE" sz="1400" dirty="0" err="1">
-                <a:solidFill>
-                  <a:schemeClr val="accent1"/>
-                </a:solidFill>
-              </a:rPr>
-              <a:t>Variance</a:t>
-            </a:r>
-            <a:r>
-              <a:rPr lang="de-DE" sz="1400" dirty="0">
-                <a:solidFill>
-                  <a:schemeClr val="accent1"/>
-                </a:solidFill>
-              </a:rPr>
-              <a:t> </a:t>
-            </a:r>
-            <a:r>
-              <a:rPr lang="de-DE" sz="1400" dirty="0" err="1">
-                <a:solidFill>
-                  <a:schemeClr val="accent1"/>
-                </a:solidFill>
-              </a:rPr>
-              <a:t>of</a:t>
-            </a:r>
-            <a:r>
-              <a:rPr lang="de-DE" sz="1400" dirty="0">
-                <a:solidFill>
-                  <a:schemeClr val="accent1"/>
-                </a:solidFill>
-              </a:rPr>
-              <a:t> </a:t>
-            </a:r>
-            <a:r>
-              <a:rPr lang="de-DE" sz="1400" dirty="0" err="1">
-                <a:solidFill>
-                  <a:schemeClr val="accent1"/>
-                </a:solidFill>
-              </a:rPr>
-              <a:t>the</a:t>
-            </a:r>
-            <a:r>
-              <a:rPr lang="de-DE" sz="1400" dirty="0">
-                <a:solidFill>
-                  <a:schemeClr val="accent1"/>
-                </a:solidFill>
-              </a:rPr>
-              <a:t> </a:t>
-            </a:r>
-            <a:r>
-              <a:rPr lang="de-DE" sz="1400" dirty="0" err="1">
-                <a:solidFill>
-                  <a:schemeClr val="accent1"/>
-                </a:solidFill>
-              </a:rPr>
-              <a:t>performance</a:t>
-            </a:r>
-            <a:r>
-              <a:rPr lang="de-DE" sz="1400" dirty="0">
-                <a:solidFill>
-                  <a:schemeClr val="accent1"/>
-                </a:solidFill>
-              </a:rPr>
-              <a:t> </a:t>
-            </a:r>
-            <a:r>
-              <a:rPr lang="de-DE" sz="1400" dirty="0" err="1">
-                <a:solidFill>
-                  <a:schemeClr val="accent1"/>
-                </a:solidFill>
-              </a:rPr>
-              <a:t>over</a:t>
-            </a:r>
-            <a:r>
-              <a:rPr lang="de-DE" sz="1400" dirty="0">
-                <a:solidFill>
-                  <a:schemeClr val="accent1"/>
-                </a:solidFill>
-              </a:rPr>
-              <a:t> 10 </a:t>
-            </a:r>
-            <a:r>
-              <a:rPr lang="de-DE" sz="1400" dirty="0" err="1">
-                <a:solidFill>
-                  <a:schemeClr val="accent1"/>
-                </a:solidFill>
-              </a:rPr>
-              <a:t>runs</a:t>
-            </a:r>
-            <a:r>
-              <a:rPr lang="de-DE" sz="1400" dirty="0">
-                <a:solidFill>
-                  <a:schemeClr val="accent1"/>
-                </a:solidFill>
-              </a:rPr>
-              <a:t> </a:t>
-            </a:r>
-          </a:p>
-        </p:txBody>
-      </p:sp>
-    </p:spTree>
-    <p:extLst>
-      <p:ext uri="{BB962C8B-B14F-4D97-AF65-F5344CB8AC3E}">
-        <p14:creationId xmlns:p14="http://schemas.microsoft.com/office/powerpoint/2010/main" val="3121550001"/>
-      </p:ext>
-    </p:extLst>
-  </p:cSld>
-  <p:clrMapOvr>
-    <a:masterClrMapping/>
-  </p:clrMapOvr>
-</p:sld>
-</file>
-
-<file path=ppt/slides/slide14.xml><?xml version="1.0" encoding="utf-8"?>
-<p:sld xmlns:a="http://schemas.openxmlformats.org/drawingml/2006/main" xmlns:r="http://schemas.openxmlformats.org/officeDocument/2006/relationships" xmlns:p="http://schemas.openxmlformats.org/presentationml/2006/main">
-  <p:cSld>
-    <p:spTree>
-      <p:nvGrpSpPr>
-        <p:cNvPr id="1" name=""/>
-        <p:cNvGrpSpPr/>
-        <p:nvPr/>
-      </p:nvGrpSpPr>
-      <p:grpSpPr>
-        <a:xfrm>
-          <a:off x="0" y="0"/>
-          <a:ext cx="0" cy="0"/>
-          <a:chOff x="0" y="0"/>
-          <a:chExt cx="0" cy="0"/>
-        </a:xfrm>
-      </p:grpSpPr>
-      <p:sp>
-        <p:nvSpPr>
-          <p:cNvPr id="2" name="Title 1">
-            <a:extLst>
-              <a:ext uri="{FF2B5EF4-FFF2-40B4-BE49-F238E27FC236}">
-                <a16:creationId xmlns:a16="http://schemas.microsoft.com/office/drawing/2014/main" id="{D494EC89-5E80-6B3A-0F30-D856182A9358}"/>
-              </a:ext>
-            </a:extLst>
-          </p:cNvPr>
-          <p:cNvSpPr>
-            <a:spLocks noGrp="1"/>
-          </p:cNvSpPr>
-          <p:nvPr>
-            <p:ph type="title"/>
-          </p:nvPr>
-        </p:nvSpPr>
-        <p:spPr/>
-        <p:txBody>
-          <a:bodyPr/>
-          <a:lstStyle/>
-          <a:p>
-            <a:r>
-              <a:rPr lang="de-DE" dirty="0" err="1"/>
-              <a:t>Assignment</a:t>
-            </a:r>
-            <a:r>
-              <a:rPr lang="de-DE" dirty="0"/>
-              <a:t> 7 - 2</a:t>
-            </a:r>
-          </a:p>
-        </p:txBody>
-      </p:sp>
-      <p:sp>
-        <p:nvSpPr>
-          <p:cNvPr id="3" name="Content Placeholder 2">
-            <a:extLst>
-              <a:ext uri="{FF2B5EF4-FFF2-40B4-BE49-F238E27FC236}">
-                <a16:creationId xmlns:a16="http://schemas.microsoft.com/office/drawing/2014/main" id="{BD134332-4346-B6D8-E38A-48AC29E5485A}"/>
-              </a:ext>
-            </a:extLst>
-          </p:cNvPr>
-          <p:cNvSpPr>
-            <a:spLocks noGrp="1"/>
-          </p:cNvSpPr>
-          <p:nvPr>
-            <p:ph idx="1"/>
-          </p:nvPr>
-        </p:nvSpPr>
-        <p:spPr/>
-        <p:txBody>
-          <a:bodyPr/>
-          <a:lstStyle/>
-          <a:p>
-            <a:pPr marL="0" indent="0" algn="l" rtl="0" eaLnBrk="1" latinLnBrk="0" hangingPunct="1">
-              <a:lnSpc>
-                <a:spcPct val="90000"/>
-              </a:lnSpc>
-              <a:spcBef>
-                <a:spcPts val="1000"/>
-              </a:spcBef>
-              <a:spcAft>
-                <a:spcPts val="0"/>
-              </a:spcAft>
-              <a:buNone/>
-            </a:pPr>
-            <a:r>
-              <a:rPr lang="en-GB" sz="2000" kern="1200" dirty="0">
-                <a:solidFill>
-                  <a:srgbClr val="00356D"/>
-                </a:solidFill>
-                <a:effectLst/>
-                <a:latin typeface="Arial" panose="020B0604020202020204" pitchFamily="34" charset="0"/>
-                <a:ea typeface="+mn-ea"/>
-                <a:cs typeface="+mn-cs"/>
-              </a:rPr>
-              <a:t>Problem: </a:t>
-            </a:r>
-            <a:endParaRPr lang="de-DE" dirty="0">
-              <a:effectLst/>
-            </a:endParaRPr>
-          </a:p>
-          <a:p>
-            <a:pPr marL="0" indent="0" algn="l">
-              <a:buNone/>
-            </a:pPr>
-            <a:r>
-              <a:rPr lang="en-US" dirty="0"/>
-              <a:t>Plot the classification error on the test sets as a function </a:t>
-            </a:r>
-            <a:r>
-              <a:rPr lang="de-DE" dirty="0" err="1"/>
-              <a:t>of</a:t>
-            </a:r>
-            <a:r>
-              <a:rPr lang="de-DE" dirty="0"/>
-              <a:t> </a:t>
-            </a:r>
-            <a:r>
-              <a:rPr lang="de-DE" dirty="0" err="1"/>
-              <a:t>the</a:t>
-            </a:r>
-            <a:r>
-              <a:rPr lang="de-DE" dirty="0"/>
-              <a:t> </a:t>
-            </a:r>
-            <a:r>
-              <a:rPr lang="de-DE" dirty="0" err="1"/>
-              <a:t>parameter</a:t>
-            </a:r>
-            <a:r>
-              <a:rPr lang="de-DE" dirty="0"/>
-              <a:t> </a:t>
-            </a:r>
-            <a:r>
-              <a:rPr lang="de-DE" dirty="0" err="1"/>
-              <a:t>fraction</a:t>
-            </a:r>
-            <a:r>
-              <a:rPr lang="en-US" dirty="0"/>
-              <a:t>.</a:t>
-            </a:r>
-          </a:p>
-          <a:p>
-            <a:pPr marL="0" indent="0" algn="l">
-              <a:buNone/>
-            </a:pPr>
-            <a:endParaRPr lang="de-DE" dirty="0"/>
-          </a:p>
-          <a:p>
-            <a:pPr marL="0" indent="0" algn="l" rtl="0" eaLnBrk="1" latinLnBrk="0" hangingPunct="1">
-              <a:lnSpc>
-                <a:spcPct val="90000"/>
-              </a:lnSpc>
-              <a:spcBef>
-                <a:spcPts val="1000"/>
-              </a:spcBef>
-              <a:spcAft>
-                <a:spcPts val="0"/>
-              </a:spcAft>
-              <a:buNone/>
-            </a:pPr>
-            <a:r>
-              <a:rPr lang="en-GB" sz="2000" kern="1200" dirty="0">
-                <a:solidFill>
-                  <a:srgbClr val="00356D"/>
-                </a:solidFill>
-                <a:effectLst/>
-                <a:latin typeface="Arial" panose="020B0604020202020204" pitchFamily="34" charset="0"/>
-                <a:ea typeface="+mn-ea"/>
-                <a:cs typeface="+mn-cs"/>
-              </a:rPr>
-              <a:t>Result</a:t>
-            </a:r>
-            <a:r>
-              <a:rPr lang="en-GB" dirty="0">
-                <a:solidFill>
-                  <a:srgbClr val="00356D"/>
-                </a:solidFill>
-                <a:latin typeface="Arial" panose="020B0604020202020204" pitchFamily="34" charset="0"/>
-              </a:rPr>
-              <a:t> for</a:t>
-            </a:r>
-            <a:r>
-              <a:rPr lang="en-GB" sz="2000" kern="1200" dirty="0">
-                <a:solidFill>
-                  <a:srgbClr val="00356D"/>
-                </a:solidFill>
-                <a:effectLst/>
-                <a:latin typeface="Arial" panose="020B0604020202020204" pitchFamily="34" charset="0"/>
-                <a:ea typeface="+mn-ea"/>
-                <a:cs typeface="+mn-cs"/>
-              </a:rPr>
-              <a:t> MONK-3: best fraction is 0.6</a:t>
-            </a:r>
-            <a:endParaRPr lang="de-DE" dirty="0"/>
-          </a:p>
-          <a:p>
-            <a:pPr marL="0" indent="0">
-              <a:buNone/>
-            </a:pPr>
-            <a:endParaRPr lang="de-DE" dirty="0"/>
-          </a:p>
-        </p:txBody>
-      </p:sp>
-      <p:pic>
-        <p:nvPicPr>
-          <p:cNvPr id="13" name="Picture 12">
-            <a:extLst>
-              <a:ext uri="{FF2B5EF4-FFF2-40B4-BE49-F238E27FC236}">
-                <a16:creationId xmlns:a16="http://schemas.microsoft.com/office/drawing/2014/main" id="{10190144-B35D-3290-87D9-811A9F247D62}"/>
-              </a:ext>
-            </a:extLst>
-          </p:cNvPr>
-          <p:cNvPicPr>
-            <a:picLocks noChangeAspect="1"/>
-          </p:cNvPicPr>
-          <p:nvPr/>
-        </p:nvPicPr>
-        <p:blipFill>
-          <a:blip r:embed="rId2"/>
-          <a:srcRect/>
-          <a:stretch/>
-        </p:blipFill>
-        <p:spPr>
-          <a:xfrm>
-            <a:off x="1575534" y="3802236"/>
-            <a:ext cx="4079999" cy="3059999"/>
-          </a:xfrm>
-          <a:prstGeom prst="rect">
-            <a:avLst/>
-          </a:prstGeom>
-        </p:spPr>
-      </p:pic>
-      <p:pic>
-        <p:nvPicPr>
-          <p:cNvPr id="15" name="Picture 14">
-            <a:extLst>
-              <a:ext uri="{FF2B5EF4-FFF2-40B4-BE49-F238E27FC236}">
-                <a16:creationId xmlns:a16="http://schemas.microsoft.com/office/drawing/2014/main" id="{70E41840-E1B3-A7CA-6D6C-90973CC766D5}"/>
-              </a:ext>
-            </a:extLst>
-          </p:cNvPr>
-          <p:cNvPicPr>
-            <a:picLocks noChangeAspect="1"/>
-          </p:cNvPicPr>
-          <p:nvPr/>
-        </p:nvPicPr>
-        <p:blipFill>
-          <a:blip r:embed="rId3"/>
-          <a:srcRect/>
-          <a:stretch/>
-        </p:blipFill>
-        <p:spPr>
-          <a:xfrm>
-            <a:off x="6354317" y="3798000"/>
-            <a:ext cx="4207500" cy="3060000"/>
-          </a:xfrm>
-          <a:prstGeom prst="rect">
-            <a:avLst/>
-          </a:prstGeom>
-        </p:spPr>
-      </p:pic>
-      <p:sp>
-        <p:nvSpPr>
-          <p:cNvPr id="16" name="TextBox 15">
-            <a:extLst>
-              <a:ext uri="{FF2B5EF4-FFF2-40B4-BE49-F238E27FC236}">
-                <a16:creationId xmlns:a16="http://schemas.microsoft.com/office/drawing/2014/main" id="{A6FB5023-B577-3F52-16A1-53EE0A28921D}"/>
-              </a:ext>
-            </a:extLst>
-          </p:cNvPr>
-          <p:cNvSpPr txBox="1"/>
-          <p:nvPr/>
-        </p:nvSpPr>
-        <p:spPr>
-          <a:xfrm>
-            <a:off x="1575534" y="3494459"/>
-            <a:ext cx="4364182" cy="307777"/>
-          </a:xfrm>
-          <a:prstGeom prst="rect">
-            <a:avLst/>
-          </a:prstGeom>
-          <a:noFill/>
-        </p:spPr>
-        <p:txBody>
-          <a:bodyPr wrap="square" rtlCol="0">
-            <a:spAutoFit/>
-          </a:bodyPr>
-          <a:lstStyle/>
-          <a:p>
-            <a:pPr algn="ctr"/>
-            <a:r>
-              <a:rPr lang="de-DE" sz="1400" dirty="0">
-                <a:solidFill>
-                  <a:schemeClr val="accent1"/>
-                </a:solidFill>
-              </a:rPr>
-              <a:t>Mean </a:t>
-            </a:r>
-            <a:r>
-              <a:rPr lang="de-DE" sz="1400" dirty="0" err="1">
-                <a:solidFill>
-                  <a:schemeClr val="accent1"/>
-                </a:solidFill>
-              </a:rPr>
-              <a:t>performance</a:t>
-            </a:r>
-            <a:r>
-              <a:rPr lang="de-DE" sz="1400" dirty="0">
-                <a:solidFill>
-                  <a:schemeClr val="accent1"/>
-                </a:solidFill>
-              </a:rPr>
-              <a:t> </a:t>
-            </a:r>
-            <a:r>
-              <a:rPr lang="de-DE" sz="1400" dirty="0" err="1">
-                <a:solidFill>
-                  <a:schemeClr val="accent1"/>
-                </a:solidFill>
-              </a:rPr>
-              <a:t>over</a:t>
-            </a:r>
-            <a:r>
-              <a:rPr lang="de-DE" sz="1400" dirty="0">
-                <a:solidFill>
-                  <a:schemeClr val="accent1"/>
-                </a:solidFill>
-              </a:rPr>
-              <a:t> 10 </a:t>
-            </a:r>
-            <a:r>
-              <a:rPr lang="de-DE" sz="1400" dirty="0" err="1">
-                <a:solidFill>
-                  <a:schemeClr val="accent1"/>
-                </a:solidFill>
-              </a:rPr>
-              <a:t>runs</a:t>
-            </a:r>
-            <a:r>
-              <a:rPr lang="de-DE" sz="1400" dirty="0">
-                <a:solidFill>
-                  <a:schemeClr val="accent1"/>
-                </a:solidFill>
-              </a:rPr>
-              <a:t> </a:t>
-            </a:r>
-          </a:p>
-        </p:txBody>
-      </p:sp>
-      <p:sp>
-        <p:nvSpPr>
-          <p:cNvPr id="17" name="TextBox 16">
-            <a:extLst>
-              <a:ext uri="{FF2B5EF4-FFF2-40B4-BE49-F238E27FC236}">
-                <a16:creationId xmlns:a16="http://schemas.microsoft.com/office/drawing/2014/main" id="{3A09D03C-FF8C-C09F-94DE-42FA20365B6F}"/>
-              </a:ext>
-            </a:extLst>
-          </p:cNvPr>
-          <p:cNvSpPr txBox="1"/>
-          <p:nvPr/>
-        </p:nvSpPr>
-        <p:spPr>
-          <a:xfrm>
-            <a:off x="6275976" y="3494458"/>
-            <a:ext cx="4364182" cy="307777"/>
-          </a:xfrm>
-          <a:prstGeom prst="rect">
-            <a:avLst/>
-          </a:prstGeom>
-          <a:noFill/>
-        </p:spPr>
-        <p:txBody>
-          <a:bodyPr wrap="square" rtlCol="0">
-            <a:spAutoFit/>
-          </a:bodyPr>
-          <a:lstStyle/>
-          <a:p>
-            <a:pPr algn="ctr"/>
-            <a:r>
-              <a:rPr lang="de-DE" sz="1400" dirty="0" err="1">
-                <a:solidFill>
-                  <a:schemeClr val="accent1"/>
-                </a:solidFill>
-              </a:rPr>
-              <a:t>Variance</a:t>
-            </a:r>
-            <a:r>
-              <a:rPr lang="de-DE" sz="1400" dirty="0">
-                <a:solidFill>
-                  <a:schemeClr val="accent1"/>
-                </a:solidFill>
-              </a:rPr>
-              <a:t> </a:t>
-            </a:r>
-            <a:r>
-              <a:rPr lang="de-DE" sz="1400" dirty="0" err="1">
-                <a:solidFill>
-                  <a:schemeClr val="accent1"/>
-                </a:solidFill>
-              </a:rPr>
-              <a:t>of</a:t>
-            </a:r>
-            <a:r>
-              <a:rPr lang="de-DE" sz="1400" dirty="0">
-                <a:solidFill>
-                  <a:schemeClr val="accent1"/>
-                </a:solidFill>
-              </a:rPr>
-              <a:t> </a:t>
-            </a:r>
-            <a:r>
-              <a:rPr lang="de-DE" sz="1400" dirty="0" err="1">
-                <a:solidFill>
-                  <a:schemeClr val="accent1"/>
-                </a:solidFill>
-              </a:rPr>
-              <a:t>the</a:t>
-            </a:r>
-            <a:r>
-              <a:rPr lang="de-DE" sz="1400" dirty="0">
-                <a:solidFill>
-                  <a:schemeClr val="accent1"/>
-                </a:solidFill>
-              </a:rPr>
-              <a:t> </a:t>
-            </a:r>
-            <a:r>
-              <a:rPr lang="de-DE" sz="1400" dirty="0" err="1">
-                <a:solidFill>
-                  <a:schemeClr val="accent1"/>
-                </a:solidFill>
-              </a:rPr>
-              <a:t>performance</a:t>
-            </a:r>
-            <a:r>
-              <a:rPr lang="de-DE" sz="1400" dirty="0">
-                <a:solidFill>
-                  <a:schemeClr val="accent1"/>
-                </a:solidFill>
-              </a:rPr>
-              <a:t> </a:t>
-            </a:r>
-            <a:r>
-              <a:rPr lang="de-DE" sz="1400" dirty="0" err="1">
-                <a:solidFill>
-                  <a:schemeClr val="accent1"/>
-                </a:solidFill>
-              </a:rPr>
-              <a:t>over</a:t>
-            </a:r>
-            <a:r>
-              <a:rPr lang="de-DE" sz="1400" dirty="0">
-                <a:solidFill>
-                  <a:schemeClr val="accent1"/>
-                </a:solidFill>
-              </a:rPr>
-              <a:t> 10 </a:t>
-            </a:r>
-            <a:r>
-              <a:rPr lang="de-DE" sz="1400" dirty="0" err="1">
-                <a:solidFill>
-                  <a:schemeClr val="accent1"/>
-                </a:solidFill>
-              </a:rPr>
-              <a:t>runs</a:t>
-            </a:r>
-            <a:r>
-              <a:rPr lang="de-DE" sz="1400" dirty="0">
-                <a:solidFill>
-                  <a:schemeClr val="accent1"/>
-                </a:solidFill>
-              </a:rPr>
-              <a:t> </a:t>
-            </a:r>
-          </a:p>
-        </p:txBody>
-      </p:sp>
-    </p:spTree>
-    <p:extLst>
-      <p:ext uri="{BB962C8B-B14F-4D97-AF65-F5344CB8AC3E}">
-        <p14:creationId xmlns:p14="http://schemas.microsoft.com/office/powerpoint/2010/main" val="2238757372"/>
+        <p14:creationId xmlns:p14="http://schemas.microsoft.com/office/powerpoint/2010/main" val="213738310"/>
       </p:ext>
     </p:extLst>
   </p:cSld>
@@ -28349,8 +25074,8 @@
           </a:p>
         </p:txBody>
       </p:sp>
-      <mc:AlternateContent xmlns:mc="http://schemas.openxmlformats.org/markup-compatibility/2006">
-        <mc:Choice xmlns:a14="http://schemas.microsoft.com/office/drawing/2010/main" Requires="a14">
+      <mc:AlternateContent xmlns:mc="http://schemas.openxmlformats.org/markup-compatibility/2006" xmlns:a14="http://schemas.microsoft.com/office/drawing/2010/main">
+        <mc:Choice Requires="a14">
           <p:sp>
             <p:nvSpPr>
               <p:cNvPr id="5" name="Content Placeholder 4">
@@ -28923,7 +25648,7 @@
             </p:txBody>
           </p:sp>
         </mc:Choice>
-        <mc:Fallback>
+        <mc:Fallback xmlns="">
           <p:sp>
             <p:nvSpPr>
               <p:cNvPr id="5" name="Content Placeholder 4">
@@ -29073,7 +25798,7 @@
               <a:rPr lang="en-GB" dirty="0">
                 <a:latin typeface="Arial" panose="020B0604020202020204" pitchFamily="34" charset="0"/>
               </a:rPr>
-              <a:t>The probability to stay in the current state is bigger than to switch one of the other two states. We can assume that the A matrix will have high values in the diagonal.</a:t>
+              <a:t>The probability to stay in the current state is bigger than to switch to one of the other two states. We can assume that the A matrix will have high values in the diagonal.</a:t>
             </a:r>
           </a:p>
           <a:p>
@@ -29081,7 +25806,7 @@
               <a:rPr lang="en-GB" dirty="0">
                 <a:latin typeface="Arial" panose="020B0604020202020204" pitchFamily="34" charset="0"/>
               </a:rPr>
-              <a:t>The output distributions can be assumed to be normal distributed with different means and covariance matrices.</a:t>
+              <a:t>The output distributions can be assumed to be multivariate normal distributed with different means and covariance matrices for the three distributions.</a:t>
             </a:r>
             <a:endParaRPr lang="en-GB" sz="2000" kern="1200" dirty="0">
               <a:solidFill>
@@ -29185,13 +25910,31 @@
                     <a:ea typeface="+mn-ea"/>
                     <a:cs typeface="+mn-cs"/>
                   </a:rPr>
-                  <a:t>The means and covariance matrices of training sequences, in which onl</a:t>
+                  <a:t>The mean vectors (3x1) and covariance matrices (3x3) for the three coordinates </a:t>
+                </a:r>
+                <a:r>
+                  <a:rPr lang="en-GB" sz="2000" kern="1200" dirty="0" err="1">
+                    <a:effectLst/>
+                    <a:latin typeface="Arial" panose="020B0604020202020204" pitchFamily="34" charset="0"/>
+                    <a:ea typeface="+mn-ea"/>
+                    <a:cs typeface="+mn-cs"/>
+                  </a:rPr>
+                  <a:t>x,y,z</a:t>
+                </a:r>
+                <a:r>
+                  <a:rPr lang="en-GB" sz="2000" kern="1200" dirty="0">
+                    <a:effectLst/>
+                    <a:latin typeface="Arial" panose="020B0604020202020204" pitchFamily="34" charset="0"/>
+                    <a:ea typeface="+mn-ea"/>
+                    <a:cs typeface="+mn-cs"/>
+                  </a:rPr>
+                  <a:t> of training sequences, in which onl</a:t>
                 </a:r>
                 <a:r>
                   <a:rPr lang="en-GB" dirty="0">
                     <a:latin typeface="Arial" panose="020B0604020202020204" pitchFamily="34" charset="0"/>
                   </a:rPr>
-                  <a:t>y one activity was performed, were used as initialization values for the output distributions.</a:t>
+                  <a:t>y one activity was performed, were calculated and used as initialization values for the output distributions.</a:t>
                 </a:r>
               </a:p>
               <a:p>
@@ -29545,7 +26288,16 @@
                                             </a:solidFill>
                                             <a:latin typeface="Cambria Math" panose="02040503050406030204" pitchFamily="18" charset="0"/>
                                           </a:rPr>
-                                          <m:t>0.9</m:t>
+                                          <m:t>0</m:t>
+                                        </m:r>
+                                        <m:r>
+                                          <a:rPr lang="de-DE" b="0" i="1" smtClean="0">
+                                            <a:solidFill>
+                                              <a:schemeClr val="tx1"/>
+                                            </a:solidFill>
+                                            <a:latin typeface="Cambria Math" panose="02040503050406030204" pitchFamily="18" charset="0"/>
+                                          </a:rPr>
+                                          <m:t>.9</m:t>
                                         </m:r>
                                       </m:e>
                                       <m:e>
@@ -29739,8 +26491,9 @@
                                                 <a:schemeClr val="tx1"/>
                                               </a:solidFill>
                                               <a:latin typeface="Cambria Math" panose="02040503050406030204" pitchFamily="18" charset="0"/>
+                                              <a:ea typeface="Cambria Math" panose="02040503050406030204" pitchFamily="18" charset="0"/>
                                             </a:rPr>
-                                            <m:t>𝑥</m:t>
+                                            <m:t>1</m:t>
                                           </m:r>
                                         </m:sub>
                                       </m:sSub>
@@ -29783,7 +26536,7 @@
                                               </a:solidFill>
                                               <a:latin typeface="Cambria Math" panose="02040503050406030204" pitchFamily="18" charset="0"/>
                                             </a:rPr>
-                                            <m:t>𝑥</m:t>
+                                            <m:t>1</m:t>
                                           </m:r>
                                         </m:sub>
                                       </m:sSub>
@@ -29844,7 +26597,7 @@
                                               <a:latin typeface="Cambria Math" panose="02040503050406030204" pitchFamily="18" charset="0"/>
                                               <a:ea typeface="Cambria Math" panose="02040503050406030204" pitchFamily="18" charset="0"/>
                                             </a:rPr>
-                                            <m:t>𝑦</m:t>
+                                            <m:t>2</m:t>
                                           </m:r>
                                         </m:sub>
                                       </m:sSub>
@@ -29887,7 +26640,7 @@
                                               </a:solidFill>
                                               <a:latin typeface="Cambria Math" panose="02040503050406030204" pitchFamily="18" charset="0"/>
                                             </a:rPr>
-                                            <m:t>𝑦</m:t>
+                                            <m:t>2</m:t>
                                           </m:r>
                                         </m:sub>
                                       </m:sSub>
@@ -29948,7 +26701,7 @@
                                               <a:latin typeface="Cambria Math" panose="02040503050406030204" pitchFamily="18" charset="0"/>
                                               <a:ea typeface="Cambria Math" panose="02040503050406030204" pitchFamily="18" charset="0"/>
                                             </a:rPr>
-                                            <m:t>𝑧</m:t>
+                                            <m:t>3</m:t>
                                           </m:r>
                                         </m:sub>
                                       </m:sSub>
@@ -29991,7 +26744,7 @@
                                               </a:solidFill>
                                               <a:latin typeface="Cambria Math" panose="02040503050406030204" pitchFamily="18" charset="0"/>
                                             </a:rPr>
-                                            <m:t>𝑧</m:t>
+                                            <m:t>3</m:t>
                                           </m:r>
                                         </m:sub>
                                       </m:sSub>
@@ -30182,129 +26935,273 @@
           <a:bodyPr/>
           <a:lstStyle/>
           <a:p>
+            <a:r>
+              <a:rPr lang="de-DE" dirty="0" err="1"/>
+              <a:t>Since</a:t>
+            </a:r>
+            <a:r>
+              <a:rPr lang="de-DE" dirty="0"/>
+              <a:t> </a:t>
+            </a:r>
+            <a:r>
+              <a:rPr lang="de-DE" dirty="0" err="1"/>
+              <a:t>the</a:t>
+            </a:r>
+            <a:r>
+              <a:rPr lang="de-DE" dirty="0"/>
+              <a:t> Baum-Welch-</a:t>
+            </a:r>
+            <a:r>
+              <a:rPr lang="de-DE" dirty="0" err="1"/>
+              <a:t>Algorithm</a:t>
+            </a:r>
+            <a:r>
+              <a:rPr lang="de-DE" dirty="0"/>
+              <a:t> </a:t>
+            </a:r>
+            <a:r>
+              <a:rPr lang="de-DE" dirty="0" err="1"/>
+              <a:t>is</a:t>
+            </a:r>
+            <a:r>
+              <a:rPr lang="de-DE" dirty="0"/>
+              <a:t> </a:t>
+            </a:r>
+            <a:r>
+              <a:rPr lang="de-DE" dirty="0" err="1"/>
+              <a:t>quite</a:t>
+            </a:r>
+            <a:r>
+              <a:rPr lang="de-DE" dirty="0"/>
+              <a:t> </a:t>
+            </a:r>
+            <a:r>
+              <a:rPr lang="de-DE" dirty="0" err="1"/>
+              <a:t>effective</a:t>
+            </a:r>
+            <a:r>
+              <a:rPr lang="de-DE" dirty="0"/>
+              <a:t>, </a:t>
+            </a:r>
+            <a:r>
+              <a:rPr lang="de-DE" dirty="0" err="1"/>
+              <a:t>it</a:t>
+            </a:r>
+            <a:r>
+              <a:rPr lang="de-DE" dirty="0"/>
+              <a:t> </a:t>
+            </a:r>
+            <a:r>
+              <a:rPr lang="de-DE" dirty="0" err="1"/>
+              <a:t>usually</a:t>
+            </a:r>
+            <a:r>
+              <a:rPr lang="de-DE" dirty="0"/>
+              <a:t> </a:t>
+            </a:r>
+            <a:r>
+              <a:rPr lang="de-DE" dirty="0" err="1"/>
+              <a:t>converges</a:t>
+            </a:r>
+            <a:r>
+              <a:rPr lang="de-DE" dirty="0"/>
+              <a:t> after 5 </a:t>
+            </a:r>
+            <a:r>
+              <a:rPr lang="de-DE" dirty="0" err="1"/>
+              <a:t>till</a:t>
+            </a:r>
+            <a:r>
+              <a:rPr lang="de-DE" dirty="0"/>
+              <a:t> 10 </a:t>
+            </a:r>
+            <a:r>
+              <a:rPr lang="de-DE" dirty="0" err="1"/>
+              <a:t>iterations</a:t>
+            </a:r>
+            <a:r>
+              <a:rPr lang="de-DE" dirty="0"/>
+              <a:t>. The </a:t>
+            </a:r>
+            <a:r>
+              <a:rPr lang="de-DE" dirty="0" err="1"/>
+              <a:t>model</a:t>
+            </a:r>
+            <a:r>
+              <a:rPr lang="de-DE" dirty="0"/>
+              <a:t> was </a:t>
+            </a:r>
+            <a:r>
+              <a:rPr lang="de-DE" dirty="0" err="1"/>
+              <a:t>trained</a:t>
+            </a:r>
+            <a:r>
+              <a:rPr lang="de-DE" dirty="0"/>
+              <a:t> </a:t>
+            </a:r>
+            <a:r>
+              <a:rPr lang="de-DE" dirty="0" err="1"/>
+              <a:t>with</a:t>
+            </a:r>
+            <a:r>
+              <a:rPr lang="de-DE" dirty="0"/>
+              <a:t> 5 </a:t>
+            </a:r>
+            <a:r>
+              <a:rPr lang="de-DE" dirty="0" err="1"/>
+              <a:t>iterations</a:t>
+            </a:r>
+            <a:r>
+              <a:rPr lang="de-DE" dirty="0"/>
+              <a:t>.</a:t>
+            </a:r>
+          </a:p>
+          <a:p>
+            <a:r>
+              <a:rPr lang="de-DE" dirty="0"/>
+              <a:t>The Baum-Welch-</a:t>
+            </a:r>
+            <a:r>
+              <a:rPr lang="de-DE" dirty="0" err="1"/>
+              <a:t>Algorithm</a:t>
+            </a:r>
+            <a:r>
+              <a:rPr lang="de-DE" dirty="0"/>
+              <a:t> was </a:t>
+            </a:r>
+            <a:r>
+              <a:rPr lang="de-DE" dirty="0" err="1"/>
+              <a:t>implemented</a:t>
+            </a:r>
+            <a:r>
+              <a:rPr lang="de-DE" dirty="0"/>
+              <a:t> in </a:t>
+            </a:r>
+            <a:r>
+              <a:rPr lang="de-DE" dirty="0" err="1"/>
+              <a:t>the</a:t>
+            </a:r>
+            <a:r>
+              <a:rPr lang="de-DE" dirty="0"/>
+              <a:t> </a:t>
+            </a:r>
+            <a:r>
+              <a:rPr lang="de-DE" dirty="0" err="1"/>
+              <a:t>function</a:t>
+            </a:r>
+            <a:r>
+              <a:rPr lang="de-DE" dirty="0"/>
+              <a:t> </a:t>
+            </a:r>
+            <a:r>
+              <a:rPr lang="de-DE" dirty="0" err="1">
+                <a:latin typeface="Cascadia Code SemiBold" panose="020B0609020000020004" pitchFamily="49" charset="0"/>
+                <a:cs typeface="Cascadia Code SemiBold" panose="020B0609020000020004" pitchFamily="49" charset="0"/>
+              </a:rPr>
+              <a:t>train</a:t>
+            </a:r>
+            <a:r>
+              <a:rPr lang="de-DE" dirty="0">
+                <a:latin typeface="Cascadia Code SemiBold" panose="020B0609020000020004" pitchFamily="49" charset="0"/>
+                <a:cs typeface="Cascadia Code SemiBold" panose="020B0609020000020004" pitchFamily="49" charset="0"/>
+              </a:rPr>
+              <a:t>(</a:t>
+            </a:r>
+            <a:r>
+              <a:rPr lang="de-DE" dirty="0" err="1">
+                <a:latin typeface="Cascadia Code SemiBold" panose="020B0609020000020004" pitchFamily="49" charset="0"/>
+                <a:cs typeface="Cascadia Code SemiBold" panose="020B0609020000020004" pitchFamily="49" charset="0"/>
+              </a:rPr>
+              <a:t>seq</a:t>
+            </a:r>
+            <a:r>
+              <a:rPr lang="de-DE" dirty="0">
+                <a:latin typeface="Cascadia Code SemiBold" panose="020B0609020000020004" pitchFamily="49" charset="0"/>
+                <a:cs typeface="Cascadia Code SemiBold" panose="020B0609020000020004" pitchFamily="49" charset="0"/>
+              </a:rPr>
+              <a:t>)</a:t>
+            </a:r>
+            <a:r>
+              <a:rPr lang="de-DE" dirty="0">
+                <a:cs typeface="Cascadia Code SemiBold" panose="020B0609020000020004" pitchFamily="49" charset="0"/>
+              </a:rPr>
+              <a:t> </a:t>
+            </a:r>
+            <a:r>
+              <a:rPr lang="de-DE" dirty="0" err="1"/>
+              <a:t>of</a:t>
+            </a:r>
+            <a:r>
+              <a:rPr lang="de-DE" dirty="0"/>
+              <a:t> </a:t>
+            </a:r>
+            <a:r>
+              <a:rPr lang="de-DE" dirty="0" err="1"/>
+              <a:t>the</a:t>
+            </a:r>
+            <a:r>
+              <a:rPr lang="de-DE" dirty="0"/>
+              <a:t> </a:t>
+            </a:r>
+            <a:r>
+              <a:rPr lang="de-DE" dirty="0" err="1"/>
+              <a:t>class</a:t>
+            </a:r>
+            <a:r>
+              <a:rPr lang="de-DE" dirty="0"/>
+              <a:t> </a:t>
+            </a:r>
+            <a:r>
+              <a:rPr lang="de-DE" dirty="0">
+                <a:latin typeface="Cascadia Code SemiBold" panose="020B0609020000020004" pitchFamily="49" charset="0"/>
+                <a:cs typeface="Cascadia Code SemiBold" panose="020B0609020000020004" pitchFamily="49" charset="0"/>
+              </a:rPr>
+              <a:t>HMM</a:t>
+            </a:r>
+            <a:r>
+              <a:rPr lang="de-DE" dirty="0"/>
+              <a:t> </a:t>
+            </a:r>
+            <a:r>
+              <a:rPr lang="de-DE" dirty="0" err="1"/>
+              <a:t>according</a:t>
+            </a:r>
+            <a:r>
+              <a:rPr lang="de-DE" dirty="0"/>
+              <a:t> </a:t>
+            </a:r>
+            <a:r>
+              <a:rPr lang="de-DE" dirty="0" err="1"/>
+              <a:t>to</a:t>
+            </a:r>
+            <a:r>
+              <a:rPr lang="de-DE" dirty="0"/>
+              <a:t> „</a:t>
+            </a:r>
+            <a:r>
+              <a:rPr lang="de-DE" dirty="0" err="1"/>
+              <a:t>Leijon</a:t>
+            </a:r>
+            <a:r>
+              <a:rPr lang="de-DE" dirty="0"/>
+              <a:t>, Arne. (2016) Pattern Recognition. KTH, Stockholm“</a:t>
+            </a:r>
+          </a:p>
+          <a:p>
+            <a:r>
+              <a:rPr lang="de-DE" dirty="0"/>
+              <a:t>As </a:t>
+            </a:r>
+            <a:r>
+              <a:rPr lang="en-US" dirty="0"/>
+              <a:t>the model was trained with only one sequence, the initial probability vector q has a very high value close to one for the state with which the training sequence started. The other two values are close to zero. However, new sequences can start with any state, so q is reset to equal probabilities for all states.</a:t>
+            </a:r>
+            <a:endParaRPr lang="de-DE" dirty="0"/>
+          </a:p>
+          <a:p>
             <a:pPr marL="0" indent="0">
               <a:buNone/>
             </a:pPr>
-            <a:r>
-              <a:rPr lang="de-DE" dirty="0" err="1"/>
-              <a:t>Since</a:t>
-            </a:r>
-            <a:r>
-              <a:rPr lang="de-DE" dirty="0"/>
-              <a:t> </a:t>
-            </a:r>
-            <a:r>
-              <a:rPr lang="de-DE" dirty="0" err="1"/>
-              <a:t>the</a:t>
-            </a:r>
-            <a:r>
-              <a:rPr lang="de-DE" dirty="0"/>
-              <a:t> Baum-Welch-</a:t>
-            </a:r>
-            <a:r>
-              <a:rPr lang="de-DE" dirty="0" err="1"/>
-              <a:t>Algorithm</a:t>
-            </a:r>
-            <a:r>
-              <a:rPr lang="de-DE" dirty="0"/>
-              <a:t> </a:t>
-            </a:r>
-            <a:r>
-              <a:rPr lang="de-DE" dirty="0" err="1"/>
-              <a:t>is</a:t>
-            </a:r>
-            <a:r>
-              <a:rPr lang="de-DE" dirty="0"/>
-              <a:t> </a:t>
-            </a:r>
-            <a:r>
-              <a:rPr lang="de-DE" dirty="0" err="1"/>
-              <a:t>quite</a:t>
-            </a:r>
-            <a:r>
-              <a:rPr lang="de-DE" dirty="0"/>
-              <a:t> </a:t>
-            </a:r>
-            <a:r>
-              <a:rPr lang="de-DE" dirty="0" err="1"/>
-              <a:t>effective</a:t>
-            </a:r>
-            <a:r>
-              <a:rPr lang="de-DE" dirty="0"/>
-              <a:t>, </a:t>
-            </a:r>
-            <a:r>
-              <a:rPr lang="de-DE" dirty="0" err="1"/>
-              <a:t>it</a:t>
-            </a:r>
-            <a:r>
-              <a:rPr lang="de-DE" dirty="0"/>
-              <a:t> </a:t>
-            </a:r>
-            <a:r>
-              <a:rPr lang="de-DE" dirty="0" err="1"/>
-              <a:t>usually</a:t>
-            </a:r>
-            <a:r>
-              <a:rPr lang="de-DE" dirty="0"/>
-              <a:t> </a:t>
-            </a:r>
-            <a:r>
-              <a:rPr lang="de-DE" dirty="0" err="1"/>
-              <a:t>converges</a:t>
-            </a:r>
-            <a:r>
-              <a:rPr lang="de-DE" dirty="0"/>
-              <a:t> after 5 </a:t>
-            </a:r>
-            <a:r>
-              <a:rPr lang="de-DE" dirty="0" err="1"/>
-              <a:t>till</a:t>
-            </a:r>
-            <a:r>
-              <a:rPr lang="de-DE" dirty="0"/>
-              <a:t> 10 </a:t>
-            </a:r>
-            <a:r>
-              <a:rPr lang="de-DE" dirty="0" err="1"/>
-              <a:t>iterations</a:t>
-            </a:r>
-            <a:r>
-              <a:rPr lang="de-DE" dirty="0"/>
-              <a:t>. The </a:t>
-            </a:r>
-            <a:r>
-              <a:rPr lang="de-DE" dirty="0" err="1"/>
-              <a:t>model</a:t>
-            </a:r>
-            <a:r>
-              <a:rPr lang="de-DE" dirty="0"/>
-              <a:t> was </a:t>
-            </a:r>
-            <a:r>
-              <a:rPr lang="de-DE" dirty="0" err="1"/>
-              <a:t>trained</a:t>
-            </a:r>
-            <a:r>
-              <a:rPr lang="de-DE" dirty="0"/>
-              <a:t> </a:t>
-            </a:r>
-            <a:r>
-              <a:rPr lang="de-DE" dirty="0" err="1"/>
-              <a:t>with</a:t>
-            </a:r>
-            <a:r>
-              <a:rPr lang="de-DE" dirty="0"/>
-              <a:t> 5 </a:t>
-            </a:r>
-            <a:r>
-              <a:rPr lang="de-DE" dirty="0" err="1"/>
-              <a:t>iterations</a:t>
-            </a:r>
-            <a:r>
-              <a:rPr lang="de-DE"/>
-              <a:t>.</a:t>
-            </a:r>
             <a:endParaRPr lang="de-DE" dirty="0"/>
           </a:p>
         </p:txBody>
@@ -30341,7 +27238,13 @@
       </p:grpSpPr>
       <p:sp>
         <p:nvSpPr>
-          <p:cNvPr id="2" name="Title 1"/>
+          <p:cNvPr id="2" name="Title 1">
+            <a:extLst>
+              <a:ext uri="{FF2B5EF4-FFF2-40B4-BE49-F238E27FC236}">
+                <a16:creationId xmlns:a16="http://schemas.microsoft.com/office/drawing/2014/main" id="{7A5C6AA7-1E88-6FB7-10B0-937590133758}"/>
+              </a:ext>
+            </a:extLst>
+          </p:cNvPr>
           <p:cNvSpPr>
             <a:spLocks noGrp="1"/>
           </p:cNvSpPr>
@@ -30356,17 +27259,18 @@
           <a:p>
             <a:r>
               <a:rPr lang="en-US" dirty="0"/>
-              <a:t>Assignment 3</a:t>
-            </a:r>
-          </a:p>
-        </p:txBody>
-      </p:sp>
-      <p:sp>
-        <p:nvSpPr>
-          <p:cNvPr id="5" name="Content Placeholder 4">
-            <a:extLst>
-              <a:ext uri="{FF2B5EF4-FFF2-40B4-BE49-F238E27FC236}">
-                <a16:creationId xmlns:a16="http://schemas.microsoft.com/office/drawing/2014/main" id="{AF049DD3-4EC6-F4BB-328F-8FAB9F34E4DC}"/>
+              <a:t>Methodology</a:t>
+            </a:r>
+            <a:endParaRPr lang="de-DE" dirty="0"/>
+          </a:p>
+        </p:txBody>
+      </p:sp>
+      <p:sp>
+        <p:nvSpPr>
+          <p:cNvPr id="3" name="Content Placeholder 2">
+            <a:extLst>
+              <a:ext uri="{FF2B5EF4-FFF2-40B4-BE49-F238E27FC236}">
+                <a16:creationId xmlns:a16="http://schemas.microsoft.com/office/drawing/2014/main" id="{9BBBB529-1259-4A67-AE31-74D212C93A22}"/>
               </a:ext>
             </a:extLst>
           </p:cNvPr>
@@ -30382,49 +27286,38 @@
           <a:bodyPr/>
           <a:lstStyle/>
           <a:p>
-            <a:pPr marL="0" indent="0" algn="l" rtl="0" eaLnBrk="1" latinLnBrk="0" hangingPunct="1">
-              <a:lnSpc>
-                <a:spcPct val="90000"/>
-              </a:lnSpc>
-              <a:spcBef>
-                <a:spcPts val="1000"/>
-              </a:spcBef>
-              <a:spcAft>
-                <a:spcPts val="0"/>
-              </a:spcAft>
+            <a:pPr marL="0" indent="0">
               <a:buNone/>
             </a:pPr>
             <a:r>
-              <a:rPr lang="en-GB" sz="2000" kern="1200" dirty="0">
+              <a:rPr lang="en-GB" dirty="0">
                 <a:solidFill>
                   <a:srgbClr val="00356D"/>
                 </a:solidFill>
-                <a:effectLst/>
                 <a:latin typeface="Arial" panose="020B0604020202020204" pitchFamily="34" charset="0"/>
-                <a:ea typeface="+mn-ea"/>
-                <a:cs typeface="+mn-cs"/>
               </a:rPr>
-              <a:t>Problem: </a:t>
-            </a:r>
-            <a:endParaRPr lang="de-DE" dirty="0">
-              <a:effectLst/>
-            </a:endParaRPr>
-          </a:p>
-          <a:p>
-            <a:pPr marL="0" indent="0" algn="l">
+              <a:t>Viterbi-Algorithm:</a:t>
+            </a:r>
+          </a:p>
+          <a:p>
+            <a:pPr marL="0" indent="0">
               <a:buNone/>
             </a:pPr>
             <a:r>
+              <a:rPr lang="en-GB" dirty="0"/>
+              <a:t>It </a:t>
+            </a:r>
+            <a:r>
               <a:rPr lang="de-DE" dirty="0"/>
-              <a:t>C</a:t>
-            </a:r>
-            <a:r>
-              <a:rPr lang="en-US" dirty="0" err="1"/>
-              <a:t>alculate</a:t>
-            </a:r>
-            <a:r>
-              <a:rPr lang="en-US" dirty="0"/>
-              <a:t> the expected information gain corresponding to each of </a:t>
+              <a:t>was </a:t>
+            </a:r>
+            <a:r>
+              <a:rPr lang="de-DE" dirty="0" err="1"/>
+              <a:t>implemented</a:t>
+            </a:r>
+            <a:r>
+              <a:rPr lang="de-DE" dirty="0"/>
+              <a:t> in </a:t>
             </a:r>
             <a:r>
               <a:rPr lang="de-DE" dirty="0" err="1"/>
@@ -30436,171 +27329,239 @@
             </a:r>
             <a:r>
               <a:rPr lang="de-DE" dirty="0" err="1"/>
-              <a:t>six</a:t>
+              <a:t>function</a:t>
             </a:r>
             <a:r>
               <a:rPr lang="de-DE" dirty="0"/>
               <a:t> </a:t>
             </a:r>
             <a:r>
+              <a:rPr lang="de-DE" b="1" dirty="0" err="1">
+                <a:latin typeface="Cascadia Code SemiBold" panose="020B0609020000020004" pitchFamily="49" charset="0"/>
+                <a:cs typeface="Cascadia Code SemiBold" panose="020B0609020000020004" pitchFamily="49" charset="0"/>
+              </a:rPr>
+              <a:t>states</a:t>
+            </a:r>
+            <a:r>
+              <a:rPr lang="de-DE" b="1" dirty="0">
+                <a:latin typeface="Cascadia Code SemiBold" panose="020B0609020000020004" pitchFamily="49" charset="0"/>
+                <a:cs typeface="Cascadia Code SemiBold" panose="020B0609020000020004" pitchFamily="49" charset="0"/>
+              </a:rPr>
+              <a:t> = </a:t>
+            </a:r>
+            <a:r>
+              <a:rPr lang="de-DE" b="1" dirty="0" err="1">
+                <a:latin typeface="Cascadia Code SemiBold" panose="020B0609020000020004" pitchFamily="49" charset="0"/>
+                <a:cs typeface="Cascadia Code SemiBold" panose="020B0609020000020004" pitchFamily="49" charset="0"/>
+              </a:rPr>
+              <a:t>viterbi</a:t>
+            </a:r>
+            <a:r>
+              <a:rPr lang="de-DE" dirty="0">
+                <a:latin typeface="Cascadia Code SemiBold" panose="020B0609020000020004" pitchFamily="49" charset="0"/>
+                <a:cs typeface="Cascadia Code SemiBold" panose="020B0609020000020004" pitchFamily="49" charset="0"/>
+              </a:rPr>
+              <a:t>(</a:t>
+            </a:r>
+            <a:r>
+              <a:rPr lang="de-DE" dirty="0" err="1">
+                <a:latin typeface="Cascadia Code SemiBold" panose="020B0609020000020004" pitchFamily="49" charset="0"/>
+                <a:cs typeface="Cascadia Code SemiBold" panose="020B0609020000020004" pitchFamily="49" charset="0"/>
+              </a:rPr>
+              <a:t>seq</a:t>
+            </a:r>
+            <a:r>
+              <a:rPr lang="de-DE" dirty="0">
+                <a:latin typeface="Cascadia Code SemiBold" panose="020B0609020000020004" pitchFamily="49" charset="0"/>
+                <a:cs typeface="Cascadia Code SemiBold" panose="020B0609020000020004" pitchFamily="49" charset="0"/>
+              </a:rPr>
+              <a:t>)</a:t>
+            </a:r>
+            <a:r>
+              <a:rPr lang="de-DE" dirty="0">
+                <a:cs typeface="Cascadia Code SemiBold" panose="020B0609020000020004" pitchFamily="49" charset="0"/>
+              </a:rPr>
+              <a:t> </a:t>
+            </a:r>
+            <a:r>
               <a:rPr lang="de-DE" dirty="0" err="1"/>
-              <a:t>attributes</a:t>
-            </a:r>
-            <a:endParaRPr lang="de-DE" dirty="0"/>
-          </a:p>
-          <a:p>
-            <a:pPr marL="0" indent="0" algn="l">
+              <a:t>of</a:t>
+            </a:r>
+            <a:r>
+              <a:rPr lang="de-DE" dirty="0"/>
+              <a:t> </a:t>
+            </a:r>
+            <a:r>
+              <a:rPr lang="de-DE" dirty="0" err="1"/>
+              <a:t>the</a:t>
+            </a:r>
+            <a:r>
+              <a:rPr lang="de-DE" dirty="0"/>
+              <a:t> </a:t>
+            </a:r>
+            <a:r>
+              <a:rPr lang="de-DE" dirty="0" err="1"/>
+              <a:t>class</a:t>
+            </a:r>
+            <a:r>
+              <a:rPr lang="de-DE" dirty="0"/>
+              <a:t> </a:t>
+            </a:r>
+            <a:r>
+              <a:rPr lang="de-DE" dirty="0">
+                <a:latin typeface="Cascadia Code SemiBold" panose="020B0609020000020004" pitchFamily="49" charset="0"/>
+                <a:cs typeface="Cascadia Code SemiBold" panose="020B0609020000020004" pitchFamily="49" charset="0"/>
+              </a:rPr>
+              <a:t>HMM</a:t>
+            </a:r>
+            <a:r>
+              <a:rPr lang="de-DE" dirty="0"/>
+              <a:t> </a:t>
+            </a:r>
+            <a:r>
+              <a:rPr lang="de-DE" dirty="0" err="1"/>
+              <a:t>according</a:t>
+            </a:r>
+            <a:r>
+              <a:rPr lang="de-DE" dirty="0"/>
+              <a:t> </a:t>
+            </a:r>
+            <a:r>
+              <a:rPr lang="de-DE" dirty="0" err="1"/>
+              <a:t>to</a:t>
+            </a:r>
+            <a:r>
+              <a:rPr lang="de-DE" dirty="0"/>
+              <a:t> „</a:t>
+            </a:r>
+            <a:r>
+              <a:rPr lang="de-DE" dirty="0" err="1"/>
+              <a:t>Leijon</a:t>
+            </a:r>
+            <a:r>
+              <a:rPr lang="de-DE" dirty="0"/>
+              <a:t>, Arne. (2016) Pattern Recognition. KTH, Stockholm“. </a:t>
+            </a:r>
+            <a:r>
+              <a:rPr lang="de-DE" dirty="0" err="1"/>
+              <a:t>It</a:t>
+            </a:r>
+            <a:r>
+              <a:rPr lang="de-DE" dirty="0"/>
+              <a:t> </a:t>
+            </a:r>
+            <a:r>
+              <a:rPr lang="de-DE" dirty="0" err="1"/>
+              <a:t>returns</a:t>
+            </a:r>
+            <a:r>
+              <a:rPr lang="de-DE" dirty="0"/>
+              <a:t> </a:t>
+            </a:r>
+            <a:r>
+              <a:rPr lang="de-DE" dirty="0" err="1"/>
+              <a:t>the</a:t>
+            </a:r>
+            <a:r>
+              <a:rPr lang="de-DE" dirty="0"/>
+              <a:t> </a:t>
+            </a:r>
+            <a:r>
+              <a:rPr lang="de-DE" dirty="0" err="1"/>
+              <a:t>most</a:t>
+            </a:r>
+            <a:r>
+              <a:rPr lang="de-DE" dirty="0"/>
+              <a:t> probable </a:t>
+            </a:r>
+            <a:r>
+              <a:rPr lang="de-DE" dirty="0" err="1"/>
+              <a:t>underlying</a:t>
+            </a:r>
+            <a:r>
+              <a:rPr lang="de-DE" dirty="0"/>
+              <a:t> </a:t>
+            </a:r>
+            <a:r>
+              <a:rPr lang="de-DE" dirty="0" err="1"/>
+              <a:t>state</a:t>
+            </a:r>
+            <a:r>
+              <a:rPr lang="de-DE" dirty="0"/>
+              <a:t> </a:t>
+            </a:r>
+            <a:r>
+              <a:rPr lang="de-DE" dirty="0" err="1"/>
+              <a:t>sequence</a:t>
+            </a:r>
+            <a:r>
+              <a:rPr lang="de-DE" dirty="0"/>
+              <a:t> </a:t>
+            </a:r>
+            <a:r>
+              <a:rPr lang="de-DE" dirty="0" err="1"/>
+              <a:t>of</a:t>
+            </a:r>
+            <a:r>
+              <a:rPr lang="de-DE" dirty="0"/>
+              <a:t> </a:t>
+            </a:r>
+            <a:r>
+              <a:rPr lang="de-DE" dirty="0" err="1"/>
+              <a:t>the</a:t>
+            </a:r>
+            <a:r>
+              <a:rPr lang="de-DE" dirty="0"/>
+              <a:t> </a:t>
+            </a:r>
+            <a:r>
+              <a:rPr lang="de-DE" dirty="0" err="1"/>
+              <a:t>input</a:t>
+            </a:r>
+            <a:r>
+              <a:rPr lang="de-DE" dirty="0"/>
+              <a:t> </a:t>
+            </a:r>
+            <a:r>
+              <a:rPr lang="de-DE" dirty="0" err="1"/>
+              <a:t>sequence</a:t>
+            </a:r>
+            <a:r>
+              <a:rPr lang="de-DE" dirty="0"/>
+              <a:t>.</a:t>
+            </a:r>
+          </a:p>
+          <a:p>
+            <a:pPr marL="0" indent="0">
               <a:buNone/>
             </a:pPr>
             <a:endParaRPr lang="de-DE" dirty="0"/>
           </a:p>
           <a:p>
-            <a:pPr marL="0" indent="0" algn="l" rtl="0" eaLnBrk="1" latinLnBrk="0" hangingPunct="1">
-              <a:lnSpc>
-                <a:spcPct val="90000"/>
-              </a:lnSpc>
-              <a:spcBef>
-                <a:spcPts val="1000"/>
-              </a:spcBef>
-              <a:spcAft>
-                <a:spcPts val="0"/>
-              </a:spcAft>
+            <a:pPr marL="0" indent="0">
               <a:buNone/>
             </a:pPr>
             <a:r>
-              <a:rPr lang="en-GB" sz="2000" kern="1200" dirty="0">
+              <a:rPr lang="en-GB" dirty="0">
                 <a:solidFill>
                   <a:srgbClr val="00356D"/>
                 </a:solidFill>
-                <a:effectLst/>
                 <a:latin typeface="Arial" panose="020B0604020202020204" pitchFamily="34" charset="0"/>
-                <a:ea typeface="+mn-ea"/>
-                <a:cs typeface="+mn-cs"/>
               </a:rPr>
-              <a:t>Result:</a:t>
-            </a:r>
-          </a:p>
-          <a:p>
-            <a:pPr marL="0" indent="0" algn="l" rtl="0" eaLnBrk="1" latinLnBrk="0" hangingPunct="1">
-              <a:lnSpc>
-                <a:spcPct val="90000"/>
-              </a:lnSpc>
-              <a:spcBef>
-                <a:spcPts val="1000"/>
-              </a:spcBef>
-              <a:spcAft>
-                <a:spcPts val="0"/>
-              </a:spcAft>
-              <a:buNone/>
-            </a:pPr>
-            <a:endParaRPr lang="en-GB" dirty="0">
-              <a:solidFill>
-                <a:srgbClr val="00356D"/>
-              </a:solidFill>
-              <a:latin typeface="Arial" panose="020B0604020202020204" pitchFamily="34" charset="0"/>
-            </a:endParaRPr>
-          </a:p>
-          <a:p>
-            <a:pPr marL="0" indent="0" algn="l" rtl="0" eaLnBrk="1" latinLnBrk="0" hangingPunct="1">
-              <a:lnSpc>
-                <a:spcPct val="90000"/>
-              </a:lnSpc>
-              <a:spcBef>
-                <a:spcPts val="1000"/>
-              </a:spcBef>
-              <a:spcAft>
-                <a:spcPts val="0"/>
-              </a:spcAft>
-              <a:buNone/>
-            </a:pPr>
-            <a:endParaRPr lang="en-GB" sz="2000" kern="1200" dirty="0">
-              <a:solidFill>
-                <a:srgbClr val="00356D"/>
-              </a:solidFill>
-              <a:effectLst/>
-              <a:latin typeface="Arial" panose="020B0604020202020204" pitchFamily="34" charset="0"/>
-              <a:ea typeface="+mn-ea"/>
-              <a:cs typeface="+mn-cs"/>
-            </a:endParaRPr>
-          </a:p>
-          <a:p>
-            <a:pPr marL="0" indent="0" algn="l" rtl="0" eaLnBrk="1" latinLnBrk="0" hangingPunct="1">
-              <a:lnSpc>
-                <a:spcPct val="90000"/>
-              </a:lnSpc>
-              <a:spcBef>
-                <a:spcPts val="1000"/>
-              </a:spcBef>
-              <a:spcAft>
-                <a:spcPts val="0"/>
-              </a:spcAft>
-              <a:buNone/>
-            </a:pPr>
-            <a:endParaRPr lang="en-GB" dirty="0">
-              <a:solidFill>
-                <a:srgbClr val="00356D"/>
-              </a:solidFill>
-              <a:latin typeface="Arial" panose="020B0604020202020204" pitchFamily="34" charset="0"/>
-            </a:endParaRPr>
-          </a:p>
-          <a:p>
-            <a:pPr marL="0" indent="0" algn="l" rtl="0" eaLnBrk="1" latinLnBrk="0" hangingPunct="1">
-              <a:lnSpc>
-                <a:spcPct val="90000"/>
-              </a:lnSpc>
-              <a:spcBef>
-                <a:spcPts val="1000"/>
-              </a:spcBef>
-              <a:spcAft>
-                <a:spcPts val="0"/>
-              </a:spcAft>
-              <a:buNone/>
-            </a:pPr>
-            <a:endParaRPr lang="en-GB" sz="2000" kern="1200" dirty="0">
-              <a:solidFill>
-                <a:srgbClr val="00356D"/>
-              </a:solidFill>
-              <a:effectLst/>
-              <a:latin typeface="Arial" panose="020B0604020202020204" pitchFamily="34" charset="0"/>
-              <a:ea typeface="+mn-ea"/>
-              <a:cs typeface="+mn-cs"/>
-            </a:endParaRPr>
-          </a:p>
-          <a:p>
-            <a:pPr marL="0" indent="0" algn="l" rtl="0" eaLnBrk="1" latinLnBrk="0" hangingPunct="1">
-              <a:lnSpc>
-                <a:spcPct val="90000"/>
-              </a:lnSpc>
-              <a:spcBef>
-                <a:spcPts val="1000"/>
-              </a:spcBef>
-              <a:spcAft>
-                <a:spcPts val="0"/>
-              </a:spcAft>
-              <a:buNone/>
-            </a:pPr>
-            <a:endParaRPr lang="en-GB" dirty="0">
-              <a:solidFill>
-                <a:srgbClr val="00356D"/>
-              </a:solidFill>
-              <a:latin typeface="Arial" panose="020B0604020202020204" pitchFamily="34" charset="0"/>
-            </a:endParaRPr>
+              <a:t>Data Handling and pre-processing:</a:t>
+            </a:r>
           </a:p>
           <a:p>
             <a:pPr marL="0" indent="0">
               <a:buNone/>
             </a:pPr>
             <a:r>
+              <a:rPr lang="de-DE" dirty="0"/>
+              <a:t>This </a:t>
+            </a:r>
+            <a:r>
               <a:rPr lang="de-DE" dirty="0" err="1"/>
-              <a:t>For</a:t>
-            </a:r>
-            <a:r>
-              <a:rPr lang="de-DE" dirty="0"/>
-              <a:t> all </a:t>
-            </a:r>
-            <a:r>
-              <a:rPr lang="de-DE" dirty="0" err="1"/>
-              <a:t>three</a:t>
+              <a:t>is</a:t>
             </a:r>
             <a:r>
               <a:rPr lang="de-DE" dirty="0"/>
@@ -30608,7 +27569,15 @@
             </a:r>
             <a:r>
               <a:rPr lang="de-DE" dirty="0" err="1"/>
-              <a:t>datasets</a:t>
+              <a:t>handled</a:t>
+            </a:r>
+            <a:r>
+              <a:rPr lang="de-DE" dirty="0"/>
+              <a:t> in </a:t>
+            </a:r>
+            <a:r>
+              <a:rPr lang="de-DE" dirty="0" err="1"/>
+              <a:t>the</a:t>
             </a:r>
             <a:r>
               <a:rPr lang="de-DE" dirty="0"/>
@@ -30616,11 +27585,67 @@
             </a:r>
             <a:r>
               <a:rPr lang="de-DE" dirty="0" err="1"/>
-              <a:t>brings</a:t>
+              <a:t>function</a:t>
             </a:r>
             <a:r>
               <a:rPr lang="de-DE" dirty="0"/>
-              <a:t> A5 </a:t>
+              <a:t> </a:t>
+            </a:r>
+            <a:r>
+              <a:rPr lang="de-DE" b="1" dirty="0" err="1">
+                <a:latin typeface="Cascadia Code SemiBold" panose="020B0609020000020004" pitchFamily="49" charset="0"/>
+                <a:cs typeface="Cascadia Code SemiBold" panose="020B0609020000020004" pitchFamily="49" charset="0"/>
+              </a:rPr>
+              <a:t>data</a:t>
+            </a:r>
+            <a:r>
+              <a:rPr lang="de-DE" b="1" dirty="0">
+                <a:latin typeface="Cascadia Code SemiBold" panose="020B0609020000020004" pitchFamily="49" charset="0"/>
+                <a:cs typeface="Cascadia Code SemiBold" panose="020B0609020000020004" pitchFamily="49" charset="0"/>
+              </a:rPr>
+              <a:t> = </a:t>
+            </a:r>
+            <a:r>
+              <a:rPr lang="de-DE" b="1" dirty="0" err="1">
+                <a:latin typeface="Cascadia Code SemiBold" panose="020B0609020000020004" pitchFamily="49" charset="0"/>
+                <a:cs typeface="Cascadia Code SemiBold" panose="020B0609020000020004" pitchFamily="49" charset="0"/>
+              </a:rPr>
+              <a:t>readFile</a:t>
+            </a:r>
+            <a:r>
+              <a:rPr lang="de-DE" dirty="0">
+                <a:latin typeface="Cascadia Code SemiBold" panose="020B0609020000020004" pitchFamily="49" charset="0"/>
+                <a:cs typeface="Cascadia Code SemiBold" panose="020B0609020000020004" pitchFamily="49" charset="0"/>
+              </a:rPr>
+              <a:t>(</a:t>
+            </a:r>
+            <a:r>
+              <a:rPr lang="de-DE" dirty="0" err="1">
+                <a:latin typeface="Cascadia Code SemiBold" panose="020B0609020000020004" pitchFamily="49" charset="0"/>
+                <a:cs typeface="Cascadia Code SemiBold" panose="020B0609020000020004" pitchFamily="49" charset="0"/>
+              </a:rPr>
+              <a:t>name</a:t>
+            </a:r>
+            <a:r>
+              <a:rPr lang="de-DE" dirty="0">
+                <a:latin typeface="Cascadia Code SemiBold" panose="020B0609020000020004" pitchFamily="49" charset="0"/>
+                <a:cs typeface="Cascadia Code SemiBold" panose="020B0609020000020004" pitchFamily="49" charset="0"/>
+              </a:rPr>
+              <a:t>)</a:t>
+            </a:r>
+            <a:r>
+              <a:rPr lang="de-DE" dirty="0">
+                <a:cs typeface="Cascadia Code SemiBold" panose="020B0609020000020004" pitchFamily="49" charset="0"/>
+              </a:rPr>
+              <a:t> </a:t>
+            </a:r>
+            <a:r>
+              <a:rPr lang="de-DE" dirty="0" err="1"/>
+              <a:t>of</a:t>
+            </a:r>
+            <a:r>
+              <a:rPr lang="de-DE" dirty="0"/>
+              <a:t> </a:t>
             </a:r>
             <a:r>
               <a:rPr lang="de-DE" dirty="0" err="1"/>
@@ -30632,875 +27657,339 @@
             </a:r>
             <a:r>
               <a:rPr lang="de-DE" dirty="0" err="1"/>
-              <a:t>most</a:t>
+              <a:t>class</a:t>
             </a:r>
             <a:r>
               <a:rPr lang="de-DE" dirty="0"/>
               <a:t> </a:t>
             </a:r>
             <a:r>
-              <a:rPr lang="de-DE" dirty="0" err="1"/>
-              <a:t>information</a:t>
-            </a:r>
-            <a:r>
-              <a:rPr lang="de-DE" dirty="0"/>
-              <a:t> </a:t>
-            </a:r>
-            <a:r>
-              <a:rPr lang="de-DE" dirty="0" err="1"/>
-              <a:t>gain</a:t>
-            </a:r>
-            <a:r>
-              <a:rPr lang="de-DE" dirty="0"/>
-              <a:t> </a:t>
-            </a:r>
-            <a:r>
-              <a:rPr lang="de-DE" sz="2000" kern="1200" dirty="0">
-                <a:solidFill>
-                  <a:srgbClr val="000000"/>
-                </a:solidFill>
-                <a:effectLst/>
-                <a:latin typeface="Figtree" panose="020B0604020202020204" charset="0"/>
-                <a:ea typeface="+mn-ea"/>
-                <a:cs typeface="+mn-cs"/>
+              <a:rPr lang="de-DE" dirty="0" err="1">
+                <a:latin typeface="Cascadia Code SemiBold" panose="020B0609020000020004" pitchFamily="49" charset="0"/>
+                <a:cs typeface="Cascadia Code SemiBold" panose="020B0609020000020004" pitchFamily="49" charset="0"/>
               </a:rPr>
-              <a:t>→ </a:t>
-            </a:r>
-            <a:r>
-              <a:rPr lang="de-DE" sz="2000" kern="1200" dirty="0" err="1">
-                <a:solidFill>
-                  <a:srgbClr val="000000"/>
-                </a:solidFill>
-                <a:effectLst/>
-                <a:latin typeface="Figtree" panose="020B0604020202020204" charset="0"/>
-                <a:ea typeface="+mn-ea"/>
-                <a:cs typeface="+mn-cs"/>
+              <a:t>DataHandler</a:t>
+            </a:r>
+            <a:r>
+              <a:rPr lang="de-DE" dirty="0">
+                <a:cs typeface="Cascadia Code SemiBold" panose="020B0609020000020004" pitchFamily="49" charset="0"/>
               </a:rPr>
-              <a:t>split</a:t>
-            </a:r>
-            <a:r>
-              <a:rPr lang="de-DE" sz="2000" kern="1200" dirty="0">
-                <a:solidFill>
-                  <a:srgbClr val="000000"/>
-                </a:solidFill>
-                <a:effectLst/>
-                <a:latin typeface="Figtree" panose="020B0604020202020204" charset="0"/>
-                <a:ea typeface="+mn-ea"/>
-                <a:cs typeface="+mn-cs"/>
+              <a:t>. </a:t>
+            </a:r>
+            <a:r>
+              <a:rPr lang="de-DE" dirty="0" err="1">
+                <a:cs typeface="Cascadia Code SemiBold" panose="020B0609020000020004" pitchFamily="49" charset="0"/>
+              </a:rPr>
+              <a:t>It</a:t>
+            </a:r>
+            <a:r>
+              <a:rPr lang="de-DE" dirty="0">
+                <a:cs typeface="Cascadia Code SemiBold" panose="020B0609020000020004" pitchFamily="49" charset="0"/>
               </a:rPr>
               <a:t> </a:t>
             </a:r>
             <a:r>
-              <a:rPr lang="de-DE" sz="2000" kern="1200" dirty="0" err="1">
-                <a:solidFill>
-                  <a:srgbClr val="000000"/>
-                </a:solidFill>
-                <a:effectLst/>
-                <a:latin typeface="Figtree" panose="020B0604020202020204" charset="0"/>
-                <a:ea typeface="+mn-ea"/>
-                <a:cs typeface="+mn-cs"/>
+              <a:rPr lang="de-DE" dirty="0" err="1">
+                <a:cs typeface="Cascadia Code SemiBold" panose="020B0609020000020004" pitchFamily="49" charset="0"/>
               </a:rPr>
-              <a:t>tree</a:t>
-            </a:r>
-            <a:r>
-              <a:rPr lang="de-DE" sz="2000" kern="1200" dirty="0">
-                <a:solidFill>
-                  <a:srgbClr val="000000"/>
-                </a:solidFill>
-                <a:effectLst/>
-                <a:latin typeface="Figtree" panose="020B0604020202020204" charset="0"/>
-                <a:ea typeface="+mn-ea"/>
-                <a:cs typeface="+mn-cs"/>
+              <a:t>reads</a:t>
+            </a:r>
+            <a:r>
+              <a:rPr lang="de-DE" dirty="0">
+                <a:cs typeface="Cascadia Code SemiBold" panose="020B0609020000020004" pitchFamily="49" charset="0"/>
               </a:rPr>
               <a:t> </a:t>
             </a:r>
             <a:r>
-              <a:rPr lang="de-DE" sz="2000" kern="1200" dirty="0" err="1">
-                <a:solidFill>
-                  <a:srgbClr val="000000"/>
-                </a:solidFill>
-                <a:effectLst/>
-                <a:latin typeface="Figtree" panose="020B0604020202020204" charset="0"/>
-                <a:ea typeface="+mn-ea"/>
-                <a:cs typeface="+mn-cs"/>
+              <a:rPr lang="de-DE" dirty="0" err="1">
+                <a:cs typeface="Cascadia Code SemiBold" panose="020B0609020000020004" pitchFamily="49" charset="0"/>
               </a:rPr>
-              <a:t>according</a:t>
-            </a:r>
-            <a:r>
-              <a:rPr lang="de-DE" sz="2000" kern="1200" dirty="0">
-                <a:solidFill>
-                  <a:srgbClr val="000000"/>
-                </a:solidFill>
-                <a:effectLst/>
-                <a:latin typeface="Figtree" panose="020B0604020202020204" charset="0"/>
-                <a:ea typeface="+mn-ea"/>
-                <a:cs typeface="+mn-cs"/>
+              <a:t>the</a:t>
+            </a:r>
+            <a:r>
+              <a:rPr lang="de-DE" dirty="0">
+                <a:cs typeface="Cascadia Code SemiBold" panose="020B0609020000020004" pitchFamily="49" charset="0"/>
               </a:rPr>
               <a:t> </a:t>
             </a:r>
             <a:r>
-              <a:rPr lang="de-DE" sz="2000" kern="1200" dirty="0" err="1">
-                <a:solidFill>
-                  <a:srgbClr val="000000"/>
-                </a:solidFill>
-                <a:effectLst/>
-                <a:latin typeface="Figtree" panose="020B0604020202020204" charset="0"/>
-                <a:ea typeface="+mn-ea"/>
-                <a:cs typeface="+mn-cs"/>
+              <a:rPr lang="de-DE" dirty="0" err="1">
+                <a:cs typeface="Cascadia Code SemiBold" panose="020B0609020000020004" pitchFamily="49" charset="0"/>
               </a:rPr>
-              <a:t>to</a:t>
-            </a:r>
-            <a:r>
-              <a:rPr lang="de-DE" sz="2000" kern="1200" dirty="0">
-                <a:solidFill>
-                  <a:srgbClr val="000000"/>
-                </a:solidFill>
-                <a:effectLst/>
-                <a:latin typeface="Figtree" panose="020B0604020202020204" charset="0"/>
-                <a:ea typeface="+mn-ea"/>
-                <a:cs typeface="+mn-cs"/>
+              <a:t>file</a:t>
+            </a:r>
+            <a:r>
+              <a:rPr lang="de-DE" dirty="0">
+                <a:cs typeface="Cascadia Code SemiBold" panose="020B0609020000020004" pitchFamily="49" charset="0"/>
               </a:rPr>
               <a:t> </a:t>
             </a:r>
             <a:r>
-              <a:rPr lang="de-DE" sz="2000" kern="1200" dirty="0" err="1">
-                <a:solidFill>
-                  <a:srgbClr val="000000"/>
-                </a:solidFill>
-                <a:effectLst/>
-                <a:latin typeface="Figtree" panose="020B0604020202020204" charset="0"/>
-                <a:ea typeface="+mn-ea"/>
-                <a:cs typeface="+mn-cs"/>
+              <a:rPr lang="de-DE" dirty="0" err="1">
+                <a:cs typeface="Cascadia Code SemiBold" panose="020B0609020000020004" pitchFamily="49" charset="0"/>
               </a:rPr>
-              <a:t>that</a:t>
-            </a:r>
-            <a:r>
-              <a:rPr lang="de-DE" sz="2000" kern="1200" dirty="0">
-                <a:solidFill>
-                  <a:srgbClr val="000000"/>
-                </a:solidFill>
-                <a:effectLst/>
-                <a:latin typeface="Figtree" panose="020B0604020202020204" charset="0"/>
-                <a:ea typeface="+mn-ea"/>
-                <a:cs typeface="+mn-cs"/>
+              <a:t>with</a:t>
+            </a:r>
+            <a:r>
+              <a:rPr lang="de-DE" dirty="0">
+                <a:cs typeface="Cascadia Code SemiBold" panose="020B0609020000020004" pitchFamily="49" charset="0"/>
               </a:rPr>
               <a:t> </a:t>
             </a:r>
             <a:r>
-              <a:rPr lang="de-DE" sz="2000" kern="1200" dirty="0" err="1">
-                <a:solidFill>
-                  <a:srgbClr val="000000"/>
-                </a:solidFill>
-                <a:effectLst/>
-                <a:latin typeface="Figtree" panose="020B0604020202020204" charset="0"/>
-                <a:ea typeface="+mn-ea"/>
-                <a:cs typeface="+mn-cs"/>
+              <a:rPr lang="de-DE" dirty="0" err="1">
+                <a:cs typeface="Cascadia Code SemiBold" panose="020B0609020000020004" pitchFamily="49" charset="0"/>
               </a:rPr>
-              <a:t>attribute</a:t>
+              <a:t>the</a:t>
+            </a:r>
+            <a:r>
+              <a:rPr lang="de-DE" dirty="0">
+                <a:cs typeface="Cascadia Code SemiBold" panose="020B0609020000020004" pitchFamily="49" charset="0"/>
+              </a:rPr>
+              <a:t> </a:t>
+            </a:r>
+            <a:r>
+              <a:rPr lang="de-DE" dirty="0" err="1">
+                <a:cs typeface="Cascadia Code SemiBold" panose="020B0609020000020004" pitchFamily="49" charset="0"/>
+              </a:rPr>
+              <a:t>input</a:t>
+            </a:r>
+            <a:r>
+              <a:rPr lang="de-DE" dirty="0">
+                <a:cs typeface="Cascadia Code SemiBold" panose="020B0609020000020004" pitchFamily="49" charset="0"/>
+              </a:rPr>
+              <a:t> </a:t>
+            </a:r>
+            <a:r>
+              <a:rPr lang="de-DE" dirty="0" err="1">
+                <a:cs typeface="Cascadia Code SemiBold" panose="020B0609020000020004" pitchFamily="49" charset="0"/>
+              </a:rPr>
+              <a:t>name</a:t>
+            </a:r>
+            <a:r>
+              <a:rPr lang="de-DE" dirty="0">
+                <a:cs typeface="Cascadia Code SemiBold" panose="020B0609020000020004" pitchFamily="49" charset="0"/>
+              </a:rPr>
+              <a:t> </a:t>
+            </a:r>
+            <a:r>
+              <a:rPr lang="de-DE" dirty="0" err="1">
+                <a:cs typeface="Cascadia Code SemiBold" panose="020B0609020000020004" pitchFamily="49" charset="0"/>
+              </a:rPr>
+              <a:t>into</a:t>
+            </a:r>
+            <a:r>
+              <a:rPr lang="de-DE" dirty="0">
+                <a:cs typeface="Cascadia Code SemiBold" panose="020B0609020000020004" pitchFamily="49" charset="0"/>
+              </a:rPr>
+              <a:t> a </a:t>
+            </a:r>
+            <a:r>
+              <a:rPr lang="de-DE" dirty="0" err="1">
+                <a:cs typeface="Cascadia Code SemiBold" panose="020B0609020000020004" pitchFamily="49" charset="0"/>
+              </a:rPr>
+              <a:t>dataframe</a:t>
+            </a:r>
+            <a:r>
+              <a:rPr lang="de-DE" dirty="0">
+                <a:cs typeface="Cascadia Code SemiBold" panose="020B0609020000020004" pitchFamily="49" charset="0"/>
+              </a:rPr>
+              <a:t>, </a:t>
+            </a:r>
+            <a:r>
+              <a:rPr lang="de-DE" dirty="0" err="1">
+                <a:cs typeface="Cascadia Code SemiBold" panose="020B0609020000020004" pitchFamily="49" charset="0"/>
+              </a:rPr>
+              <a:t>drops</a:t>
+            </a:r>
+            <a:r>
+              <a:rPr lang="de-DE" dirty="0">
+                <a:cs typeface="Cascadia Code SemiBold" panose="020B0609020000020004" pitchFamily="49" charset="0"/>
+              </a:rPr>
+              <a:t> </a:t>
+            </a:r>
+            <a:r>
+              <a:rPr lang="en-GB" dirty="0">
+                <a:cs typeface="Cascadia Code SemiBold" panose="020B0609020000020004" pitchFamily="49" charset="0"/>
+              </a:rPr>
+              <a:t>unnecessary</a:t>
+            </a:r>
+            <a:r>
+              <a:rPr lang="de-DE" dirty="0">
+                <a:cs typeface="Cascadia Code SemiBold" panose="020B0609020000020004" pitchFamily="49" charset="0"/>
+              </a:rPr>
+              <a:t> </a:t>
+            </a:r>
+            <a:r>
+              <a:rPr lang="de-DE" dirty="0" err="1">
+                <a:cs typeface="Cascadia Code SemiBold" panose="020B0609020000020004" pitchFamily="49" charset="0"/>
+              </a:rPr>
+              <a:t>columns</a:t>
+            </a:r>
+            <a:r>
+              <a:rPr lang="de-DE" dirty="0">
+                <a:cs typeface="Cascadia Code SemiBold" panose="020B0609020000020004" pitchFamily="49" charset="0"/>
+              </a:rPr>
+              <a:t> and </a:t>
+            </a:r>
+            <a:r>
+              <a:rPr lang="de-DE" dirty="0" err="1">
+                <a:cs typeface="Cascadia Code SemiBold" panose="020B0609020000020004" pitchFamily="49" charset="0"/>
+              </a:rPr>
+              <a:t>applys</a:t>
+            </a:r>
+            <a:r>
+              <a:rPr lang="de-DE" dirty="0">
+                <a:cs typeface="Cascadia Code SemiBold" panose="020B0609020000020004" pitchFamily="49" charset="0"/>
+              </a:rPr>
+              <a:t> </a:t>
+            </a:r>
+            <a:r>
+              <a:rPr lang="de-DE" dirty="0" err="1">
+                <a:cs typeface="Cascadia Code SemiBold" panose="020B0609020000020004" pitchFamily="49" charset="0"/>
+              </a:rPr>
+              <a:t>the</a:t>
+            </a:r>
+            <a:r>
+              <a:rPr lang="de-DE" dirty="0">
+                <a:cs typeface="Cascadia Code SemiBold" panose="020B0609020000020004" pitchFamily="49" charset="0"/>
+              </a:rPr>
+              <a:t> </a:t>
+            </a:r>
+            <a:r>
+              <a:rPr lang="de-DE" dirty="0" err="1">
+                <a:cs typeface="Cascadia Code SemiBold" panose="020B0609020000020004" pitchFamily="49" charset="0"/>
+              </a:rPr>
+              <a:t>moving</a:t>
+            </a:r>
+            <a:r>
+              <a:rPr lang="de-DE" dirty="0">
+                <a:cs typeface="Cascadia Code SemiBold" panose="020B0609020000020004" pitchFamily="49" charset="0"/>
+              </a:rPr>
+              <a:t> </a:t>
+            </a:r>
+            <a:r>
+              <a:rPr lang="de-DE" dirty="0" err="1">
+                <a:cs typeface="Cascadia Code SemiBold" panose="020B0609020000020004" pitchFamily="49" charset="0"/>
+              </a:rPr>
+              <a:t>average</a:t>
+            </a:r>
+            <a:r>
+              <a:rPr lang="de-DE" dirty="0">
+                <a:cs typeface="Cascadia Code SemiBold" panose="020B0609020000020004" pitchFamily="49" charset="0"/>
+              </a:rPr>
+              <a:t> </a:t>
+            </a:r>
+            <a:r>
+              <a:rPr lang="de-DE" dirty="0" err="1">
+                <a:cs typeface="Cascadia Code SemiBold" panose="020B0609020000020004" pitchFamily="49" charset="0"/>
+              </a:rPr>
+              <a:t>filter</a:t>
+            </a:r>
+            <a:r>
+              <a:rPr lang="de-DE" dirty="0">
+                <a:cs typeface="Cascadia Code SemiBold" panose="020B0609020000020004" pitchFamily="49" charset="0"/>
+              </a:rPr>
+              <a:t>. The </a:t>
+            </a:r>
+            <a:r>
+              <a:rPr lang="de-DE" dirty="0" err="1">
+                <a:cs typeface="Cascadia Code SemiBold" panose="020B0609020000020004" pitchFamily="49" charset="0"/>
+              </a:rPr>
+              <a:t>data</a:t>
+            </a:r>
+            <a:r>
+              <a:rPr lang="de-DE" dirty="0">
+                <a:cs typeface="Cascadia Code SemiBold" panose="020B0609020000020004" pitchFamily="49" charset="0"/>
+              </a:rPr>
+              <a:t> </a:t>
+            </a:r>
+            <a:r>
+              <a:rPr lang="de-DE" dirty="0" err="1">
+                <a:cs typeface="Cascadia Code SemiBold" panose="020B0609020000020004" pitchFamily="49" charset="0"/>
+              </a:rPr>
+              <a:t>is</a:t>
+            </a:r>
+            <a:r>
+              <a:rPr lang="de-DE" dirty="0">
+                <a:cs typeface="Cascadia Code SemiBold" panose="020B0609020000020004" pitchFamily="49" charset="0"/>
+              </a:rPr>
+              <a:t> </a:t>
+            </a:r>
+            <a:r>
+              <a:rPr lang="de-DE" dirty="0" err="1">
+                <a:cs typeface="Cascadia Code SemiBold" panose="020B0609020000020004" pitchFamily="49" charset="0"/>
+              </a:rPr>
+              <a:t>stored</a:t>
+            </a:r>
+            <a:r>
+              <a:rPr lang="de-DE" dirty="0">
+                <a:cs typeface="Cascadia Code SemiBold" panose="020B0609020000020004" pitchFamily="49" charset="0"/>
+              </a:rPr>
+              <a:t> and </a:t>
+            </a:r>
+            <a:r>
+              <a:rPr lang="de-DE" dirty="0" err="1">
+                <a:cs typeface="Cascadia Code SemiBold" panose="020B0609020000020004" pitchFamily="49" charset="0"/>
+              </a:rPr>
+              <a:t>returned</a:t>
+            </a:r>
+            <a:r>
+              <a:rPr lang="de-DE" dirty="0">
+                <a:cs typeface="Cascadia Code SemiBold" panose="020B0609020000020004" pitchFamily="49" charset="0"/>
+              </a:rPr>
+              <a:t> in </a:t>
+            </a:r>
+            <a:r>
+              <a:rPr lang="de-DE" dirty="0" err="1">
+                <a:cs typeface="Cascadia Code SemiBold" panose="020B0609020000020004" pitchFamily="49" charset="0"/>
+              </a:rPr>
+              <a:t>the</a:t>
+            </a:r>
+            <a:r>
+              <a:rPr lang="de-DE" dirty="0">
+                <a:cs typeface="Cascadia Code SemiBold" panose="020B0609020000020004" pitchFamily="49" charset="0"/>
+              </a:rPr>
+              <a:t> form </a:t>
+            </a:r>
+            <a:r>
+              <a:rPr lang="de-DE" dirty="0" err="1">
+                <a:cs typeface="Cascadia Code SemiBold" panose="020B0609020000020004" pitchFamily="49" charset="0"/>
+              </a:rPr>
+              <a:t>of</a:t>
+            </a:r>
+            <a:r>
+              <a:rPr lang="de-DE" dirty="0">
+                <a:cs typeface="Cascadia Code SemiBold" panose="020B0609020000020004" pitchFamily="49" charset="0"/>
+              </a:rPr>
+              <a:t> a </a:t>
+            </a:r>
+            <a:r>
+              <a:rPr lang="de-DE" dirty="0" err="1">
+                <a:cs typeface="Cascadia Code SemiBold" panose="020B0609020000020004" pitchFamily="49" charset="0"/>
+              </a:rPr>
+              <a:t>numpy.array</a:t>
+            </a:r>
+            <a:r>
+              <a:rPr lang="de-DE" dirty="0">
+                <a:cs typeface="Cascadia Code SemiBold" panose="020B0609020000020004" pitchFamily="49" charset="0"/>
+              </a:rPr>
+              <a:t>.</a:t>
             </a:r>
             <a:endParaRPr lang="de-DE" dirty="0"/>
           </a:p>
           <a:p>
-            <a:pPr marL="0" indent="0" algn="l" rtl="0" eaLnBrk="1" latinLnBrk="0" hangingPunct="1">
-              <a:lnSpc>
-                <a:spcPct val="90000"/>
-              </a:lnSpc>
-              <a:spcBef>
-                <a:spcPts val="1000"/>
-              </a:spcBef>
-              <a:spcAft>
-                <a:spcPts val="0"/>
-              </a:spcAft>
-              <a:buNone/>
-            </a:pPr>
-            <a:endParaRPr lang="en-GB" sz="2000" kern="1200" dirty="0">
-              <a:solidFill>
-                <a:srgbClr val="00356D"/>
-              </a:solidFill>
-              <a:effectLst/>
-              <a:latin typeface="Arial" panose="020B0604020202020204" pitchFamily="34" charset="0"/>
-              <a:ea typeface="+mn-ea"/>
-              <a:cs typeface="+mn-cs"/>
-            </a:endParaRPr>
-          </a:p>
-          <a:p>
-            <a:pPr marL="0" indent="0" algn="l" rtl="0" eaLnBrk="1" latinLnBrk="0" hangingPunct="1">
-              <a:lnSpc>
-                <a:spcPct val="90000"/>
-              </a:lnSpc>
-              <a:spcBef>
-                <a:spcPts val="1000"/>
-              </a:spcBef>
-              <a:spcAft>
-                <a:spcPts val="0"/>
-              </a:spcAft>
+            <a:pPr marL="0" indent="0">
               <a:buNone/>
             </a:pPr>
             <a:endParaRPr lang="de-DE" dirty="0"/>
           </a:p>
         </p:txBody>
       </p:sp>
-      <p:graphicFrame>
-        <p:nvGraphicFramePr>
-          <p:cNvPr id="3" name="Table 2">
-            <a:extLst>
-              <a:ext uri="{FF2B5EF4-FFF2-40B4-BE49-F238E27FC236}">
-                <a16:creationId xmlns:a16="http://schemas.microsoft.com/office/drawing/2014/main" id="{31A41206-32BE-92DE-B2E4-6D6BD34E28FE}"/>
-              </a:ext>
-            </a:extLst>
-          </p:cNvPr>
-          <p:cNvGraphicFramePr>
-            <a:graphicFrameLocks noGrp="1"/>
-          </p:cNvGraphicFramePr>
-          <p:nvPr>
-            <p:extLst>
-              <p:ext uri="{D42A27DB-BD31-4B8C-83A1-F6EECF244321}">
-                <p14:modId xmlns:p14="http://schemas.microsoft.com/office/powerpoint/2010/main" val="1988813394"/>
-              </p:ext>
-            </p:extLst>
-          </p:nvPr>
-        </p:nvGraphicFramePr>
-        <p:xfrm>
-          <a:off x="909637" y="3604182"/>
-          <a:ext cx="10372726" cy="1483360"/>
-        </p:xfrm>
-        <a:graphic>
-          <a:graphicData uri="http://schemas.openxmlformats.org/drawingml/2006/table">
-            <a:tbl>
-              <a:tblPr firstRow="1" bandRow="1">
-                <a:tableStyleId>{5C22544A-7EE6-4342-B048-85BDC9FD1C3A}</a:tableStyleId>
-              </a:tblPr>
-              <a:tblGrid>
-                <a:gridCol w="1481818">
-                  <a:extLst>
-                    <a:ext uri="{9D8B030D-6E8A-4147-A177-3AD203B41FA5}">
-                      <a16:colId xmlns:a16="http://schemas.microsoft.com/office/drawing/2014/main" val="581812294"/>
-                    </a:ext>
-                  </a:extLst>
-                </a:gridCol>
-                <a:gridCol w="1481818">
-                  <a:extLst>
-                    <a:ext uri="{9D8B030D-6E8A-4147-A177-3AD203B41FA5}">
-                      <a16:colId xmlns:a16="http://schemas.microsoft.com/office/drawing/2014/main" val="436598049"/>
-                    </a:ext>
-                  </a:extLst>
-                </a:gridCol>
-                <a:gridCol w="1481818">
-                  <a:extLst>
-                    <a:ext uri="{9D8B030D-6E8A-4147-A177-3AD203B41FA5}">
-                      <a16:colId xmlns:a16="http://schemas.microsoft.com/office/drawing/2014/main" val="3250144775"/>
-                    </a:ext>
-                  </a:extLst>
-                </a:gridCol>
-                <a:gridCol w="1481818">
-                  <a:extLst>
-                    <a:ext uri="{9D8B030D-6E8A-4147-A177-3AD203B41FA5}">
-                      <a16:colId xmlns:a16="http://schemas.microsoft.com/office/drawing/2014/main" val="4212319332"/>
-                    </a:ext>
-                  </a:extLst>
-                </a:gridCol>
-                <a:gridCol w="1481818">
-                  <a:extLst>
-                    <a:ext uri="{9D8B030D-6E8A-4147-A177-3AD203B41FA5}">
-                      <a16:colId xmlns:a16="http://schemas.microsoft.com/office/drawing/2014/main" val="3657834797"/>
-                    </a:ext>
-                  </a:extLst>
-                </a:gridCol>
-                <a:gridCol w="1481818">
-                  <a:extLst>
-                    <a:ext uri="{9D8B030D-6E8A-4147-A177-3AD203B41FA5}">
-                      <a16:colId xmlns:a16="http://schemas.microsoft.com/office/drawing/2014/main" val="3258654180"/>
-                    </a:ext>
-                  </a:extLst>
-                </a:gridCol>
-                <a:gridCol w="1481818">
-                  <a:extLst>
-                    <a:ext uri="{9D8B030D-6E8A-4147-A177-3AD203B41FA5}">
-                      <a16:colId xmlns:a16="http://schemas.microsoft.com/office/drawing/2014/main" val="2603242594"/>
-                    </a:ext>
-                  </a:extLst>
-                </a:gridCol>
-              </a:tblGrid>
-              <a:tr h="370840">
-                <a:tc>
-                  <a:txBody>
-                    <a:bodyPr/>
-                    <a:lstStyle/>
-                    <a:p>
-                      <a:r>
-                        <a:rPr lang="de-DE" dirty="0"/>
-                        <a:t>Dataset</a:t>
-                      </a:r>
-                    </a:p>
-                  </a:txBody>
-                  <a:tcPr/>
-                </a:tc>
-                <a:tc>
-                  <a:txBody>
-                    <a:bodyPr/>
-                    <a:lstStyle/>
-                    <a:p>
-                      <a:r>
-                        <a:rPr lang="de-DE" dirty="0"/>
-                        <a:t>A1</a:t>
-                      </a:r>
-                    </a:p>
-                  </a:txBody>
-                  <a:tcPr/>
-                </a:tc>
-                <a:tc>
-                  <a:txBody>
-                    <a:bodyPr/>
-                    <a:lstStyle/>
-                    <a:p>
-                      <a:r>
-                        <a:rPr lang="de-DE" dirty="0"/>
-                        <a:t>A2</a:t>
-                      </a:r>
-                    </a:p>
-                  </a:txBody>
-                  <a:tcPr/>
-                </a:tc>
-                <a:tc>
-                  <a:txBody>
-                    <a:bodyPr/>
-                    <a:lstStyle/>
-                    <a:p>
-                      <a:r>
-                        <a:rPr lang="de-DE" dirty="0"/>
-                        <a:t>A3</a:t>
-                      </a:r>
-                    </a:p>
-                  </a:txBody>
-                  <a:tcPr/>
-                </a:tc>
-                <a:tc>
-                  <a:txBody>
-                    <a:bodyPr/>
-                    <a:lstStyle/>
-                    <a:p>
-                      <a:r>
-                        <a:rPr lang="de-DE" dirty="0"/>
-                        <a:t>A4</a:t>
-                      </a:r>
-                    </a:p>
-                  </a:txBody>
-                  <a:tcPr/>
-                </a:tc>
-                <a:tc>
-                  <a:txBody>
-                    <a:bodyPr/>
-                    <a:lstStyle/>
-                    <a:p>
-                      <a:r>
-                        <a:rPr lang="de-DE" dirty="0"/>
-                        <a:t>A5</a:t>
-                      </a:r>
-                    </a:p>
-                  </a:txBody>
-                  <a:tcPr/>
-                </a:tc>
-                <a:tc>
-                  <a:txBody>
-                    <a:bodyPr/>
-                    <a:lstStyle/>
-                    <a:p>
-                      <a:r>
-                        <a:rPr lang="de-DE" dirty="0"/>
-                        <a:t>A6</a:t>
-                      </a:r>
-                    </a:p>
-                  </a:txBody>
-                  <a:tcPr/>
-                </a:tc>
-                <a:extLst>
-                  <a:ext uri="{0D108BD9-81ED-4DB2-BD59-A6C34878D82A}">
-                    <a16:rowId xmlns:a16="http://schemas.microsoft.com/office/drawing/2014/main" val="3295630229"/>
-                  </a:ext>
-                </a:extLst>
-              </a:tr>
-              <a:tr h="370840">
-                <a:tc>
-                  <a:txBody>
-                    <a:bodyPr/>
-                    <a:lstStyle/>
-                    <a:p>
-                      <a:r>
-                        <a:rPr lang="de-DE" dirty="0"/>
-                        <a:t>MONK-1</a:t>
-                      </a:r>
-                    </a:p>
-                  </a:txBody>
-                  <a:tcPr/>
-                </a:tc>
-                <a:tc>
-                  <a:txBody>
-                    <a:bodyPr/>
-                    <a:lstStyle/>
-                    <a:p>
-                      <a:r>
-                        <a:rPr lang="de-DE" sz="1800" b="0" i="0" kern="1200" dirty="0">
-                          <a:solidFill>
-                            <a:schemeClr val="dk1"/>
-                          </a:solidFill>
-                          <a:effectLst/>
-                          <a:latin typeface="+mn-lt"/>
-                          <a:ea typeface="+mn-ea"/>
-                          <a:cs typeface="+mn-cs"/>
-                        </a:rPr>
-                        <a:t>0.075</a:t>
-                      </a:r>
-                      <a:endParaRPr lang="de-DE" dirty="0"/>
-                    </a:p>
-                  </a:txBody>
-                  <a:tcPr/>
-                </a:tc>
-                <a:tc>
-                  <a:txBody>
-                    <a:bodyPr/>
-                    <a:lstStyle/>
-                    <a:p>
-                      <a:r>
-                        <a:rPr lang="de-DE" sz="1800" b="0" i="0" kern="1200" dirty="0">
-                          <a:solidFill>
-                            <a:schemeClr val="dk1"/>
-                          </a:solidFill>
-                          <a:effectLst/>
-                          <a:latin typeface="+mn-lt"/>
-                          <a:ea typeface="+mn-ea"/>
-                          <a:cs typeface="+mn-cs"/>
-                        </a:rPr>
-                        <a:t>0.006</a:t>
-                      </a:r>
-                      <a:endParaRPr lang="de-DE" dirty="0"/>
-                    </a:p>
-                  </a:txBody>
-                  <a:tcPr/>
-                </a:tc>
-                <a:tc>
-                  <a:txBody>
-                    <a:bodyPr/>
-                    <a:lstStyle/>
-                    <a:p>
-                      <a:r>
-                        <a:rPr lang="de-DE" sz="1800" b="0" i="0" kern="1200" dirty="0">
-                          <a:solidFill>
-                            <a:schemeClr val="dk1"/>
-                          </a:solidFill>
-                          <a:effectLst/>
-                          <a:latin typeface="+mn-lt"/>
-                          <a:ea typeface="+mn-ea"/>
-                          <a:cs typeface="+mn-cs"/>
-                        </a:rPr>
-                        <a:t>0.005</a:t>
-                      </a:r>
-                      <a:endParaRPr lang="de-DE" dirty="0"/>
-                    </a:p>
-                  </a:txBody>
-                  <a:tcPr/>
-                </a:tc>
-                <a:tc>
-                  <a:txBody>
-                    <a:bodyPr/>
-                    <a:lstStyle/>
-                    <a:p>
-                      <a:r>
-                        <a:rPr lang="de-DE" sz="1800" b="0" i="0" kern="1200" dirty="0">
-                          <a:solidFill>
-                            <a:schemeClr val="dk1"/>
-                          </a:solidFill>
-                          <a:effectLst/>
-                          <a:latin typeface="+mn-lt"/>
-                          <a:ea typeface="+mn-ea"/>
-                          <a:cs typeface="+mn-cs"/>
-                        </a:rPr>
-                        <a:t>0.026</a:t>
-                      </a:r>
-                      <a:endParaRPr lang="de-DE" dirty="0"/>
-                    </a:p>
-                  </a:txBody>
-                  <a:tcPr/>
-                </a:tc>
-                <a:tc>
-                  <a:txBody>
-                    <a:bodyPr/>
-                    <a:lstStyle/>
-                    <a:p>
-                      <a:r>
-                        <a:rPr lang="de-DE" sz="1800" b="0" i="0" kern="1200" dirty="0">
-                          <a:solidFill>
-                            <a:schemeClr val="dk1"/>
-                          </a:solidFill>
-                          <a:effectLst/>
-                          <a:latin typeface="+mn-lt"/>
-                          <a:ea typeface="+mn-ea"/>
-                          <a:cs typeface="+mn-cs"/>
-                        </a:rPr>
-                        <a:t>0.287</a:t>
-                      </a:r>
-                      <a:endParaRPr lang="de-DE" dirty="0"/>
-                    </a:p>
-                  </a:txBody>
-                  <a:tcPr>
-                    <a:solidFill>
-                      <a:schemeClr val="accent4">
-                        <a:lumMod val="90000"/>
-                      </a:schemeClr>
-                    </a:solidFill>
-                  </a:tcPr>
-                </a:tc>
-                <a:tc>
-                  <a:txBody>
-                    <a:bodyPr/>
-                    <a:lstStyle/>
-                    <a:p>
-                      <a:r>
-                        <a:rPr lang="de-DE" sz="1800" b="0" i="0" kern="1200" dirty="0">
-                          <a:solidFill>
-                            <a:schemeClr val="dk1"/>
-                          </a:solidFill>
-                          <a:effectLst/>
-                          <a:latin typeface="+mn-lt"/>
-                          <a:ea typeface="+mn-ea"/>
-                          <a:cs typeface="+mn-cs"/>
-                        </a:rPr>
-                        <a:t>0.001</a:t>
-                      </a:r>
-                      <a:endParaRPr lang="de-DE" dirty="0"/>
-                    </a:p>
-                  </a:txBody>
-                  <a:tcPr/>
-                </a:tc>
-                <a:extLst>
-                  <a:ext uri="{0D108BD9-81ED-4DB2-BD59-A6C34878D82A}">
-                    <a16:rowId xmlns:a16="http://schemas.microsoft.com/office/drawing/2014/main" val="3820616312"/>
-                  </a:ext>
-                </a:extLst>
-              </a:tr>
-              <a:tr h="370840">
-                <a:tc>
-                  <a:txBody>
-                    <a:bodyPr/>
-                    <a:lstStyle/>
-                    <a:p>
-                      <a:r>
-                        <a:rPr lang="de-DE" dirty="0"/>
-                        <a:t>MONK-2</a:t>
-                      </a:r>
-                    </a:p>
-                  </a:txBody>
-                  <a:tcPr/>
-                </a:tc>
-                <a:tc>
-                  <a:txBody>
-                    <a:bodyPr/>
-                    <a:lstStyle/>
-                    <a:p>
-                      <a:r>
-                        <a:rPr lang="de-DE" sz="1800" b="0" i="0" kern="1200" dirty="0">
-                          <a:solidFill>
-                            <a:schemeClr val="dk1"/>
-                          </a:solidFill>
-                          <a:effectLst/>
-                          <a:latin typeface="+mn-lt"/>
-                          <a:ea typeface="+mn-ea"/>
-                          <a:cs typeface="+mn-cs"/>
-                        </a:rPr>
-                        <a:t>0.004</a:t>
-                      </a:r>
-                      <a:endParaRPr lang="de-DE" dirty="0"/>
-                    </a:p>
-                  </a:txBody>
-                  <a:tcPr/>
-                </a:tc>
-                <a:tc>
-                  <a:txBody>
-                    <a:bodyPr/>
-                    <a:lstStyle/>
-                    <a:p>
-                      <a:r>
-                        <a:rPr lang="de-DE" sz="1800" b="0" i="0" kern="1200" dirty="0">
-                          <a:solidFill>
-                            <a:schemeClr val="dk1"/>
-                          </a:solidFill>
-                          <a:effectLst/>
-                          <a:latin typeface="+mn-lt"/>
-                          <a:ea typeface="+mn-ea"/>
-                          <a:cs typeface="+mn-cs"/>
-                        </a:rPr>
-                        <a:t>0.002</a:t>
-                      </a:r>
-                      <a:endParaRPr lang="de-DE" dirty="0"/>
-                    </a:p>
-                  </a:txBody>
-                  <a:tcPr/>
-                </a:tc>
-                <a:tc>
-                  <a:txBody>
-                    <a:bodyPr/>
-                    <a:lstStyle/>
-                    <a:p>
-                      <a:r>
-                        <a:rPr lang="de-DE" sz="1800" b="0" i="0" kern="1200" dirty="0">
-                          <a:solidFill>
-                            <a:schemeClr val="dk1"/>
-                          </a:solidFill>
-                          <a:effectLst/>
-                          <a:latin typeface="+mn-lt"/>
-                          <a:ea typeface="+mn-ea"/>
-                          <a:cs typeface="+mn-cs"/>
-                        </a:rPr>
-                        <a:t>0.001</a:t>
-                      </a:r>
-                      <a:endParaRPr lang="de-DE" dirty="0"/>
-                    </a:p>
-                  </a:txBody>
-                  <a:tcPr/>
-                </a:tc>
-                <a:tc>
-                  <a:txBody>
-                    <a:bodyPr/>
-                    <a:lstStyle/>
-                    <a:p>
-                      <a:r>
-                        <a:rPr lang="de-DE" sz="1800" b="0" i="0" kern="1200" dirty="0">
-                          <a:solidFill>
-                            <a:schemeClr val="dk1"/>
-                          </a:solidFill>
-                          <a:effectLst/>
-                          <a:latin typeface="+mn-lt"/>
-                          <a:ea typeface="+mn-ea"/>
-                          <a:cs typeface="+mn-cs"/>
-                        </a:rPr>
-                        <a:t>0.016</a:t>
-                      </a:r>
-                      <a:endParaRPr lang="de-DE" dirty="0"/>
-                    </a:p>
-                  </a:txBody>
-                  <a:tcPr/>
-                </a:tc>
-                <a:tc>
-                  <a:txBody>
-                    <a:bodyPr/>
-                    <a:lstStyle/>
-                    <a:p>
-                      <a:r>
-                        <a:rPr lang="de-DE" sz="1800" b="0" i="0" kern="1200" dirty="0">
-                          <a:solidFill>
-                            <a:schemeClr val="dk1"/>
-                          </a:solidFill>
-                          <a:effectLst/>
-                          <a:latin typeface="+mn-lt"/>
-                          <a:ea typeface="+mn-ea"/>
-                          <a:cs typeface="+mn-cs"/>
-                        </a:rPr>
-                        <a:t>0.017</a:t>
-                      </a:r>
-                      <a:endParaRPr lang="de-DE" dirty="0"/>
-                    </a:p>
-                  </a:txBody>
-                  <a:tcPr>
-                    <a:solidFill>
-                      <a:schemeClr val="accent4">
-                        <a:lumMod val="90000"/>
-                      </a:schemeClr>
-                    </a:solidFill>
-                  </a:tcPr>
-                </a:tc>
-                <a:tc>
-                  <a:txBody>
-                    <a:bodyPr/>
-                    <a:lstStyle/>
-                    <a:p>
-                      <a:r>
-                        <a:rPr lang="de-DE" sz="1800" b="0" i="0" kern="1200" dirty="0">
-                          <a:solidFill>
-                            <a:schemeClr val="dk1"/>
-                          </a:solidFill>
-                          <a:effectLst/>
-                          <a:latin typeface="+mn-lt"/>
-                          <a:ea typeface="+mn-ea"/>
-                          <a:cs typeface="+mn-cs"/>
-                        </a:rPr>
-                        <a:t>0.006</a:t>
-                      </a:r>
-                      <a:endParaRPr lang="de-DE" dirty="0"/>
-                    </a:p>
-                  </a:txBody>
-                  <a:tcPr/>
-                </a:tc>
-                <a:extLst>
-                  <a:ext uri="{0D108BD9-81ED-4DB2-BD59-A6C34878D82A}">
-                    <a16:rowId xmlns:a16="http://schemas.microsoft.com/office/drawing/2014/main" val="539778462"/>
-                  </a:ext>
-                </a:extLst>
-              </a:tr>
-              <a:tr h="370840">
-                <a:tc>
-                  <a:txBody>
-                    <a:bodyPr/>
-                    <a:lstStyle/>
-                    <a:p>
-                      <a:r>
-                        <a:rPr lang="de-DE" dirty="0"/>
-                        <a:t>MONK-3</a:t>
-                      </a:r>
-                    </a:p>
-                  </a:txBody>
-                  <a:tcPr/>
-                </a:tc>
-                <a:tc>
-                  <a:txBody>
-                    <a:bodyPr/>
-                    <a:lstStyle/>
-                    <a:p>
-                      <a:r>
-                        <a:rPr lang="de-DE" sz="1800" b="0" i="0" kern="1200" dirty="0">
-                          <a:solidFill>
-                            <a:schemeClr val="dk1"/>
-                          </a:solidFill>
-                          <a:effectLst/>
-                          <a:latin typeface="+mn-lt"/>
-                          <a:ea typeface="+mn-ea"/>
-                          <a:cs typeface="+mn-cs"/>
-                        </a:rPr>
-                        <a:t>0.007</a:t>
-                      </a:r>
-                      <a:endParaRPr lang="de-DE" dirty="0"/>
-                    </a:p>
-                  </a:txBody>
-                  <a:tcPr/>
-                </a:tc>
-                <a:tc>
-                  <a:txBody>
-                    <a:bodyPr/>
-                    <a:lstStyle/>
-                    <a:p>
-                      <a:r>
-                        <a:rPr lang="de-DE" sz="1800" b="0" i="0" kern="1200" dirty="0">
-                          <a:solidFill>
-                            <a:schemeClr val="dk1"/>
-                          </a:solidFill>
-                          <a:effectLst/>
-                          <a:latin typeface="+mn-lt"/>
-                          <a:ea typeface="+mn-ea"/>
-                          <a:cs typeface="+mn-cs"/>
-                        </a:rPr>
-                        <a:t>0.294</a:t>
-                      </a:r>
-                      <a:endParaRPr lang="de-DE" dirty="0"/>
-                    </a:p>
-                  </a:txBody>
-                  <a:tcPr/>
-                </a:tc>
-                <a:tc>
-                  <a:txBody>
-                    <a:bodyPr/>
-                    <a:lstStyle/>
-                    <a:p>
-                      <a:r>
-                        <a:rPr lang="de-DE" sz="1800" b="0" i="0" kern="1200" dirty="0">
-                          <a:solidFill>
-                            <a:schemeClr val="dk1"/>
-                          </a:solidFill>
-                          <a:effectLst/>
-                          <a:latin typeface="+mn-lt"/>
-                          <a:ea typeface="+mn-ea"/>
-                          <a:cs typeface="+mn-cs"/>
-                        </a:rPr>
-                        <a:t>0.001</a:t>
-                      </a:r>
-                      <a:endParaRPr lang="de-DE" dirty="0"/>
-                    </a:p>
-                  </a:txBody>
-                  <a:tcPr/>
-                </a:tc>
-                <a:tc>
-                  <a:txBody>
-                    <a:bodyPr/>
-                    <a:lstStyle/>
-                    <a:p>
-                      <a:r>
-                        <a:rPr lang="de-DE" sz="1800" b="0" i="0" kern="1200" dirty="0">
-                          <a:solidFill>
-                            <a:schemeClr val="dk1"/>
-                          </a:solidFill>
-                          <a:effectLst/>
-                          <a:latin typeface="+mn-lt"/>
-                          <a:ea typeface="+mn-ea"/>
-                          <a:cs typeface="+mn-cs"/>
-                        </a:rPr>
-                        <a:t>0.003</a:t>
-                      </a:r>
-                      <a:endParaRPr lang="de-DE" dirty="0"/>
-                    </a:p>
-                  </a:txBody>
-                  <a:tcPr/>
-                </a:tc>
-                <a:tc>
-                  <a:txBody>
-                    <a:bodyPr/>
-                    <a:lstStyle/>
-                    <a:p>
-                      <a:r>
-                        <a:rPr lang="de-DE" sz="1800" b="0" i="0" kern="1200" dirty="0">
-                          <a:solidFill>
-                            <a:schemeClr val="dk1"/>
-                          </a:solidFill>
-                          <a:effectLst/>
-                          <a:latin typeface="+mn-lt"/>
-                          <a:ea typeface="+mn-ea"/>
-                          <a:cs typeface="+mn-cs"/>
-                        </a:rPr>
-                        <a:t>0.256</a:t>
-                      </a:r>
-                      <a:endParaRPr lang="de-DE" dirty="0"/>
-                    </a:p>
-                  </a:txBody>
-                  <a:tcPr>
-                    <a:solidFill>
-                      <a:schemeClr val="accent4">
-                        <a:lumMod val="90000"/>
-                      </a:schemeClr>
-                    </a:solidFill>
-                  </a:tcPr>
-                </a:tc>
-                <a:tc>
-                  <a:txBody>
-                    <a:bodyPr/>
-                    <a:lstStyle/>
-                    <a:p>
-                      <a:r>
-                        <a:rPr lang="de-DE" sz="1800" b="0" i="0" kern="1200" dirty="0">
-                          <a:solidFill>
-                            <a:schemeClr val="dk1"/>
-                          </a:solidFill>
-                          <a:effectLst/>
-                          <a:latin typeface="+mn-lt"/>
-                          <a:ea typeface="+mn-ea"/>
-                          <a:cs typeface="+mn-cs"/>
-                        </a:rPr>
-                        <a:t>0.007</a:t>
-                      </a:r>
-                      <a:endParaRPr lang="de-DE" dirty="0"/>
-                    </a:p>
-                  </a:txBody>
-                  <a:tcPr/>
-                </a:tc>
-                <a:extLst>
-                  <a:ext uri="{0D108BD9-81ED-4DB2-BD59-A6C34878D82A}">
-                    <a16:rowId xmlns:a16="http://schemas.microsoft.com/office/drawing/2014/main" val="3411609208"/>
-                  </a:ext>
-                </a:extLst>
-              </a:tr>
-            </a:tbl>
-          </a:graphicData>
-        </a:graphic>
-      </p:graphicFrame>
     </p:spTree>
     <p:extLst>
       <p:ext uri="{BB962C8B-B14F-4D97-AF65-F5344CB8AC3E}">
-        <p14:creationId xmlns:p14="http://schemas.microsoft.com/office/powerpoint/2010/main" val="612653856"/>
+        <p14:creationId xmlns:p14="http://schemas.microsoft.com/office/powerpoint/2010/main" val="240766304"/>
       </p:ext>
     </p:extLst>
   </p:cSld>
@@ -31532,7 +28021,7 @@
           <p:cNvPr id="2" name="Title 1">
             <a:extLst>
               <a:ext uri="{FF2B5EF4-FFF2-40B4-BE49-F238E27FC236}">
-                <a16:creationId xmlns:a16="http://schemas.microsoft.com/office/drawing/2014/main" id="{64C2CAC0-A61E-C4B3-8D74-A569729D19BC}"/>
+                <a16:creationId xmlns:a16="http://schemas.microsoft.com/office/drawing/2014/main" id="{7A5C6AA7-1E88-6FB7-10B0-937590133758}"/>
               </a:ext>
             </a:extLst>
           </p:cNvPr>
@@ -31549,13 +28038,10 @@
           <a:lstStyle/>
           <a:p>
             <a:r>
-              <a:rPr lang="de-DE" dirty="0" err="1"/>
-              <a:t>Assignment</a:t>
-            </a:r>
-            <a:r>
-              <a:rPr lang="de-DE" dirty="0"/>
-              <a:t> 4</a:t>
-            </a:r>
+              <a:rPr lang="en-US" dirty="0"/>
+              <a:t>Verification</a:t>
+            </a:r>
+            <a:endParaRPr lang="de-DE" dirty="0"/>
           </a:p>
         </p:txBody>
       </p:sp>
@@ -31564,7 +28050,7 @@
           <p:cNvPr id="3" name="Content Placeholder 2">
             <a:extLst>
               <a:ext uri="{FF2B5EF4-FFF2-40B4-BE49-F238E27FC236}">
-                <a16:creationId xmlns:a16="http://schemas.microsoft.com/office/drawing/2014/main" id="{37CD10D8-AB1B-93CD-DE4B-FFBF6EEB5A61}"/>
+                <a16:creationId xmlns:a16="http://schemas.microsoft.com/office/drawing/2014/main" id="{9BBBB529-1259-4A67-AE31-74D212C93A22}"/>
               </a:ext>
             </a:extLst>
           </p:cNvPr>
@@ -31580,41 +28066,38 @@
           <a:bodyPr/>
           <a:lstStyle/>
           <a:p>
-            <a:pPr marL="0" indent="0" algn="l" rtl="0" eaLnBrk="1" latinLnBrk="0" hangingPunct="1">
-              <a:lnSpc>
-                <a:spcPct val="90000"/>
-              </a:lnSpc>
-              <a:spcBef>
-                <a:spcPts val="1000"/>
-              </a:spcBef>
-              <a:spcAft>
-                <a:spcPts val="0"/>
-              </a:spcAft>
+            <a:pPr marL="0" indent="0">
               <a:buNone/>
             </a:pPr>
             <a:r>
-              <a:rPr lang="en-GB" sz="2000" kern="1200" dirty="0">
+              <a:rPr lang="en-GB" dirty="0">
                 <a:solidFill>
                   <a:srgbClr val="00356D"/>
                 </a:solidFill>
-                <a:effectLst/>
                 <a:latin typeface="Arial" panose="020B0604020202020204" pitchFamily="34" charset="0"/>
-                <a:ea typeface="+mn-ea"/>
-                <a:cs typeface="+mn-cs"/>
               </a:rPr>
-              <a:t>Problem: </a:t>
-            </a:r>
-            <a:endParaRPr lang="de-DE" dirty="0">
-              <a:effectLst/>
-            </a:endParaRPr>
-          </a:p>
-          <a:p>
-            <a:pPr marL="0" indent="0" algn="l">
+              <a:t>For three sequences with only one activity:</a:t>
+            </a:r>
+          </a:p>
+          <a:p>
+            <a:pPr marL="0" indent="0">
               <a:buNone/>
             </a:pPr>
             <a:r>
+              <a:rPr lang="de-DE" dirty="0"/>
+              <a:t>The </a:t>
+            </a:r>
+            <a:r>
               <a:rPr lang="de-DE" dirty="0" err="1"/>
-              <a:t>How</a:t>
+              <a:t>model</a:t>
+            </a:r>
+            <a:r>
+              <a:rPr lang="de-DE" dirty="0"/>
+              <a:t> was </a:t>
+            </a:r>
+            <a:r>
+              <a:rPr lang="de-DE" dirty="0" err="1"/>
+              <a:t>tested</a:t>
             </a:r>
             <a:r>
               <a:rPr lang="de-DE" dirty="0"/>
@@ -31622,7 +28105,7 @@
             </a:r>
             <a:r>
               <a:rPr lang="de-DE" dirty="0" err="1"/>
-              <a:t>does</a:t>
+              <a:t>with</a:t>
             </a:r>
             <a:r>
               <a:rPr lang="de-DE" dirty="0"/>
@@ -31630,7 +28113,7 @@
             </a:r>
             <a:r>
               <a:rPr lang="de-DE" dirty="0" err="1"/>
-              <a:t>the</a:t>
+              <a:t>three</a:t>
             </a:r>
             <a:r>
               <a:rPr lang="de-DE" dirty="0"/>
@@ -31638,7 +28121,7 @@
             </a:r>
             <a:r>
               <a:rPr lang="de-DE" dirty="0" err="1"/>
-              <a:t>entropy</a:t>
+              <a:t>sequences</a:t>
             </a:r>
             <a:r>
               <a:rPr lang="de-DE" dirty="0"/>
@@ -31654,7 +28137,7 @@
             </a:r>
             <a:r>
               <a:rPr lang="de-DE" dirty="0" err="1"/>
-              <a:t>the</a:t>
+              <a:t>each</a:t>
             </a:r>
             <a:r>
               <a:rPr lang="de-DE" dirty="0"/>
@@ -31662,7 +28145,15 @@
             </a:r>
             <a:r>
               <a:rPr lang="de-DE" dirty="0" err="1"/>
-              <a:t>subsets</a:t>
+              <a:t>activity</a:t>
+            </a:r>
+            <a:r>
+              <a:rPr lang="de-DE" dirty="0"/>
+              <a:t>. The </a:t>
+            </a:r>
+            <a:r>
+              <a:rPr lang="de-DE" dirty="0" err="1"/>
+              <a:t>accuracies</a:t>
             </a:r>
             <a:r>
               <a:rPr lang="de-DE" dirty="0"/>
@@ -31670,15 +28161,7 @@
             </a:r>
             <a:r>
               <a:rPr lang="de-DE" dirty="0" err="1"/>
-              <a:t>look</a:t>
-            </a:r>
-            <a:r>
-              <a:rPr lang="de-DE" dirty="0"/>
-              <a:t> like? </a:t>
-            </a:r>
-            <a:r>
-              <a:rPr lang="de-DE" dirty="0" err="1"/>
-              <a:t>How</a:t>
+              <a:t>to</a:t>
             </a:r>
             <a:r>
               <a:rPr lang="de-DE" dirty="0"/>
@@ -31686,7 +28169,7 @@
             </a:r>
             <a:r>
               <a:rPr lang="de-DE" dirty="0" err="1"/>
-              <a:t>can</a:t>
+              <a:t>detect</a:t>
             </a:r>
             <a:r>
               <a:rPr lang="de-DE" dirty="0"/>
@@ -31694,7 +28177,7 @@
             </a:r>
             <a:r>
               <a:rPr lang="de-DE" dirty="0" err="1"/>
-              <a:t>you</a:t>
+              <a:t>the</a:t>
             </a:r>
             <a:r>
               <a:rPr lang="de-DE" dirty="0"/>
@@ -31702,7 +28185,7 @@
             </a:r>
             <a:r>
               <a:rPr lang="de-DE" dirty="0" err="1"/>
-              <a:t>motivate</a:t>
+              <a:t>correct</a:t>
             </a:r>
             <a:r>
               <a:rPr lang="de-DE" dirty="0"/>
@@ -31710,7 +28193,23 @@
             </a:r>
             <a:r>
               <a:rPr lang="de-DE" dirty="0" err="1"/>
-              <a:t>to</a:t>
+              <a:t>state</a:t>
+            </a:r>
+            <a:r>
+              <a:rPr lang="de-DE" dirty="0"/>
+              <a:t> at </a:t>
+            </a:r>
+            <a:r>
+              <a:rPr lang="de-DE" dirty="0" err="1"/>
+              <a:t>every</a:t>
+            </a:r>
+            <a:r>
+              <a:rPr lang="de-DE" dirty="0"/>
+              <a:t> time </a:t>
+            </a:r>
+            <a:r>
+              <a:rPr lang="de-DE" dirty="0" err="1"/>
+              <a:t>instance</a:t>
             </a:r>
             <a:r>
               <a:rPr lang="de-DE" dirty="0"/>
@@ -31718,90 +28217,42 @@
             </a:r>
             <a:r>
               <a:rPr lang="de-DE" dirty="0" err="1"/>
-              <a:t>use</a:t>
+              <a:t>were</a:t>
             </a:r>
             <a:r>
               <a:rPr lang="de-DE" dirty="0"/>
-              <a:t> </a:t>
-            </a:r>
-            <a:r>
-              <a:rPr lang="de-DE" dirty="0" err="1"/>
-              <a:t>the</a:t>
-            </a:r>
-            <a:r>
-              <a:rPr lang="de-DE" dirty="0"/>
-              <a:t> </a:t>
-            </a:r>
-            <a:r>
-              <a:rPr lang="de-DE" dirty="0" err="1"/>
-              <a:t>information</a:t>
-            </a:r>
-            <a:r>
-              <a:rPr lang="de-DE" dirty="0"/>
-              <a:t> </a:t>
-            </a:r>
-            <a:r>
-              <a:rPr lang="de-DE" dirty="0" err="1"/>
-              <a:t>gain</a:t>
-            </a:r>
-            <a:r>
-              <a:rPr lang="de-DE" dirty="0"/>
-              <a:t> </a:t>
-            </a:r>
-            <a:r>
-              <a:rPr lang="de-DE" dirty="0" err="1"/>
-              <a:t>for</a:t>
-            </a:r>
-            <a:r>
-              <a:rPr lang="de-DE" dirty="0"/>
-              <a:t> </a:t>
-            </a:r>
-            <a:r>
-              <a:rPr lang="de-DE" dirty="0" err="1"/>
-              <a:t>splitting</a:t>
-            </a:r>
-            <a:r>
-              <a:rPr lang="de-DE" dirty="0"/>
-              <a:t>?</a:t>
-            </a:r>
-          </a:p>
-          <a:p>
-            <a:pPr marL="0" indent="0" algn="l">
+              <a:t>:</a:t>
+            </a:r>
+          </a:p>
+          <a:p>
+            <a:pPr marL="0" indent="0">
               <a:buNone/>
             </a:pPr>
             <a:endParaRPr lang="de-DE" dirty="0"/>
           </a:p>
           <a:p>
-            <a:pPr marL="0" indent="0" algn="l" rtl="0" eaLnBrk="1" latinLnBrk="0" hangingPunct="1">
-              <a:lnSpc>
-                <a:spcPct val="90000"/>
-              </a:lnSpc>
-              <a:spcBef>
-                <a:spcPts val="1000"/>
-              </a:spcBef>
-              <a:spcAft>
-                <a:spcPts val="0"/>
-              </a:spcAft>
+            <a:pPr marL="0" indent="0">
               <a:buNone/>
             </a:pPr>
-            <a:r>
-              <a:rPr lang="en-GB" sz="2000" kern="1200" dirty="0">
-                <a:solidFill>
-                  <a:srgbClr val="00356D"/>
-                </a:solidFill>
-                <a:effectLst/>
-                <a:latin typeface="Arial" panose="020B0604020202020204" pitchFamily="34" charset="0"/>
-                <a:ea typeface="+mn-ea"/>
-                <a:cs typeface="+mn-cs"/>
-              </a:rPr>
-              <a:t>Result:</a:t>
-            </a:r>
             <a:endParaRPr lang="de-DE" dirty="0"/>
           </a:p>
           <a:p>
+            <a:pPr marL="0" indent="0">
+              <a:buNone/>
+            </a:pPr>
+            <a:endParaRPr lang="de-DE" dirty="0"/>
+          </a:p>
+          <a:p>
+            <a:pPr marL="0" indent="0">
+              <a:buNone/>
+            </a:pPr>
+            <a:r>
+              <a:rPr lang="de-DE" dirty="0"/>
+              <a:t>The </a:t>
+            </a:r>
             <a:r>
               <a:rPr lang="de-DE" dirty="0" err="1"/>
-              <a:t>Entropy</a:t>
+              <a:t>confusion</a:t>
             </a:r>
             <a:r>
               <a:rPr lang="de-DE" dirty="0"/>
@@ -31809,343 +28260,565 @@
             </a:r>
             <a:r>
               <a:rPr lang="de-DE" dirty="0" err="1"/>
-              <a:t>of</a:t>
+              <a:t>matrix</a:t>
             </a:r>
             <a:r>
               <a:rPr lang="de-DE" dirty="0"/>
-              <a:t> </a:t>
-            </a:r>
-            <a:r>
-              <a:rPr lang="de-DE" dirty="0" err="1"/>
-              <a:t>subsets</a:t>
-            </a:r>
-            <a:r>
-              <a:rPr lang="de-DE" dirty="0"/>
-              <a:t> </a:t>
-            </a:r>
-            <a:r>
-              <a:rPr lang="de-DE" dirty="0" err="1"/>
-              <a:t>is</a:t>
-            </a:r>
-            <a:r>
-              <a:rPr lang="de-DE" dirty="0"/>
-              <a:t> </a:t>
-            </a:r>
-            <a:r>
-              <a:rPr lang="de-DE" dirty="0" err="1"/>
-              <a:t>minimized</a:t>
-            </a:r>
-            <a:r>
-              <a:rPr lang="de-DE" dirty="0"/>
-              <a:t> (</a:t>
-            </a:r>
-            <a:r>
-              <a:rPr lang="de-DE" dirty="0" err="1"/>
-              <a:t>see</a:t>
-            </a:r>
-            <a:r>
-              <a:rPr lang="de-DE" dirty="0"/>
-              <a:t> </a:t>
-            </a:r>
-            <a:r>
-              <a:rPr lang="de-DE" dirty="0" err="1"/>
-              <a:t>formula</a:t>
-            </a:r>
-            <a:r>
-              <a:rPr lang="de-DE" dirty="0"/>
-              <a:t> </a:t>
-            </a:r>
-            <a:r>
-              <a:rPr lang="de-DE" dirty="0" err="1"/>
-              <a:t>for</a:t>
-            </a:r>
-            <a:r>
-              <a:rPr lang="de-DE" dirty="0"/>
-              <a:t> </a:t>
-            </a:r>
-            <a:r>
-              <a:rPr lang="de-DE" dirty="0" err="1"/>
-              <a:t>information</a:t>
-            </a:r>
-            <a:r>
-              <a:rPr lang="de-DE" dirty="0"/>
-              <a:t> </a:t>
-            </a:r>
-            <a:r>
-              <a:rPr lang="de-DE" dirty="0" err="1"/>
-              <a:t>gain</a:t>
-            </a:r>
-            <a:r>
-              <a:rPr lang="de-DE" dirty="0"/>
-              <a:t>)</a:t>
-            </a:r>
-          </a:p>
-          <a:p>
-            <a:r>
-              <a:rPr lang="de-DE" dirty="0" err="1"/>
-              <a:t>We</a:t>
-            </a:r>
-            <a:r>
-              <a:rPr lang="de-DE" dirty="0"/>
-              <a:t> </a:t>
-            </a:r>
-            <a:r>
-              <a:rPr lang="de-DE" dirty="0" err="1"/>
-              <a:t>try</a:t>
-            </a:r>
-            <a:r>
-              <a:rPr lang="de-DE" dirty="0"/>
-              <a:t> </a:t>
-            </a:r>
-            <a:r>
-              <a:rPr lang="de-DE" dirty="0" err="1"/>
-              <a:t>to</a:t>
-            </a:r>
-            <a:r>
-              <a:rPr lang="de-DE" dirty="0"/>
-              <a:t> </a:t>
-            </a:r>
-            <a:r>
-              <a:rPr lang="de-DE" dirty="0" err="1"/>
-              <a:t>split</a:t>
-            </a:r>
-            <a:r>
-              <a:rPr lang="de-DE" dirty="0"/>
-              <a:t> </a:t>
-            </a:r>
-            <a:r>
-              <a:rPr lang="de-DE" dirty="0" err="1"/>
-              <a:t>tree</a:t>
-            </a:r>
-            <a:r>
-              <a:rPr lang="de-DE" dirty="0"/>
-              <a:t> </a:t>
-            </a:r>
-            <a:r>
-              <a:rPr lang="de-DE" dirty="0" err="1"/>
-              <a:t>that</a:t>
-            </a:r>
-            <a:r>
-              <a:rPr lang="de-DE" dirty="0"/>
-              <a:t> </a:t>
-            </a:r>
-            <a:r>
-              <a:rPr lang="de-DE" dirty="0" err="1"/>
-              <a:t>gives</a:t>
-            </a:r>
-            <a:r>
-              <a:rPr lang="de-DE" dirty="0"/>
-              <a:t> </a:t>
-            </a:r>
-            <a:r>
-              <a:rPr lang="de-DE" dirty="0" err="1"/>
-              <a:t>subset</a:t>
-            </a:r>
-            <a:r>
-              <a:rPr lang="de-DE" dirty="0"/>
-              <a:t> </a:t>
-            </a:r>
-            <a:r>
-              <a:rPr lang="de-DE" dirty="0" err="1"/>
-              <a:t>with</a:t>
-            </a:r>
-            <a:r>
-              <a:rPr lang="de-DE" dirty="0"/>
-              <a:t> least </a:t>
-            </a:r>
-            <a:r>
-              <a:rPr lang="de-DE" dirty="0" err="1"/>
-              <a:t>randomness</a:t>
-            </a:r>
+              <a:t>:</a:t>
+            </a:r>
+          </a:p>
+          <a:p>
+            <a:pPr marL="0" indent="0">
+              <a:buNone/>
+            </a:pPr>
             <a:endParaRPr lang="de-DE" dirty="0"/>
           </a:p>
           <a:p>
+            <a:pPr marL="0" indent="0">
+              <a:buNone/>
+            </a:pPr>
             <a:endParaRPr lang="de-DE" dirty="0"/>
           </a:p>
           <a:p>
-            <a:r>
-              <a:rPr lang="de-DE" dirty="0"/>
-              <a:t>Information </a:t>
-            </a:r>
-            <a:r>
-              <a:rPr lang="de-DE" dirty="0" err="1"/>
-              <a:t>gain</a:t>
-            </a:r>
-            <a:r>
-              <a:rPr lang="de-DE" dirty="0"/>
-              <a:t> </a:t>
-            </a:r>
-            <a:r>
-              <a:rPr lang="de-DE" dirty="0" err="1"/>
-              <a:t>gives</a:t>
-            </a:r>
-            <a:r>
-              <a:rPr lang="de-DE" dirty="0"/>
-              <a:t> </a:t>
-            </a:r>
-            <a:r>
-              <a:rPr lang="de-DE" dirty="0" err="1"/>
-              <a:t>the</a:t>
-            </a:r>
-            <a:r>
-              <a:rPr lang="de-DE" dirty="0"/>
-              <a:t> </a:t>
-            </a:r>
-            <a:r>
-              <a:rPr lang="de-DE" dirty="0" err="1"/>
-              <a:t>difference</a:t>
-            </a:r>
-            <a:r>
-              <a:rPr lang="de-DE" dirty="0"/>
-              <a:t> </a:t>
-            </a:r>
-            <a:r>
-              <a:rPr lang="de-DE" dirty="0" err="1"/>
-              <a:t>of</a:t>
-            </a:r>
-            <a:r>
-              <a:rPr lang="de-DE" dirty="0"/>
-              <a:t> </a:t>
-            </a:r>
-            <a:r>
-              <a:rPr lang="de-DE" dirty="0" err="1"/>
-              <a:t>entropy</a:t>
-            </a:r>
-            <a:r>
-              <a:rPr lang="de-DE" dirty="0"/>
-              <a:t> </a:t>
-            </a:r>
-            <a:r>
-              <a:rPr lang="de-DE" dirty="0" err="1"/>
-              <a:t>before</a:t>
-            </a:r>
-            <a:r>
-              <a:rPr lang="de-DE" dirty="0"/>
-              <a:t> and after </a:t>
-            </a:r>
-            <a:r>
-              <a:rPr lang="de-DE" dirty="0" err="1"/>
-              <a:t>split</a:t>
-            </a:r>
+            <a:pPr marL="0" indent="0">
+              <a:buNone/>
+            </a:pPr>
             <a:endParaRPr lang="de-DE" dirty="0"/>
           </a:p>
-          <a:p>
-            <a:r>
-              <a:rPr lang="de-DE" dirty="0" err="1"/>
-              <a:t>To</a:t>
-            </a:r>
-            <a:r>
-              <a:rPr lang="de-DE" dirty="0"/>
-              <a:t> </a:t>
-            </a:r>
-            <a:r>
-              <a:rPr lang="de-DE" dirty="0" err="1"/>
-              <a:t>reduce</a:t>
-            </a:r>
-            <a:r>
-              <a:rPr lang="de-DE" dirty="0"/>
-              <a:t> </a:t>
-            </a:r>
-            <a:r>
-              <a:rPr lang="de-DE" dirty="0" err="1"/>
-              <a:t>randomness</a:t>
-            </a:r>
-            <a:r>
-              <a:rPr lang="de-DE" dirty="0"/>
-              <a:t> (= </a:t>
-            </a:r>
-            <a:r>
-              <a:rPr lang="de-DE" dirty="0" err="1"/>
-              <a:t>entropy</a:t>
-            </a:r>
-            <a:r>
-              <a:rPr lang="de-DE" dirty="0"/>
-              <a:t>) </a:t>
-            </a:r>
-            <a:r>
-              <a:rPr lang="de-DE" dirty="0" err="1"/>
-              <a:t>we</a:t>
-            </a:r>
-            <a:r>
-              <a:rPr lang="de-DE" dirty="0"/>
-              <a:t> </a:t>
-            </a:r>
-            <a:r>
-              <a:rPr lang="de-DE" dirty="0" err="1"/>
-              <a:t>go</a:t>
-            </a:r>
-            <a:r>
-              <a:rPr lang="de-DE" dirty="0"/>
-              <a:t> </a:t>
-            </a:r>
-            <a:r>
-              <a:rPr lang="de-DE" dirty="0" err="1"/>
-              <a:t>for</a:t>
-            </a:r>
-            <a:r>
-              <a:rPr lang="de-DE" dirty="0"/>
-              <a:t> </a:t>
-            </a:r>
-            <a:r>
-              <a:rPr lang="de-DE" dirty="0" err="1"/>
-              <a:t>that</a:t>
-            </a:r>
-            <a:r>
-              <a:rPr lang="de-DE" dirty="0"/>
-              <a:t> </a:t>
-            </a:r>
-            <a:r>
-              <a:rPr lang="de-DE" dirty="0" err="1"/>
-              <a:t>attribute</a:t>
-            </a:r>
-            <a:r>
-              <a:rPr lang="de-DE" dirty="0"/>
-              <a:t> </a:t>
-            </a:r>
-            <a:r>
-              <a:rPr lang="de-DE" dirty="0" err="1"/>
-              <a:t>which</a:t>
-            </a:r>
-            <a:r>
-              <a:rPr lang="de-DE" dirty="0"/>
-              <a:t> </a:t>
-            </a:r>
-            <a:r>
-              <a:rPr lang="de-DE" dirty="0" err="1"/>
-              <a:t>produces</a:t>
-            </a:r>
-            <a:r>
-              <a:rPr lang="de-DE" dirty="0"/>
-              <a:t> </a:t>
-            </a:r>
-            <a:r>
-              <a:rPr lang="de-DE" dirty="0" err="1"/>
-              <a:t>highest</a:t>
-            </a:r>
-            <a:r>
-              <a:rPr lang="de-DE" dirty="0"/>
-              <a:t> </a:t>
-            </a:r>
-            <a:r>
-              <a:rPr lang="de-DE" dirty="0" err="1"/>
-              <a:t>information</a:t>
-            </a:r>
-            <a:r>
-              <a:rPr lang="de-DE" dirty="0"/>
-              <a:t> </a:t>
-            </a:r>
-            <a:r>
-              <a:rPr lang="de-DE" dirty="0" err="1"/>
-              <a:t>gain</a:t>
-            </a:r>
-            <a:endParaRPr lang="de-DE" dirty="0"/>
-          </a:p>
-        </p:txBody>
-      </p:sp>
+        </p:txBody>
+      </p:sp>
+      <p:graphicFrame>
+        <p:nvGraphicFramePr>
+          <p:cNvPr id="4" name="Table 3">
+            <a:extLst>
+              <a:ext uri="{FF2B5EF4-FFF2-40B4-BE49-F238E27FC236}">
+                <a16:creationId xmlns:a16="http://schemas.microsoft.com/office/drawing/2014/main" id="{C64F6567-7E72-C002-1078-A74263D0684B}"/>
+              </a:ext>
+            </a:extLst>
+          </p:cNvPr>
+          <p:cNvGraphicFramePr>
+            <a:graphicFrameLocks noGrp="1"/>
+          </p:cNvGraphicFramePr>
+          <p:nvPr>
+            <p:extLst>
+              <p:ext uri="{D42A27DB-BD31-4B8C-83A1-F6EECF244321}">
+                <p14:modId xmlns:p14="http://schemas.microsoft.com/office/powerpoint/2010/main" val="3801056987"/>
+              </p:ext>
+            </p:extLst>
+          </p:nvPr>
+        </p:nvGraphicFramePr>
+        <p:xfrm>
+          <a:off x="2031206" y="3058160"/>
+          <a:ext cx="8128000" cy="741680"/>
+        </p:xfrm>
+        <a:graphic>
+          <a:graphicData uri="http://schemas.openxmlformats.org/drawingml/2006/table">
+            <a:tbl>
+              <a:tblPr firstRow="1" bandRow="1">
+                <a:tableStyleId>{5C22544A-7EE6-4342-B048-85BDC9FD1C3A}</a:tableStyleId>
+              </a:tblPr>
+              <a:tblGrid>
+                <a:gridCol w="2032000">
+                  <a:extLst>
+                    <a:ext uri="{9D8B030D-6E8A-4147-A177-3AD203B41FA5}">
+                      <a16:colId xmlns:a16="http://schemas.microsoft.com/office/drawing/2014/main" val="893595444"/>
+                    </a:ext>
+                  </a:extLst>
+                </a:gridCol>
+                <a:gridCol w="2032000">
+                  <a:extLst>
+                    <a:ext uri="{9D8B030D-6E8A-4147-A177-3AD203B41FA5}">
+                      <a16:colId xmlns:a16="http://schemas.microsoft.com/office/drawing/2014/main" val="3788591937"/>
+                    </a:ext>
+                  </a:extLst>
+                </a:gridCol>
+                <a:gridCol w="2032000">
+                  <a:extLst>
+                    <a:ext uri="{9D8B030D-6E8A-4147-A177-3AD203B41FA5}">
+                      <a16:colId xmlns:a16="http://schemas.microsoft.com/office/drawing/2014/main" val="1033258274"/>
+                    </a:ext>
+                  </a:extLst>
+                </a:gridCol>
+                <a:gridCol w="2032000">
+                  <a:extLst>
+                    <a:ext uri="{9D8B030D-6E8A-4147-A177-3AD203B41FA5}">
+                      <a16:colId xmlns:a16="http://schemas.microsoft.com/office/drawing/2014/main" val="2806327780"/>
+                    </a:ext>
+                  </a:extLst>
+                </a:gridCol>
+              </a:tblGrid>
+              <a:tr h="370840">
+                <a:tc>
+                  <a:txBody>
+                    <a:bodyPr/>
+                    <a:lstStyle/>
+                    <a:p>
+                      <a:r>
+                        <a:rPr lang="de-DE" dirty="0"/>
+                        <a:t>State</a:t>
+                      </a:r>
+                    </a:p>
+                  </a:txBody>
+                  <a:tcPr/>
+                </a:tc>
+                <a:tc>
+                  <a:txBody>
+                    <a:bodyPr/>
+                    <a:lstStyle/>
+                    <a:p>
+                      <a:r>
+                        <a:rPr lang="de-DE" dirty="0"/>
+                        <a:t>Standing (S0)</a:t>
+                      </a:r>
+                    </a:p>
+                  </a:txBody>
+                  <a:tcPr/>
+                </a:tc>
+                <a:tc>
+                  <a:txBody>
+                    <a:bodyPr/>
+                    <a:lstStyle/>
+                    <a:p>
+                      <a:r>
+                        <a:rPr lang="de-DE" dirty="0"/>
+                        <a:t>Walking (S1)</a:t>
+                      </a:r>
+                    </a:p>
+                  </a:txBody>
+                  <a:tcPr/>
+                </a:tc>
+                <a:tc>
+                  <a:txBody>
+                    <a:bodyPr/>
+                    <a:lstStyle/>
+                    <a:p>
+                      <a:r>
+                        <a:rPr lang="de-DE" dirty="0"/>
+                        <a:t>Running (S2)</a:t>
+                      </a:r>
+                    </a:p>
+                  </a:txBody>
+                  <a:tcPr/>
+                </a:tc>
+                <a:extLst>
+                  <a:ext uri="{0D108BD9-81ED-4DB2-BD59-A6C34878D82A}">
+                    <a16:rowId xmlns:a16="http://schemas.microsoft.com/office/drawing/2014/main" val="714548348"/>
+                  </a:ext>
+                </a:extLst>
+              </a:tr>
+              <a:tr h="370840">
+                <a:tc>
+                  <a:txBody>
+                    <a:bodyPr/>
+                    <a:lstStyle/>
+                    <a:p>
+                      <a:r>
+                        <a:rPr lang="de-DE" dirty="0" err="1"/>
+                        <a:t>Accuracy</a:t>
+                      </a:r>
+                      <a:endParaRPr lang="de-DE" dirty="0"/>
+                    </a:p>
+                  </a:txBody>
+                  <a:tcPr/>
+                </a:tc>
+                <a:tc>
+                  <a:txBody>
+                    <a:bodyPr/>
+                    <a:lstStyle/>
+                    <a:p>
+                      <a:r>
+                        <a:rPr lang="de-DE" dirty="0"/>
+                        <a:t>1</a:t>
+                      </a:r>
+                    </a:p>
+                  </a:txBody>
+                  <a:tcPr/>
+                </a:tc>
+                <a:tc>
+                  <a:txBody>
+                    <a:bodyPr/>
+                    <a:lstStyle/>
+                    <a:p>
+                      <a:r>
+                        <a:rPr lang="de-DE" dirty="0"/>
+                        <a:t>0.85</a:t>
+                      </a:r>
+                    </a:p>
+                  </a:txBody>
+                  <a:tcPr/>
+                </a:tc>
+                <a:tc>
+                  <a:txBody>
+                    <a:bodyPr/>
+                    <a:lstStyle/>
+                    <a:p>
+                      <a:r>
+                        <a:rPr lang="de-DE" dirty="0"/>
+                        <a:t>0.91</a:t>
+                      </a:r>
+                    </a:p>
+                  </a:txBody>
+                  <a:tcPr/>
+                </a:tc>
+                <a:extLst>
+                  <a:ext uri="{0D108BD9-81ED-4DB2-BD59-A6C34878D82A}">
+                    <a16:rowId xmlns:a16="http://schemas.microsoft.com/office/drawing/2014/main" val="2963846105"/>
+                  </a:ext>
+                </a:extLst>
+              </a:tr>
+            </a:tbl>
+          </a:graphicData>
+        </a:graphic>
+      </p:graphicFrame>
+      <p:graphicFrame>
+        <p:nvGraphicFramePr>
+          <p:cNvPr id="5" name="Table 4">
+            <a:extLst>
+              <a:ext uri="{FF2B5EF4-FFF2-40B4-BE49-F238E27FC236}">
+                <a16:creationId xmlns:a16="http://schemas.microsoft.com/office/drawing/2014/main" id="{7A1E3D92-1E61-31D3-B9B4-3BEEB42D7442}"/>
+              </a:ext>
+            </a:extLst>
+          </p:cNvPr>
+          <p:cNvGraphicFramePr>
+            <a:graphicFrameLocks noGrp="1"/>
+          </p:cNvGraphicFramePr>
+          <p:nvPr>
+            <p:extLst>
+              <p:ext uri="{D42A27DB-BD31-4B8C-83A1-F6EECF244321}">
+                <p14:modId xmlns:p14="http://schemas.microsoft.com/office/powerpoint/2010/main" val="907136305"/>
+              </p:ext>
+            </p:extLst>
+          </p:nvPr>
+        </p:nvGraphicFramePr>
+        <p:xfrm>
+          <a:off x="2369206" y="4705728"/>
+          <a:ext cx="7452000" cy="1483360"/>
+        </p:xfrm>
+        <a:graphic>
+          <a:graphicData uri="http://schemas.openxmlformats.org/drawingml/2006/table">
+            <a:tbl>
+              <a:tblPr firstRow="1" bandRow="1">
+                <a:tableStyleId>{5C22544A-7EE6-4342-B048-85BDC9FD1C3A}</a:tableStyleId>
+              </a:tblPr>
+              <a:tblGrid>
+                <a:gridCol w="2052000">
+                  <a:extLst>
+                    <a:ext uri="{9D8B030D-6E8A-4147-A177-3AD203B41FA5}">
+                      <a16:colId xmlns:a16="http://schemas.microsoft.com/office/drawing/2014/main" val="3236195988"/>
+                    </a:ext>
+                  </a:extLst>
+                </a:gridCol>
+                <a:gridCol w="1800000">
+                  <a:extLst>
+                    <a:ext uri="{9D8B030D-6E8A-4147-A177-3AD203B41FA5}">
+                      <a16:colId xmlns:a16="http://schemas.microsoft.com/office/drawing/2014/main" val="409352754"/>
+                    </a:ext>
+                  </a:extLst>
+                </a:gridCol>
+                <a:gridCol w="1800000">
+                  <a:extLst>
+                    <a:ext uri="{9D8B030D-6E8A-4147-A177-3AD203B41FA5}">
+                      <a16:colId xmlns:a16="http://schemas.microsoft.com/office/drawing/2014/main" val="3668492985"/>
+                    </a:ext>
+                  </a:extLst>
+                </a:gridCol>
+                <a:gridCol w="1800000">
+                  <a:extLst>
+                    <a:ext uri="{9D8B030D-6E8A-4147-A177-3AD203B41FA5}">
+                      <a16:colId xmlns:a16="http://schemas.microsoft.com/office/drawing/2014/main" val="887434627"/>
+                    </a:ext>
+                  </a:extLst>
+                </a:gridCol>
+              </a:tblGrid>
+              <a:tr h="370840">
+                <a:tc>
+                  <a:txBody>
+                    <a:bodyPr/>
+                    <a:lstStyle/>
+                    <a:p>
+                      <a:r>
+                        <a:rPr lang="de-DE" dirty="0" err="1"/>
+                        <a:t>Actual</a:t>
+                      </a:r>
+                      <a:r>
+                        <a:rPr lang="de-DE" dirty="0"/>
+                        <a:t>\</a:t>
+                      </a:r>
+                      <a:r>
+                        <a:rPr lang="de-DE" dirty="0" err="1"/>
+                        <a:t>Predicted</a:t>
+                      </a:r>
+                      <a:endParaRPr lang="de-DE" dirty="0"/>
+                    </a:p>
+                  </a:txBody>
+                  <a:tcPr/>
+                </a:tc>
+                <a:tc>
+                  <a:txBody>
+                    <a:bodyPr/>
+                    <a:lstStyle/>
+                    <a:p>
+                      <a:r>
+                        <a:rPr lang="de-DE" dirty="0"/>
+                        <a:t>Standing (S0)</a:t>
+                      </a:r>
+                    </a:p>
+                  </a:txBody>
+                  <a:tcPr/>
+                </a:tc>
+                <a:tc>
+                  <a:txBody>
+                    <a:bodyPr/>
+                    <a:lstStyle/>
+                    <a:p>
+                      <a:r>
+                        <a:rPr lang="de-DE" dirty="0"/>
+                        <a:t>Walking (S1)</a:t>
+                      </a:r>
+                    </a:p>
+                  </a:txBody>
+                  <a:tcPr/>
+                </a:tc>
+                <a:tc>
+                  <a:txBody>
+                    <a:bodyPr/>
+                    <a:lstStyle/>
+                    <a:p>
+                      <a:r>
+                        <a:rPr lang="de-DE" dirty="0"/>
+                        <a:t>Running (S2)</a:t>
+                      </a:r>
+                    </a:p>
+                  </a:txBody>
+                  <a:tcPr/>
+                </a:tc>
+                <a:extLst>
+                  <a:ext uri="{0D108BD9-81ED-4DB2-BD59-A6C34878D82A}">
+                    <a16:rowId xmlns:a16="http://schemas.microsoft.com/office/drawing/2014/main" val="3425436700"/>
+                  </a:ext>
+                </a:extLst>
+              </a:tr>
+              <a:tr h="370840">
+                <a:tc>
+                  <a:txBody>
+                    <a:bodyPr/>
+                    <a:lstStyle/>
+                    <a:p>
+                      <a:pPr marL="0" algn="l" defTabSz="914400" rtl="0" eaLnBrk="1" latinLnBrk="0" hangingPunct="1"/>
+                      <a:r>
+                        <a:rPr lang="de-DE" sz="1800" b="1" kern="1200" dirty="0">
+                          <a:solidFill>
+                            <a:schemeClr val="lt1"/>
+                          </a:solidFill>
+                          <a:latin typeface="+mn-lt"/>
+                          <a:ea typeface="+mn-ea"/>
+                          <a:cs typeface="+mn-cs"/>
+                        </a:rPr>
+                        <a:t>Standing (S0)</a:t>
+                      </a:r>
+                    </a:p>
+                  </a:txBody>
+                  <a:tcPr>
+                    <a:solidFill>
+                      <a:srgbClr val="004791"/>
+                    </a:solidFill>
+                  </a:tcPr>
+                </a:tc>
+                <a:tc>
+                  <a:txBody>
+                    <a:bodyPr/>
+                    <a:lstStyle/>
+                    <a:p>
+                      <a:r>
+                        <a:rPr lang="de-DE" dirty="0"/>
+                        <a:t>1</a:t>
+                      </a:r>
+                    </a:p>
+                  </a:txBody>
+                  <a:tcPr/>
+                </a:tc>
+                <a:tc>
+                  <a:txBody>
+                    <a:bodyPr/>
+                    <a:lstStyle/>
+                    <a:p>
+                      <a:r>
+                        <a:rPr lang="de-DE" dirty="0"/>
+                        <a:t>0</a:t>
+                      </a:r>
+                    </a:p>
+                  </a:txBody>
+                  <a:tcPr/>
+                </a:tc>
+                <a:tc>
+                  <a:txBody>
+                    <a:bodyPr/>
+                    <a:lstStyle/>
+                    <a:p>
+                      <a:r>
+                        <a:rPr lang="de-DE" dirty="0"/>
+                        <a:t>0</a:t>
+                      </a:r>
+                    </a:p>
+                  </a:txBody>
+                  <a:tcPr/>
+                </a:tc>
+                <a:extLst>
+                  <a:ext uri="{0D108BD9-81ED-4DB2-BD59-A6C34878D82A}">
+                    <a16:rowId xmlns:a16="http://schemas.microsoft.com/office/drawing/2014/main" val="232621566"/>
+                  </a:ext>
+                </a:extLst>
+              </a:tr>
+              <a:tr h="370840">
+                <a:tc>
+                  <a:txBody>
+                    <a:bodyPr/>
+                    <a:lstStyle/>
+                    <a:p>
+                      <a:pPr marL="0" algn="l" defTabSz="914400" rtl="0" eaLnBrk="1" latinLnBrk="0" hangingPunct="1"/>
+                      <a:r>
+                        <a:rPr lang="de-DE" sz="1800" b="1" kern="1200" dirty="0">
+                          <a:solidFill>
+                            <a:schemeClr val="lt1"/>
+                          </a:solidFill>
+                          <a:latin typeface="+mn-lt"/>
+                          <a:ea typeface="+mn-ea"/>
+                          <a:cs typeface="+mn-cs"/>
+                        </a:rPr>
+                        <a:t>Walking (S1)</a:t>
+                      </a:r>
+                    </a:p>
+                  </a:txBody>
+                  <a:tcPr>
+                    <a:solidFill>
+                      <a:srgbClr val="004791"/>
+                    </a:solidFill>
+                  </a:tcPr>
+                </a:tc>
+                <a:tc>
+                  <a:txBody>
+                    <a:bodyPr/>
+                    <a:lstStyle/>
+                    <a:p>
+                      <a:r>
+                        <a:rPr lang="de-DE" dirty="0"/>
+                        <a:t>0</a:t>
+                      </a:r>
+                    </a:p>
+                  </a:txBody>
+                  <a:tcPr/>
+                </a:tc>
+                <a:tc>
+                  <a:txBody>
+                    <a:bodyPr/>
+                    <a:lstStyle/>
+                    <a:p>
+                      <a:r>
+                        <a:rPr lang="de-DE" dirty="0"/>
+                        <a:t>0.85</a:t>
+                      </a:r>
+                    </a:p>
+                  </a:txBody>
+                  <a:tcPr/>
+                </a:tc>
+                <a:tc>
+                  <a:txBody>
+                    <a:bodyPr/>
+                    <a:lstStyle/>
+                    <a:p>
+                      <a:r>
+                        <a:rPr lang="de-DE" dirty="0"/>
+                        <a:t>0.15</a:t>
+                      </a:r>
+                    </a:p>
+                  </a:txBody>
+                  <a:tcPr/>
+                </a:tc>
+                <a:extLst>
+                  <a:ext uri="{0D108BD9-81ED-4DB2-BD59-A6C34878D82A}">
+                    <a16:rowId xmlns:a16="http://schemas.microsoft.com/office/drawing/2014/main" val="152333126"/>
+                  </a:ext>
+                </a:extLst>
+              </a:tr>
+              <a:tr h="370840">
+                <a:tc>
+                  <a:txBody>
+                    <a:bodyPr/>
+                    <a:lstStyle/>
+                    <a:p>
+                      <a:pPr marL="0" algn="l" defTabSz="914400" rtl="0" eaLnBrk="1" latinLnBrk="0" hangingPunct="1"/>
+                      <a:r>
+                        <a:rPr lang="de-DE" sz="1800" b="1" kern="1200" dirty="0">
+                          <a:solidFill>
+                            <a:schemeClr val="lt1"/>
+                          </a:solidFill>
+                          <a:latin typeface="+mn-lt"/>
+                          <a:ea typeface="+mn-ea"/>
+                          <a:cs typeface="+mn-cs"/>
+                        </a:rPr>
+                        <a:t>Running (S2)</a:t>
+                      </a:r>
+                    </a:p>
+                  </a:txBody>
+                  <a:tcPr>
+                    <a:solidFill>
+                      <a:srgbClr val="004791"/>
+                    </a:solidFill>
+                  </a:tcPr>
+                </a:tc>
+                <a:tc>
+                  <a:txBody>
+                    <a:bodyPr/>
+                    <a:lstStyle/>
+                    <a:p>
+                      <a:r>
+                        <a:rPr lang="de-DE" dirty="0"/>
+                        <a:t>0</a:t>
+                      </a:r>
+                    </a:p>
+                  </a:txBody>
+                  <a:tcPr/>
+                </a:tc>
+                <a:tc>
+                  <a:txBody>
+                    <a:bodyPr/>
+                    <a:lstStyle/>
+                    <a:p>
+                      <a:r>
+                        <a:rPr lang="de-DE" dirty="0"/>
+                        <a:t>0.09</a:t>
+                      </a:r>
+                    </a:p>
+                  </a:txBody>
+                  <a:tcPr/>
+                </a:tc>
+                <a:tc>
+                  <a:txBody>
+                    <a:bodyPr/>
+                    <a:lstStyle/>
+                    <a:p>
+                      <a:r>
+                        <a:rPr lang="de-DE" dirty="0"/>
+                        <a:t>0.91</a:t>
+                      </a:r>
+                    </a:p>
+                  </a:txBody>
+                  <a:tcPr/>
+                </a:tc>
+                <a:extLst>
+                  <a:ext uri="{0D108BD9-81ED-4DB2-BD59-A6C34878D82A}">
+                    <a16:rowId xmlns:a16="http://schemas.microsoft.com/office/drawing/2014/main" val="3957827677"/>
+                  </a:ext>
+                </a:extLst>
+              </a:tr>
+            </a:tbl>
+          </a:graphicData>
+        </a:graphic>
+      </p:graphicFrame>
     </p:spTree>
     <p:extLst>
       <p:ext uri="{BB962C8B-B14F-4D97-AF65-F5344CB8AC3E}">
-        <p14:creationId xmlns:p14="http://schemas.microsoft.com/office/powerpoint/2010/main" val="635418897"/>
+        <p14:creationId xmlns:p14="http://schemas.microsoft.com/office/powerpoint/2010/main" val="1950737104"/>
       </p:ext>
     </p:extLst>
   </p:cSld>

--- a/Final_project/presentation.pptx
+++ b/Final_project/presentation.pptx
@@ -225,7 +225,7 @@
           <a:p>
             <a:fld id="{71BACA97-DCC5-D741-8303-D68B06D997A0}" type="datetimeFigureOut">
               <a:rPr lang="sv-SE" smtClean="0"/>
-              <a:t>2024-05-07</a:t>
+              <a:t>2024-05-09</a:t>
             </a:fld>
             <a:endParaRPr lang="sv-SE"/>
           </a:p>
@@ -796,7 +796,7 @@
           <a:p>
             <a:fld id="{369C0258-E083-684F-B81E-2491FB4EFBD1}" type="datetime1">
               <a:rPr lang="sv-SE" smtClean="0"/>
-              <a:t>2024-05-07</a:t>
+              <a:t>2024-05-09</a:t>
             </a:fld>
             <a:endParaRPr lang="sv-SE"/>
           </a:p>
@@ -1138,7 +1138,7 @@
           <a:p>
             <a:fld id="{08C894E9-0885-714C-A367-BDC2DC59BB91}" type="datetime1">
               <a:rPr lang="sv-SE" smtClean="0"/>
-              <a:t>2024-05-07</a:t>
+              <a:t>2024-05-09</a:t>
             </a:fld>
             <a:endParaRPr lang="sv-SE"/>
           </a:p>
@@ -1572,7 +1572,7 @@
           <a:p>
             <a:fld id="{E926FF3D-704F-D246-9E92-4739AF4BF32C}" type="datetime1">
               <a:rPr lang="sv-SE" smtClean="0"/>
-              <a:t>2024-05-07</a:t>
+              <a:t>2024-05-09</a:t>
             </a:fld>
             <a:endParaRPr lang="sv-SE"/>
           </a:p>
@@ -1785,7 +1785,7 @@
           <a:p>
             <a:fld id="{31CF0965-93C0-9548-8879-5851BCBC049F}" type="datetime1">
               <a:rPr lang="sv-SE" smtClean="0"/>
-              <a:t>2024-05-07</a:t>
+              <a:t>2024-05-09</a:t>
             </a:fld>
             <a:endParaRPr lang="sv-SE"/>
           </a:p>
@@ -2031,7 +2031,7 @@
           <a:p>
             <a:fld id="{E2AD36EE-D7EC-624A-BB6C-F8DADCB0E6B6}" type="datetime1">
               <a:rPr lang="sv-SE" smtClean="0"/>
-              <a:t>2024-05-07</a:t>
+              <a:t>2024-05-09</a:t>
             </a:fld>
             <a:endParaRPr lang="sv-SE"/>
           </a:p>
@@ -2272,7 +2272,7 @@
           <a:p>
             <a:fld id="{CEEB1428-F34F-9743-B7C9-0212F6B23615}" type="datetime1">
               <a:rPr lang="sv-SE" smtClean="0"/>
-              <a:t>2024-05-07</a:t>
+              <a:t>2024-05-09</a:t>
             </a:fld>
             <a:endParaRPr lang="sv-SE"/>
           </a:p>
@@ -2526,7 +2526,7 @@
           <a:p>
             <a:fld id="{117AD585-73D1-4C4C-9D7C-030D27625895}" type="datetime1">
               <a:rPr lang="sv-SE" smtClean="0"/>
-              <a:t>2024-05-07</a:t>
+              <a:t>2024-05-09</a:t>
             </a:fld>
             <a:endParaRPr lang="sv-SE"/>
           </a:p>
@@ -2780,7 +2780,7 @@
           <a:p>
             <a:fld id="{07E8514D-D455-9E46-BC18-4265F6A85EC5}" type="datetime1">
               <a:rPr lang="sv-SE" smtClean="0"/>
-              <a:t>2024-05-07</a:t>
+              <a:t>2024-05-09</a:t>
             </a:fld>
             <a:endParaRPr lang="sv-SE"/>
           </a:p>
@@ -3051,7 +3051,7 @@
           <a:p>
             <a:fld id="{A67A58AE-A0B6-FF4E-B30B-64917FEAC316}" type="datetime1">
               <a:rPr lang="sv-SE" smtClean="0"/>
-              <a:t>2024-05-07</a:t>
+              <a:t>2024-05-09</a:t>
             </a:fld>
             <a:endParaRPr lang="sv-SE"/>
           </a:p>
@@ -3478,7 +3478,7 @@
           <a:p>
             <a:fld id="{3626A2DA-BD88-784C-A132-57FFB928491A}" type="datetime1">
               <a:rPr lang="sv-SE" smtClean="0"/>
-              <a:t>2024-05-07</a:t>
+              <a:t>2024-05-09</a:t>
             </a:fld>
             <a:endParaRPr lang="sv-SE"/>
           </a:p>
@@ -3764,7 +3764,7 @@
           <a:p>
             <a:fld id="{AC15C714-122B-4048-9D2D-1F5A3BEA504A}" type="datetime1">
               <a:rPr lang="sv-SE" smtClean="0"/>
-              <a:t>2024-05-07</a:t>
+              <a:t>2024-05-09</a:t>
             </a:fld>
             <a:endParaRPr lang="sv-SE" dirty="0"/>
           </a:p>
@@ -4146,7 +4146,7 @@
           <a:p>
             <a:fld id="{D7F93862-881E-DF46-AD81-FDB1501BAD48}" type="datetime1">
               <a:rPr lang="sv-SE" smtClean="0"/>
-              <a:t>2024-05-07</a:t>
+              <a:t>2024-05-09</a:t>
             </a:fld>
             <a:endParaRPr lang="sv-SE"/>
           </a:p>
@@ -4623,7 +4623,7 @@
           <a:p>
             <a:fld id="{EE5E874D-60F8-8B45-B36B-3029A6FA7FCB}" type="datetime1">
               <a:rPr lang="sv-SE" smtClean="0"/>
-              <a:t>2024-05-07</a:t>
+              <a:t>2024-05-09</a:t>
             </a:fld>
             <a:endParaRPr lang="sv-SE" dirty="0"/>
           </a:p>
@@ -5085,7 +5085,7 @@
           <a:p>
             <a:fld id="{7FE3A002-8AA0-194E-81B1-1ADE5B52840E}" type="datetime1">
               <a:rPr lang="sv-SE" smtClean="0"/>
-              <a:t>2024-05-07</a:t>
+              <a:t>2024-05-09</a:t>
             </a:fld>
             <a:endParaRPr lang="sv-SE" dirty="0"/>
           </a:p>
@@ -5598,7 +5598,7 @@
           <a:p>
             <a:fld id="{B003E109-5503-A446-83DE-4F0349794E27}" type="datetime1">
               <a:rPr lang="sv-SE" smtClean="0"/>
-              <a:t>2024-05-07</a:t>
+              <a:t>2024-05-09</a:t>
             </a:fld>
             <a:endParaRPr lang="sv-SE" dirty="0"/>
           </a:p>
@@ -6096,7 +6096,7 @@
           <a:p>
             <a:fld id="{1F9706F9-3770-3C47-9C0E-E405B1F87DBD}" type="datetime1">
               <a:rPr lang="sv-SE" smtClean="0"/>
-              <a:t>2024-05-07</a:t>
+              <a:t>2024-05-09</a:t>
             </a:fld>
             <a:endParaRPr lang="sv-SE" dirty="0"/>
           </a:p>
@@ -6558,7 +6558,7 @@
           <a:p>
             <a:fld id="{8E503FC7-D8F6-4243-8CCB-9A739180F56A}" type="datetime1">
               <a:rPr lang="sv-SE" smtClean="0"/>
-              <a:t>2024-05-07</a:t>
+              <a:t>2024-05-09</a:t>
             </a:fld>
             <a:endParaRPr lang="sv-SE" dirty="0"/>
           </a:p>
@@ -7020,7 +7020,7 @@
           <a:p>
             <a:fld id="{9719EDF7-C24A-7E4C-9EBB-98C778ECC35A}" type="datetime1">
               <a:rPr lang="sv-SE" smtClean="0"/>
-              <a:t>2024-05-07</a:t>
+              <a:t>2024-05-09</a:t>
             </a:fld>
             <a:endParaRPr lang="sv-SE" dirty="0"/>
           </a:p>
@@ -7482,7 +7482,7 @@
           <a:p>
             <a:fld id="{6DB96772-CADE-B345-804B-3DF93A11AE0A}" type="datetime1">
               <a:rPr lang="sv-SE" smtClean="0"/>
-              <a:t>2024-05-07</a:t>
+              <a:t>2024-05-09</a:t>
             </a:fld>
             <a:endParaRPr lang="sv-SE" dirty="0"/>
           </a:p>
@@ -7944,7 +7944,7 @@
           <a:p>
             <a:fld id="{669F8B43-28B6-0949-93DC-6B291391CFD4}" type="datetime1">
               <a:rPr lang="sv-SE" smtClean="0"/>
-              <a:t>2024-05-07</a:t>
+              <a:t>2024-05-09</a:t>
             </a:fld>
             <a:endParaRPr lang="sv-SE" dirty="0"/>
           </a:p>
@@ -8164,7 +8164,7 @@
           <a:p>
             <a:fld id="{3450A6BD-1EFB-BD42-9DC0-F0A6BEB4C27D}" type="datetime1">
               <a:rPr lang="sv-SE" smtClean="0"/>
-              <a:t>2024-05-07</a:t>
+              <a:t>2024-05-09</a:t>
             </a:fld>
             <a:endParaRPr lang="sv-SE"/>
           </a:p>
@@ -8455,7 +8455,7 @@
           <a:p>
             <a:fld id="{ADBDFCF2-2839-8D4F-B5E5-9B488CE2E4EE}" type="datetime1">
               <a:rPr lang="sv-SE" smtClean="0"/>
-              <a:t>2024-05-07</a:t>
+              <a:t>2024-05-09</a:t>
             </a:fld>
             <a:endParaRPr lang="sv-SE"/>
           </a:p>
@@ -8819,7 +8819,7 @@
           <a:p>
             <a:fld id="{A1A0D637-CC39-0F47-97F1-76AAE59A5700}" type="datetime1">
               <a:rPr lang="sv-SE" smtClean="0"/>
-              <a:t>2024-05-07</a:t>
+              <a:t>2024-05-09</a:t>
             </a:fld>
             <a:endParaRPr lang="sv-SE"/>
           </a:p>
@@ -9407,7 +9407,7 @@
           <a:p>
             <a:fld id="{47A9746E-62D8-944D-99B0-D98695592DCF}" type="datetime1">
               <a:rPr lang="sv-SE" smtClean="0"/>
-              <a:t>2024-05-07</a:t>
+              <a:t>2024-05-09</a:t>
             </a:fld>
             <a:endParaRPr lang="sv-SE"/>
           </a:p>
@@ -9771,7 +9771,7 @@
           <a:p>
             <a:fld id="{EC42A3C6-0141-7544-8502-44E44E5AD51F}" type="datetime1">
               <a:rPr lang="sv-SE" smtClean="0"/>
-              <a:t>2024-05-07</a:t>
+              <a:t>2024-05-09</a:t>
             </a:fld>
             <a:endParaRPr lang="sv-SE"/>
           </a:p>
@@ -10387,7 +10387,7 @@
           <a:p>
             <a:fld id="{5A8E03F6-2D99-9C4F-8DF5-D169CFDD1A0C}" type="datetime1">
               <a:rPr lang="sv-SE" smtClean="0"/>
-              <a:t>2024-05-07</a:t>
+              <a:t>2024-05-09</a:t>
             </a:fld>
             <a:endParaRPr lang="sv-SE"/>
           </a:p>
@@ -10824,7 +10824,7 @@
           <a:p>
             <a:fld id="{8AF63115-71BE-3E46-BB5A-A4600F1506C7}" type="datetime1">
               <a:rPr lang="sv-SE" smtClean="0"/>
-              <a:t>2024-05-07</a:t>
+              <a:t>2024-05-09</a:t>
             </a:fld>
             <a:endParaRPr lang="sv-SE"/>
           </a:p>
@@ -11597,7 +11597,7 @@
           <a:p>
             <a:fld id="{309FED66-59CE-6445-BA05-B37954B8CE47}" type="datetime1">
               <a:rPr lang="sv-SE" smtClean="0"/>
-              <a:t>2024-05-07</a:t>
+              <a:t>2024-05-09</a:t>
             </a:fld>
             <a:endParaRPr lang="sv-SE"/>
           </a:p>
@@ -11742,7 +11742,7 @@
           <a:p>
             <a:fld id="{8C332B6B-9A86-944B-B689-8453757791DF}" type="datetime1">
               <a:rPr lang="sv-SE" smtClean="0"/>
-              <a:t>2024-05-07</a:t>
+              <a:t>2024-05-09</a:t>
             </a:fld>
             <a:endParaRPr lang="sv-SE" dirty="0"/>
           </a:p>
@@ -11889,7 +11889,7 @@
           <a:p>
             <a:fld id="{1957E16A-1246-F744-BDA8-D5896FB385F8}" type="datetime1">
               <a:rPr lang="sv-SE" smtClean="0"/>
-              <a:t>2024-05-07</a:t>
+              <a:t>2024-05-09</a:t>
             </a:fld>
             <a:endParaRPr lang="sv-SE" dirty="0"/>
           </a:p>
@@ -12074,7 +12074,7 @@
           <a:p>
             <a:fld id="{68888E78-A3E8-2E47-A37C-B0DACC4AC38C}" type="datetime1">
               <a:rPr lang="sv-SE" smtClean="0"/>
-              <a:t>2024-05-07</a:t>
+              <a:t>2024-05-09</a:t>
             </a:fld>
             <a:endParaRPr lang="sv-SE" dirty="0"/>
           </a:p>
@@ -12267,7 +12267,7 @@
           <a:p>
             <a:fld id="{AC1801B8-2ABD-E645-B0F3-2F4D3FFFF5AE}" type="datetime1">
               <a:rPr lang="sv-SE" smtClean="0"/>
-              <a:t>2024-05-07</a:t>
+              <a:t>2024-05-09</a:t>
             </a:fld>
             <a:endParaRPr lang="sv-SE" dirty="0"/>
           </a:p>
@@ -12460,7 +12460,7 @@
           <a:p>
             <a:fld id="{164FA935-6078-184F-946C-D8B2130A7BC4}" type="datetime1">
               <a:rPr lang="sv-SE" smtClean="0"/>
-              <a:t>2024-05-07</a:t>
+              <a:t>2024-05-09</a:t>
             </a:fld>
             <a:endParaRPr lang="sv-SE" dirty="0"/>
           </a:p>
@@ -12821,7 +12821,7 @@
           <a:p>
             <a:fld id="{FC84D86F-77A2-B649-9DAB-4D28280CD96F}" type="datetime1">
               <a:rPr lang="sv-SE" smtClean="0"/>
-              <a:t>2024-05-07</a:t>
+              <a:t>2024-05-09</a:t>
             </a:fld>
             <a:endParaRPr lang="sv-SE"/>
           </a:p>
@@ -12937,7 +12937,7 @@
           <a:p>
             <a:fld id="{878DDE6C-6786-8C48-9317-AF0776715ACF}" type="datetime1">
               <a:rPr lang="sv-SE" smtClean="0"/>
-              <a:t>2024-05-07</a:t>
+              <a:t>2024-05-09</a:t>
             </a:fld>
             <a:endParaRPr lang="sv-SE"/>
           </a:p>
@@ -13154,7 +13154,7 @@
           <a:p>
             <a:fld id="{31CF0965-93C0-9548-8879-5851BCBC049F}" type="datetime1">
               <a:rPr lang="sv-SE" smtClean="0"/>
-              <a:t>2024-05-07</a:t>
+              <a:t>2024-05-09</a:t>
             </a:fld>
             <a:endParaRPr lang="sv-SE"/>
           </a:p>
@@ -13308,7 +13308,7 @@
           <a:p>
             <a:fld id="{31CF0965-93C0-9548-8879-5851BCBC049F}" type="datetime1">
               <a:rPr lang="sv-SE" smtClean="0"/>
-              <a:t>2024-05-07</a:t>
+              <a:t>2024-05-09</a:t>
             </a:fld>
             <a:endParaRPr lang="sv-SE"/>
           </a:p>
@@ -13476,7 +13476,7 @@
           <a:p>
             <a:fld id="{3A3328FD-6257-AC43-9CE4-2903A4D2BB9D}" type="datetime1">
               <a:rPr lang="sv-SE" smtClean="0"/>
-              <a:t>2024-05-07</a:t>
+              <a:t>2024-05-09</a:t>
             </a:fld>
             <a:endParaRPr lang="sv-SE" dirty="0"/>
           </a:p>
@@ -13738,7 +13738,7 @@
           <a:p>
             <a:fld id="{32BABC24-2A82-014C-9256-A51302708EE4}" type="datetime1">
               <a:rPr lang="sv-SE" smtClean="0"/>
-              <a:t>2024-05-07</a:t>
+              <a:t>2024-05-09</a:t>
             </a:fld>
             <a:endParaRPr lang="sv-SE" dirty="0"/>
           </a:p>
@@ -14043,7 +14043,7 @@
           <a:p>
             <a:fld id="{77AA192B-9140-F746-B429-ACF197DC5439}" type="datetime1">
               <a:rPr lang="sv-SE" smtClean="0"/>
-              <a:t>2024-05-07</a:t>
+              <a:t>2024-05-09</a:t>
             </a:fld>
             <a:endParaRPr lang="sv-SE" dirty="0"/>
           </a:p>
@@ -20258,7 +20258,7 @@
           <a:p>
             <a:fld id="{120FD48D-1F42-B341-AF85-AE480DB64991}" type="datetime1">
               <a:rPr lang="sv-SE" smtClean="0"/>
-              <a:t>2024-05-07</a:t>
+              <a:t>2024-05-09</a:t>
             </a:fld>
             <a:endParaRPr lang="sv-SE" dirty="0"/>
           </a:p>
@@ -20818,7 +20818,7 @@
           <a:p>
             <a:fld id="{45830D3C-297D-AF4B-BF84-42155CB091D6}" type="datetime1">
               <a:rPr lang="sv-SE" smtClean="0"/>
-              <a:t>2024-05-07</a:t>
+              <a:t>2024-05-09</a:t>
             </a:fld>
             <a:endParaRPr lang="sv-SE" dirty="0"/>
           </a:p>
@@ -21592,7 +21592,7 @@
           <a:p>
             <a:fld id="{275DBF22-A5DA-3B43-92C3-F6BCD51A4216}" type="datetime1">
               <a:rPr lang="sv-SE" smtClean="0"/>
-              <a:t>2024-05-07</a:t>
+              <a:t>2024-05-09</a:t>
             </a:fld>
             <a:endParaRPr lang="sv-SE"/>
           </a:p>
@@ -21913,7 +21913,7 @@
           <a:p>
             <a:fld id="{230F5ACA-7455-4642-BFE0-35A3360E2D3F}" type="datetime1">
               <a:rPr lang="sv-SE" smtClean="0"/>
-              <a:t>2024-05-07</a:t>
+              <a:t>2024-05-09</a:t>
             </a:fld>
             <a:endParaRPr lang="sv-SE"/>
           </a:p>
@@ -22300,7 +22300,7 @@
           <a:p>
             <a:fld id="{237029E1-9B44-DE43-98B9-EBAFD8B9E3F1}" type="datetime1">
               <a:rPr lang="sv-SE" smtClean="0"/>
-              <a:t>2024-05-07</a:t>
+              <a:t>2024-05-09</a:t>
             </a:fld>
             <a:endParaRPr lang="sv-SE"/>
           </a:p>
@@ -22643,7 +22643,7 @@
           <a:p>
             <a:fld id="{EECCBBAF-5C49-D145-9814-61A8103632A9}" type="datetime1">
               <a:rPr lang="sv-SE" smtClean="0"/>
-              <a:t>2024-05-07</a:t>
+              <a:t>2024-05-09</a:t>
             </a:fld>
             <a:endParaRPr lang="sv-SE"/>
           </a:p>
@@ -23072,7 +23072,7 @@
           <a:p>
             <a:fld id="{823D8581-A4D9-BE4A-AEA5-9282CF05EB42}" type="datetime1">
               <a:rPr lang="sv-SE" smtClean="0"/>
-              <a:t>2024-05-07</a:t>
+              <a:t>2024-05-09</a:t>
             </a:fld>
             <a:endParaRPr lang="sv-SE"/>
           </a:p>
@@ -23332,7 +23332,7 @@
           <a:p>
             <a:fld id="{888E4D63-BE2C-4D4B-BBD2-256262659A9F}" type="datetime1">
               <a:rPr lang="sv-SE" smtClean="0"/>
-              <a:t>2024-05-07</a:t>
+              <a:t>2024-05-09</a:t>
             </a:fld>
             <a:endParaRPr lang="sv-SE" dirty="0"/>
           </a:p>
@@ -24039,14 +24039,31 @@
             <p:ph type="subTitle" idx="1"/>
           </p:nvPr>
         </p:nvSpPr>
-        <p:spPr/>
-        <p:txBody>
-          <a:bodyPr/>
+        <p:spPr>
+          <a:xfrm>
+            <a:off x="124408" y="5226050"/>
+            <a:ext cx="11943184" cy="1398685"/>
+          </a:xfrm>
+        </p:spPr>
+        <p:txBody>
+          <a:bodyPr>
+            <a:normAutofit/>
+          </a:bodyPr>
           <a:lstStyle/>
           <a:p>
             <a:r>
               <a:rPr lang="sv-SE" dirty="0"/>
               <a:t>Theresa Hösl</a:t>
+            </a:r>
+          </a:p>
+          <a:p>
+            <a:r>
+              <a:rPr lang="sv-SE" dirty="0" err="1"/>
+              <a:t>Repository</a:t>
+            </a:r>
+            <a:r>
+              <a:rPr lang="sv-SE" dirty="0"/>
+              <a:t>: https://github.com/TheresaHoesl/PatternRecognition_MachineLearning/tree/main/Final_project</a:t>
             </a:r>
           </a:p>
         </p:txBody>
@@ -24628,7 +24645,19 @@
               <a:rPr lang="en-US" dirty="0">
                 <a:effectLst/>
               </a:rPr>
-              <a:t>Sequence of column vectors of length three captured by phone’s app while performing the activities.</a:t>
+              <a:t>Sequence of column vectors of length three (ax, ay, </a:t>
+            </a:r>
+            <a:r>
+              <a:rPr lang="en-US" dirty="0" err="1">
+                <a:effectLst/>
+              </a:rPr>
+              <a:t>az</a:t>
+            </a:r>
+            <a:r>
+              <a:rPr lang="en-US" dirty="0">
+                <a:effectLst/>
+              </a:rPr>
+              <a:t>) captured by phone’s app while performing the activities.</a:t>
             </a:r>
           </a:p>
           <a:p>
@@ -24993,6 +25022,14 @@
             <a:r>
               <a:rPr lang="de-DE" dirty="0"/>
               <a:t> </a:t>
+            </a:r>
+            <a:r>
+              <a:rPr lang="de-DE" dirty="0" err="1"/>
+              <a:t>for</a:t>
+            </a:r>
+            <a:r>
+              <a:rPr lang="de-DE" dirty="0"/>
+              <a:t> 5 sec </a:t>
             </a:r>
             <a:r>
               <a:rPr lang="en-US" dirty="0"/>
@@ -25919,7 +25956,7 @@
                     <a:ea typeface="+mn-ea"/>
                     <a:cs typeface="+mn-cs"/>
                   </a:rPr>
-                  <a:t>x,y,z</a:t>
+                  <a:t>ax,ay,az</a:t>
                 </a:r>
                 <a:r>
                   <a:rPr lang="en-GB" sz="2000" kern="1200" dirty="0">

--- a/Final_project/presentation.pptx
+++ b/Final_project/presentation.pptx
@@ -24223,12 +24223,13 @@
         </p:nvPicPr>
         <p:blipFill>
           <a:blip r:embed="rId2"/>
+          <a:srcRect/>
           <a:stretch/>
         </p:blipFill>
         <p:spPr>
           <a:xfrm>
-            <a:off x="6275388" y="1969051"/>
-            <a:ext cx="5314950" cy="4185523"/>
+            <a:off x="6275388" y="1971819"/>
+            <a:ext cx="5314950" cy="4179986"/>
           </a:xfrm>
           <a:prstGeom prst="rect">
             <a:avLst/>
@@ -25917,8 +25918,8 @@
           </a:p>
         </p:txBody>
       </p:sp>
-      <mc:AlternateContent xmlns:mc="http://schemas.openxmlformats.org/markup-compatibility/2006">
-        <mc:Choice xmlns:a14="http://schemas.microsoft.com/office/drawing/2010/main" Requires="a14">
+      <mc:AlternateContent xmlns:mc="http://schemas.openxmlformats.org/markup-compatibility/2006" xmlns:a14="http://schemas.microsoft.com/office/drawing/2010/main">
+        <mc:Choice Requires="a14">
           <p:sp>
             <p:nvSpPr>
               <p:cNvPr id="5" name="Content Placeholder 4">
@@ -26852,7 +26853,7 @@
             </p:txBody>
           </p:sp>
         </mc:Choice>
-        <mc:Fallback>
+        <mc:Fallback xmlns="">
           <p:sp>
             <p:nvSpPr>
               <p:cNvPr id="5" name="Content Placeholder 4">
@@ -28339,7 +28340,7 @@
           <p:nvPr>
             <p:extLst>
               <p:ext uri="{D42A27DB-BD31-4B8C-83A1-F6EECF244321}">
-                <p14:modId xmlns:p14="http://schemas.microsoft.com/office/powerpoint/2010/main" val="3801056987"/>
+                <p14:modId xmlns:p14="http://schemas.microsoft.com/office/powerpoint/2010/main" val="3105375355"/>
               </p:ext>
             </p:extLst>
           </p:nvPr>
@@ -28478,7 +28479,7 @@
                     <a:p>
                       <a:r>
                         <a:rPr lang="de-DE" dirty="0"/>
-                        <a:t>0.85</a:t>
+                        <a:t>0.86</a:t>
                       </a:r>
                     </a:p>
                   </a:txBody>
@@ -28491,7 +28492,7 @@
                     <a:p>
                       <a:r>
                         <a:rPr lang="de-DE" dirty="0"/>
-                        <a:t>0.91</a:t>
+                        <a:t>0.94</a:t>
                       </a:r>
                     </a:p>
                   </a:txBody>
@@ -28522,7 +28523,7 @@
           <p:nvPr>
             <p:extLst>
               <p:ext uri="{D42A27DB-BD31-4B8C-83A1-F6EECF244321}">
-                <p14:modId xmlns:p14="http://schemas.microsoft.com/office/powerpoint/2010/main" val="907136305"/>
+                <p14:modId xmlns:p14="http://schemas.microsoft.com/office/powerpoint/2010/main" val="3845331210"/>
               </p:ext>
             </p:extLst>
           </p:nvPr>
@@ -28752,7 +28753,7 @@
                     <a:p>
                       <a:r>
                         <a:rPr lang="de-DE" dirty="0"/>
-                        <a:t>0.85</a:t>
+                        <a:t>0.86</a:t>
                       </a:r>
                     </a:p>
                   </a:txBody>
@@ -28765,7 +28766,7 @@
                     <a:p>
                       <a:r>
                         <a:rPr lang="de-DE" dirty="0"/>
-                        <a:t>0.15</a:t>
+                        <a:t>0.14</a:t>
                       </a:r>
                     </a:p>
                   </a:txBody>
@@ -28822,9 +28823,10 @@
                     <a:lstStyle/>
                     <a:p>
                       <a:r>
-                        <a:rPr lang="de-DE" dirty="0"/>
-                        <a:t>0.09</a:t>
+                        <a:rPr lang="de-DE"/>
+                        <a:t>0.06</a:t>
                       </a:r>
+                      <a:endParaRPr lang="de-DE" dirty="0"/>
                     </a:p>
                   </a:txBody>
                   <a:tcPr/>
@@ -28836,7 +28838,7 @@
                     <a:p>
                       <a:r>
                         <a:rPr lang="de-DE" dirty="0"/>
-                        <a:t>0.91</a:t>
+                        <a:t>0.94</a:t>
                       </a:r>
                     </a:p>
                   </a:txBody>

--- a/Final_project/presentation.pptx
+++ b/Final_project/presentation.pptx
@@ -225,7 +225,7 @@
           <a:p>
             <a:fld id="{71BACA97-DCC5-D741-8303-D68B06D997A0}" type="datetimeFigureOut">
               <a:rPr lang="sv-SE" smtClean="0"/>
-              <a:t>2024-05-09</a:t>
+              <a:t>2024-05-14</a:t>
             </a:fld>
             <a:endParaRPr lang="sv-SE"/>
           </a:p>
@@ -796,7 +796,7 @@
           <a:p>
             <a:fld id="{369C0258-E083-684F-B81E-2491FB4EFBD1}" type="datetime1">
               <a:rPr lang="sv-SE" smtClean="0"/>
-              <a:t>2024-05-09</a:t>
+              <a:t>2024-05-14</a:t>
             </a:fld>
             <a:endParaRPr lang="sv-SE"/>
           </a:p>
@@ -1138,7 +1138,7 @@
           <a:p>
             <a:fld id="{08C894E9-0885-714C-A367-BDC2DC59BB91}" type="datetime1">
               <a:rPr lang="sv-SE" smtClean="0"/>
-              <a:t>2024-05-09</a:t>
+              <a:t>2024-05-14</a:t>
             </a:fld>
             <a:endParaRPr lang="sv-SE"/>
           </a:p>
@@ -1572,7 +1572,7 @@
           <a:p>
             <a:fld id="{E926FF3D-704F-D246-9E92-4739AF4BF32C}" type="datetime1">
               <a:rPr lang="sv-SE" smtClean="0"/>
-              <a:t>2024-05-09</a:t>
+              <a:t>2024-05-14</a:t>
             </a:fld>
             <a:endParaRPr lang="sv-SE"/>
           </a:p>
@@ -1785,7 +1785,7 @@
           <a:p>
             <a:fld id="{31CF0965-93C0-9548-8879-5851BCBC049F}" type="datetime1">
               <a:rPr lang="sv-SE" smtClean="0"/>
-              <a:t>2024-05-09</a:t>
+              <a:t>2024-05-14</a:t>
             </a:fld>
             <a:endParaRPr lang="sv-SE"/>
           </a:p>
@@ -2031,7 +2031,7 @@
           <a:p>
             <a:fld id="{E2AD36EE-D7EC-624A-BB6C-F8DADCB0E6B6}" type="datetime1">
               <a:rPr lang="sv-SE" smtClean="0"/>
-              <a:t>2024-05-09</a:t>
+              <a:t>2024-05-14</a:t>
             </a:fld>
             <a:endParaRPr lang="sv-SE"/>
           </a:p>
@@ -2272,7 +2272,7 @@
           <a:p>
             <a:fld id="{CEEB1428-F34F-9743-B7C9-0212F6B23615}" type="datetime1">
               <a:rPr lang="sv-SE" smtClean="0"/>
-              <a:t>2024-05-09</a:t>
+              <a:t>2024-05-14</a:t>
             </a:fld>
             <a:endParaRPr lang="sv-SE"/>
           </a:p>
@@ -2526,7 +2526,7 @@
           <a:p>
             <a:fld id="{117AD585-73D1-4C4C-9D7C-030D27625895}" type="datetime1">
               <a:rPr lang="sv-SE" smtClean="0"/>
-              <a:t>2024-05-09</a:t>
+              <a:t>2024-05-14</a:t>
             </a:fld>
             <a:endParaRPr lang="sv-SE"/>
           </a:p>
@@ -2780,7 +2780,7 @@
           <a:p>
             <a:fld id="{07E8514D-D455-9E46-BC18-4265F6A85EC5}" type="datetime1">
               <a:rPr lang="sv-SE" smtClean="0"/>
-              <a:t>2024-05-09</a:t>
+              <a:t>2024-05-14</a:t>
             </a:fld>
             <a:endParaRPr lang="sv-SE"/>
           </a:p>
@@ -3051,7 +3051,7 @@
           <a:p>
             <a:fld id="{A67A58AE-A0B6-FF4E-B30B-64917FEAC316}" type="datetime1">
               <a:rPr lang="sv-SE" smtClean="0"/>
-              <a:t>2024-05-09</a:t>
+              <a:t>2024-05-14</a:t>
             </a:fld>
             <a:endParaRPr lang="sv-SE"/>
           </a:p>
@@ -3478,7 +3478,7 @@
           <a:p>
             <a:fld id="{3626A2DA-BD88-784C-A132-57FFB928491A}" type="datetime1">
               <a:rPr lang="sv-SE" smtClean="0"/>
-              <a:t>2024-05-09</a:t>
+              <a:t>2024-05-14</a:t>
             </a:fld>
             <a:endParaRPr lang="sv-SE"/>
           </a:p>
@@ -3764,7 +3764,7 @@
           <a:p>
             <a:fld id="{AC15C714-122B-4048-9D2D-1F5A3BEA504A}" type="datetime1">
               <a:rPr lang="sv-SE" smtClean="0"/>
-              <a:t>2024-05-09</a:t>
+              <a:t>2024-05-14</a:t>
             </a:fld>
             <a:endParaRPr lang="sv-SE" dirty="0"/>
           </a:p>
@@ -4146,7 +4146,7 @@
           <a:p>
             <a:fld id="{D7F93862-881E-DF46-AD81-FDB1501BAD48}" type="datetime1">
               <a:rPr lang="sv-SE" smtClean="0"/>
-              <a:t>2024-05-09</a:t>
+              <a:t>2024-05-14</a:t>
             </a:fld>
             <a:endParaRPr lang="sv-SE"/>
           </a:p>
@@ -4623,7 +4623,7 @@
           <a:p>
             <a:fld id="{EE5E874D-60F8-8B45-B36B-3029A6FA7FCB}" type="datetime1">
               <a:rPr lang="sv-SE" smtClean="0"/>
-              <a:t>2024-05-09</a:t>
+              <a:t>2024-05-14</a:t>
             </a:fld>
             <a:endParaRPr lang="sv-SE" dirty="0"/>
           </a:p>
@@ -5085,7 +5085,7 @@
           <a:p>
             <a:fld id="{7FE3A002-8AA0-194E-81B1-1ADE5B52840E}" type="datetime1">
               <a:rPr lang="sv-SE" smtClean="0"/>
-              <a:t>2024-05-09</a:t>
+              <a:t>2024-05-14</a:t>
             </a:fld>
             <a:endParaRPr lang="sv-SE" dirty="0"/>
           </a:p>
@@ -5598,7 +5598,7 @@
           <a:p>
             <a:fld id="{B003E109-5503-A446-83DE-4F0349794E27}" type="datetime1">
               <a:rPr lang="sv-SE" smtClean="0"/>
-              <a:t>2024-05-09</a:t>
+              <a:t>2024-05-14</a:t>
             </a:fld>
             <a:endParaRPr lang="sv-SE" dirty="0"/>
           </a:p>
@@ -6096,7 +6096,7 @@
           <a:p>
             <a:fld id="{1F9706F9-3770-3C47-9C0E-E405B1F87DBD}" type="datetime1">
               <a:rPr lang="sv-SE" smtClean="0"/>
-              <a:t>2024-05-09</a:t>
+              <a:t>2024-05-14</a:t>
             </a:fld>
             <a:endParaRPr lang="sv-SE" dirty="0"/>
           </a:p>
@@ -6558,7 +6558,7 @@
           <a:p>
             <a:fld id="{8E503FC7-D8F6-4243-8CCB-9A739180F56A}" type="datetime1">
               <a:rPr lang="sv-SE" smtClean="0"/>
-              <a:t>2024-05-09</a:t>
+              <a:t>2024-05-14</a:t>
             </a:fld>
             <a:endParaRPr lang="sv-SE" dirty="0"/>
           </a:p>
@@ -7020,7 +7020,7 @@
           <a:p>
             <a:fld id="{9719EDF7-C24A-7E4C-9EBB-98C778ECC35A}" type="datetime1">
               <a:rPr lang="sv-SE" smtClean="0"/>
-              <a:t>2024-05-09</a:t>
+              <a:t>2024-05-14</a:t>
             </a:fld>
             <a:endParaRPr lang="sv-SE" dirty="0"/>
           </a:p>
@@ -7482,7 +7482,7 @@
           <a:p>
             <a:fld id="{6DB96772-CADE-B345-804B-3DF93A11AE0A}" type="datetime1">
               <a:rPr lang="sv-SE" smtClean="0"/>
-              <a:t>2024-05-09</a:t>
+              <a:t>2024-05-14</a:t>
             </a:fld>
             <a:endParaRPr lang="sv-SE" dirty="0"/>
           </a:p>
@@ -7944,7 +7944,7 @@
           <a:p>
             <a:fld id="{669F8B43-28B6-0949-93DC-6B291391CFD4}" type="datetime1">
               <a:rPr lang="sv-SE" smtClean="0"/>
-              <a:t>2024-05-09</a:t>
+              <a:t>2024-05-14</a:t>
             </a:fld>
             <a:endParaRPr lang="sv-SE" dirty="0"/>
           </a:p>
@@ -8164,7 +8164,7 @@
           <a:p>
             <a:fld id="{3450A6BD-1EFB-BD42-9DC0-F0A6BEB4C27D}" type="datetime1">
               <a:rPr lang="sv-SE" smtClean="0"/>
-              <a:t>2024-05-09</a:t>
+              <a:t>2024-05-14</a:t>
             </a:fld>
             <a:endParaRPr lang="sv-SE"/>
           </a:p>
@@ -8455,7 +8455,7 @@
           <a:p>
             <a:fld id="{ADBDFCF2-2839-8D4F-B5E5-9B488CE2E4EE}" type="datetime1">
               <a:rPr lang="sv-SE" smtClean="0"/>
-              <a:t>2024-05-09</a:t>
+              <a:t>2024-05-14</a:t>
             </a:fld>
             <a:endParaRPr lang="sv-SE"/>
           </a:p>
@@ -8819,7 +8819,7 @@
           <a:p>
             <a:fld id="{A1A0D637-CC39-0F47-97F1-76AAE59A5700}" type="datetime1">
               <a:rPr lang="sv-SE" smtClean="0"/>
-              <a:t>2024-05-09</a:t>
+              <a:t>2024-05-14</a:t>
             </a:fld>
             <a:endParaRPr lang="sv-SE"/>
           </a:p>
@@ -9407,7 +9407,7 @@
           <a:p>
             <a:fld id="{47A9746E-62D8-944D-99B0-D98695592DCF}" type="datetime1">
               <a:rPr lang="sv-SE" smtClean="0"/>
-              <a:t>2024-05-09</a:t>
+              <a:t>2024-05-14</a:t>
             </a:fld>
             <a:endParaRPr lang="sv-SE"/>
           </a:p>
@@ -9771,7 +9771,7 @@
           <a:p>
             <a:fld id="{EC42A3C6-0141-7544-8502-44E44E5AD51F}" type="datetime1">
               <a:rPr lang="sv-SE" smtClean="0"/>
-              <a:t>2024-05-09</a:t>
+              <a:t>2024-05-14</a:t>
             </a:fld>
             <a:endParaRPr lang="sv-SE"/>
           </a:p>
@@ -10387,7 +10387,7 @@
           <a:p>
             <a:fld id="{5A8E03F6-2D99-9C4F-8DF5-D169CFDD1A0C}" type="datetime1">
               <a:rPr lang="sv-SE" smtClean="0"/>
-              <a:t>2024-05-09</a:t>
+              <a:t>2024-05-14</a:t>
             </a:fld>
             <a:endParaRPr lang="sv-SE"/>
           </a:p>
@@ -10824,7 +10824,7 @@
           <a:p>
             <a:fld id="{8AF63115-71BE-3E46-BB5A-A4600F1506C7}" type="datetime1">
               <a:rPr lang="sv-SE" smtClean="0"/>
-              <a:t>2024-05-09</a:t>
+              <a:t>2024-05-14</a:t>
             </a:fld>
             <a:endParaRPr lang="sv-SE"/>
           </a:p>
@@ -11597,7 +11597,7 @@
           <a:p>
             <a:fld id="{309FED66-59CE-6445-BA05-B37954B8CE47}" type="datetime1">
               <a:rPr lang="sv-SE" smtClean="0"/>
-              <a:t>2024-05-09</a:t>
+              <a:t>2024-05-14</a:t>
             </a:fld>
             <a:endParaRPr lang="sv-SE"/>
           </a:p>
@@ -11742,7 +11742,7 @@
           <a:p>
             <a:fld id="{8C332B6B-9A86-944B-B689-8453757791DF}" type="datetime1">
               <a:rPr lang="sv-SE" smtClean="0"/>
-              <a:t>2024-05-09</a:t>
+              <a:t>2024-05-14</a:t>
             </a:fld>
             <a:endParaRPr lang="sv-SE" dirty="0"/>
           </a:p>
@@ -11889,7 +11889,7 @@
           <a:p>
             <a:fld id="{1957E16A-1246-F744-BDA8-D5896FB385F8}" type="datetime1">
               <a:rPr lang="sv-SE" smtClean="0"/>
-              <a:t>2024-05-09</a:t>
+              <a:t>2024-05-14</a:t>
             </a:fld>
             <a:endParaRPr lang="sv-SE" dirty="0"/>
           </a:p>
@@ -12074,7 +12074,7 @@
           <a:p>
             <a:fld id="{68888E78-A3E8-2E47-A37C-B0DACC4AC38C}" type="datetime1">
               <a:rPr lang="sv-SE" smtClean="0"/>
-              <a:t>2024-05-09</a:t>
+              <a:t>2024-05-14</a:t>
             </a:fld>
             <a:endParaRPr lang="sv-SE" dirty="0"/>
           </a:p>
@@ -12267,7 +12267,7 @@
           <a:p>
             <a:fld id="{AC1801B8-2ABD-E645-B0F3-2F4D3FFFF5AE}" type="datetime1">
               <a:rPr lang="sv-SE" smtClean="0"/>
-              <a:t>2024-05-09</a:t>
+              <a:t>2024-05-14</a:t>
             </a:fld>
             <a:endParaRPr lang="sv-SE" dirty="0"/>
           </a:p>
@@ -12460,7 +12460,7 @@
           <a:p>
             <a:fld id="{164FA935-6078-184F-946C-D8B2130A7BC4}" type="datetime1">
               <a:rPr lang="sv-SE" smtClean="0"/>
-              <a:t>2024-05-09</a:t>
+              <a:t>2024-05-14</a:t>
             </a:fld>
             <a:endParaRPr lang="sv-SE" dirty="0"/>
           </a:p>
@@ -12821,7 +12821,7 @@
           <a:p>
             <a:fld id="{FC84D86F-77A2-B649-9DAB-4D28280CD96F}" type="datetime1">
               <a:rPr lang="sv-SE" smtClean="0"/>
-              <a:t>2024-05-09</a:t>
+              <a:t>2024-05-14</a:t>
             </a:fld>
             <a:endParaRPr lang="sv-SE"/>
           </a:p>
@@ -12937,7 +12937,7 @@
           <a:p>
             <a:fld id="{878DDE6C-6786-8C48-9317-AF0776715ACF}" type="datetime1">
               <a:rPr lang="sv-SE" smtClean="0"/>
-              <a:t>2024-05-09</a:t>
+              <a:t>2024-05-14</a:t>
             </a:fld>
             <a:endParaRPr lang="sv-SE"/>
           </a:p>
@@ -13154,7 +13154,7 @@
           <a:p>
             <a:fld id="{31CF0965-93C0-9548-8879-5851BCBC049F}" type="datetime1">
               <a:rPr lang="sv-SE" smtClean="0"/>
-              <a:t>2024-05-09</a:t>
+              <a:t>2024-05-14</a:t>
             </a:fld>
             <a:endParaRPr lang="sv-SE"/>
           </a:p>
@@ -13308,7 +13308,7 @@
           <a:p>
             <a:fld id="{31CF0965-93C0-9548-8879-5851BCBC049F}" type="datetime1">
               <a:rPr lang="sv-SE" smtClean="0"/>
-              <a:t>2024-05-09</a:t>
+              <a:t>2024-05-14</a:t>
             </a:fld>
             <a:endParaRPr lang="sv-SE"/>
           </a:p>
@@ -13476,7 +13476,7 @@
           <a:p>
             <a:fld id="{3A3328FD-6257-AC43-9CE4-2903A4D2BB9D}" type="datetime1">
               <a:rPr lang="sv-SE" smtClean="0"/>
-              <a:t>2024-05-09</a:t>
+              <a:t>2024-05-14</a:t>
             </a:fld>
             <a:endParaRPr lang="sv-SE" dirty="0"/>
           </a:p>
@@ -13738,7 +13738,7 @@
           <a:p>
             <a:fld id="{32BABC24-2A82-014C-9256-A51302708EE4}" type="datetime1">
               <a:rPr lang="sv-SE" smtClean="0"/>
-              <a:t>2024-05-09</a:t>
+              <a:t>2024-05-14</a:t>
             </a:fld>
             <a:endParaRPr lang="sv-SE" dirty="0"/>
           </a:p>
@@ -14043,7 +14043,7 @@
           <a:p>
             <a:fld id="{77AA192B-9140-F746-B429-ACF197DC5439}" type="datetime1">
               <a:rPr lang="sv-SE" smtClean="0"/>
-              <a:t>2024-05-09</a:t>
+              <a:t>2024-05-14</a:t>
             </a:fld>
             <a:endParaRPr lang="sv-SE" dirty="0"/>
           </a:p>
@@ -20258,7 +20258,7 @@
           <a:p>
             <a:fld id="{120FD48D-1F42-B341-AF85-AE480DB64991}" type="datetime1">
               <a:rPr lang="sv-SE" smtClean="0"/>
-              <a:t>2024-05-09</a:t>
+              <a:t>2024-05-14</a:t>
             </a:fld>
             <a:endParaRPr lang="sv-SE" dirty="0"/>
           </a:p>
@@ -20818,7 +20818,7 @@
           <a:p>
             <a:fld id="{45830D3C-297D-AF4B-BF84-42155CB091D6}" type="datetime1">
               <a:rPr lang="sv-SE" smtClean="0"/>
-              <a:t>2024-05-09</a:t>
+              <a:t>2024-05-14</a:t>
             </a:fld>
             <a:endParaRPr lang="sv-SE" dirty="0"/>
           </a:p>
@@ -21592,7 +21592,7 @@
           <a:p>
             <a:fld id="{275DBF22-A5DA-3B43-92C3-F6BCD51A4216}" type="datetime1">
               <a:rPr lang="sv-SE" smtClean="0"/>
-              <a:t>2024-05-09</a:t>
+              <a:t>2024-05-14</a:t>
             </a:fld>
             <a:endParaRPr lang="sv-SE"/>
           </a:p>
@@ -21913,7 +21913,7 @@
           <a:p>
             <a:fld id="{230F5ACA-7455-4642-BFE0-35A3360E2D3F}" type="datetime1">
               <a:rPr lang="sv-SE" smtClean="0"/>
-              <a:t>2024-05-09</a:t>
+              <a:t>2024-05-14</a:t>
             </a:fld>
             <a:endParaRPr lang="sv-SE"/>
           </a:p>
@@ -22300,7 +22300,7 @@
           <a:p>
             <a:fld id="{237029E1-9B44-DE43-98B9-EBAFD8B9E3F1}" type="datetime1">
               <a:rPr lang="sv-SE" smtClean="0"/>
-              <a:t>2024-05-09</a:t>
+              <a:t>2024-05-14</a:t>
             </a:fld>
             <a:endParaRPr lang="sv-SE"/>
           </a:p>
@@ -22643,7 +22643,7 @@
           <a:p>
             <a:fld id="{EECCBBAF-5C49-D145-9814-61A8103632A9}" type="datetime1">
               <a:rPr lang="sv-SE" smtClean="0"/>
-              <a:t>2024-05-09</a:t>
+              <a:t>2024-05-14</a:t>
             </a:fld>
             <a:endParaRPr lang="sv-SE"/>
           </a:p>
@@ -23072,7 +23072,7 @@
           <a:p>
             <a:fld id="{823D8581-A4D9-BE4A-AEA5-9282CF05EB42}" type="datetime1">
               <a:rPr lang="sv-SE" smtClean="0"/>
-              <a:t>2024-05-09</a:t>
+              <a:t>2024-05-14</a:t>
             </a:fld>
             <a:endParaRPr lang="sv-SE"/>
           </a:p>
@@ -23332,7 +23332,7 @@
           <a:p>
             <a:fld id="{888E4D63-BE2C-4D4B-BBD2-256262659A9F}" type="datetime1">
               <a:rPr lang="sv-SE" smtClean="0"/>
-              <a:t>2024-05-09</a:t>
+              <a:t>2024-05-14</a:t>
             </a:fld>
             <a:endParaRPr lang="sv-SE" dirty="0"/>
           </a:p>
@@ -24152,8 +24152,8 @@
         </p:nvSpPr>
         <p:spPr>
           <a:xfrm>
-            <a:off x="600075" y="1795850"/>
-            <a:ext cx="5314950" cy="4531923"/>
+            <a:off x="600075" y="1795851"/>
+            <a:ext cx="10990262" cy="1633150"/>
           </a:xfrm>
         </p:spPr>
         <p:txBody>
@@ -24172,7 +24172,7 @@
                 </a:solidFill>
                 <a:latin typeface="Arial" panose="020B0604020202020204" pitchFamily="34" charset="0"/>
               </a:rPr>
-              <a:t>For one sequence with alternating activities</a:t>
+              <a:t>For sequences with alternating activities</a:t>
             </a:r>
             <a:r>
               <a:rPr lang="en-GB" dirty="0"/>
@@ -24228,13 +24228,73 @@
         </p:blipFill>
         <p:spPr>
           <a:xfrm>
-            <a:off x="6275388" y="1971819"/>
-            <a:ext cx="5314950" cy="4179986"/>
+            <a:off x="600075" y="3560808"/>
+            <a:ext cx="3381796" cy="2659641"/>
           </a:xfrm>
           <a:prstGeom prst="rect">
             <a:avLst/>
           </a:prstGeom>
           <a:noFill/>
+        </p:spPr>
+      </p:pic>
+      <p:pic>
+        <p:nvPicPr>
+          <p:cNvPr id="5" name="Picture 4">
+            <a:extLst>
+              <a:ext uri="{FF2B5EF4-FFF2-40B4-BE49-F238E27FC236}">
+                <a16:creationId xmlns:a16="http://schemas.microsoft.com/office/drawing/2014/main" id="{D99F4752-FF44-8BA9-B13E-EB967D500D0E}"/>
+              </a:ext>
+            </a:extLst>
+          </p:cNvPr>
+          <p:cNvPicPr>
+            <a:picLocks noChangeAspect="1"/>
+          </p:cNvPicPr>
+          <p:nvPr/>
+        </p:nvPicPr>
+        <p:blipFill>
+          <a:blip r:embed="rId3"/>
+          <a:stretch>
+            <a:fillRect/>
+          </a:stretch>
+        </p:blipFill>
+        <p:spPr>
+          <a:xfrm>
+            <a:off x="8208541" y="3560049"/>
+            <a:ext cx="3382760" cy="2660400"/>
+          </a:xfrm>
+          <a:prstGeom prst="rect">
+            <a:avLst/>
+          </a:prstGeom>
+        </p:spPr>
+      </p:pic>
+      <p:pic>
+        <p:nvPicPr>
+          <p:cNvPr id="8" name="Picture 7" descr="A graph of blue lines&#10;&#10;Description automatically generated with medium confidence">
+            <a:extLst>
+              <a:ext uri="{FF2B5EF4-FFF2-40B4-BE49-F238E27FC236}">
+                <a16:creationId xmlns:a16="http://schemas.microsoft.com/office/drawing/2014/main" id="{DB738D14-2755-F97A-F35A-92A3588E7306}"/>
+              </a:ext>
+            </a:extLst>
+          </p:cNvPr>
+          <p:cNvPicPr>
+            <a:picLocks noChangeAspect="1"/>
+          </p:cNvPicPr>
+          <p:nvPr/>
+        </p:nvPicPr>
+        <p:blipFill>
+          <a:blip r:embed="rId4"/>
+          <a:stretch>
+            <a:fillRect/>
+          </a:stretch>
+        </p:blipFill>
+        <p:spPr>
+          <a:xfrm>
+            <a:off x="4403826" y="3560049"/>
+            <a:ext cx="3382760" cy="2660400"/>
+          </a:xfrm>
+          <a:prstGeom prst="rect">
+            <a:avLst/>
+          </a:prstGeom>
         </p:spPr>
       </p:pic>
     </p:spTree>
@@ -24962,7 +25022,7 @@
           <a:p>
             <a:r>
               <a:rPr lang="de-DE" dirty="0" err="1"/>
-              <a:t>One</a:t>
+              <a:t>Three</a:t>
             </a:r>
             <a:r>
               <a:rPr lang="de-DE" dirty="0"/>
@@ -24970,15 +25030,15 @@
             </a:r>
             <a:r>
               <a:rPr lang="de-DE" dirty="0" err="1"/>
-              <a:t>sequence</a:t>
+              <a:t>sequences</a:t>
             </a:r>
             <a:r>
               <a:rPr lang="de-DE" dirty="0"/>
-              <a:t> </a:t>
+              <a:t> in </a:t>
             </a:r>
             <a:r>
               <a:rPr lang="de-DE" dirty="0" err="1"/>
-              <a:t>where</a:t>
+              <a:t>which</a:t>
             </a:r>
             <a:r>
               <a:rPr lang="de-DE" dirty="0"/>
